--- a/P3_Presentation.pptx
+++ b/P3_Presentation.pptx
@@ -9,14 +9,15 @@
     <p:sldId id="257" r:id="rId3"/>
     <p:sldId id="258" r:id="rId4"/>
     <p:sldId id="259" r:id="rId5"/>
-    <p:sldId id="266" r:id="rId6"/>
-    <p:sldId id="264" r:id="rId7"/>
-    <p:sldId id="260" r:id="rId8"/>
-    <p:sldId id="268" r:id="rId9"/>
-    <p:sldId id="261" r:id="rId10"/>
-    <p:sldId id="262" r:id="rId11"/>
-    <p:sldId id="263" r:id="rId12"/>
-    <p:sldId id="267" r:id="rId13"/>
+    <p:sldId id="268" r:id="rId6"/>
+    <p:sldId id="269" r:id="rId7"/>
+    <p:sldId id="262" r:id="rId8"/>
+    <p:sldId id="263" r:id="rId9"/>
+    <p:sldId id="260" r:id="rId10"/>
+    <p:sldId id="261" r:id="rId11"/>
+    <p:sldId id="267" r:id="rId12"/>
+    <p:sldId id="264" r:id="rId13"/>
+    <p:sldId id="266" r:id="rId14"/>
   </p:sldIdLst>
   <p:sldSz cx="12192000" cy="6858000"/>
   <p:notesSz cx="6858000" cy="9144000"/>
@@ -3384,7 +3385,9 @@
     <p:bg>
       <p:bgPr>
         <a:solidFill>
-          <a:schemeClr val="bg1"/>
+          <a:schemeClr val="bg1">
+            <a:lumMod val="95000"/>
+          </a:schemeClr>
         </a:solidFill>
         <a:effectLst/>
       </p:bgPr>
@@ -3405,10 +3408,10 @@
       </p:grpSpPr>
       <p:sp useBgFill="1">
         <p:nvSpPr>
-          <p:cNvPr id="9" name="Rectangle 8">
+          <p:cNvPr id="17" name="Rectangle 16">
             <a:extLst>
               <a:ext uri="{FF2B5EF4-FFF2-40B4-BE49-F238E27FC236}">
-                <a16:creationId xmlns:a16="http://schemas.microsoft.com/office/drawing/2014/main" id="{419501C6-F015-4273-AF88-E0F6C853899F}"/>
+                <a16:creationId xmlns:a16="http://schemas.microsoft.com/office/drawing/2014/main" id="{1660E788-AFA9-4A1B-9991-6AA74632A15B}"/>
               </a:ext>
               <a:ext uri="{C183D7F6-B498-43B3-948B-1728B52AA6E4}">
                 <adec:decorative xmlns:adec="http://schemas.microsoft.com/office/drawing/2017/decorative" val="1"/>
@@ -3465,10 +3468,10 @@
       </p:sp>
       <p:sp>
         <p:nvSpPr>
-          <p:cNvPr id="11" name="Rectangle 10">
+          <p:cNvPr id="19" name="Rectangle 18">
             <a:extLst>
               <a:ext uri="{FF2B5EF4-FFF2-40B4-BE49-F238E27FC236}">
-                <a16:creationId xmlns:a16="http://schemas.microsoft.com/office/drawing/2014/main" id="{CA677DB7-5829-45BD-9754-5EC484CC4253}"/>
+                <a16:creationId xmlns:a16="http://schemas.microsoft.com/office/drawing/2014/main" id="{867D4867-5BA7-4462-B2F6-A23F4A622AA7}"/>
               </a:ext>
               <a:ext uri="{C183D7F6-B498-43B3-948B-1728B52AA6E4}">
                 <adec:decorative xmlns:adec="http://schemas.microsoft.com/office/drawing/2017/decorative" val="1"/>
@@ -3488,30 +3491,28 @@
         </p:nvSpPr>
         <p:spPr>
           <a:xfrm>
-            <a:off x="1" y="1"/>
+            <a:off x="0" y="0"/>
             <a:ext cx="4654296" cy="6858000"/>
           </a:xfrm>
           <a:prstGeom prst="rect">
             <a:avLst/>
           </a:prstGeom>
           <a:solidFill>
-            <a:schemeClr val="accent2"/>
+            <a:schemeClr val="tx2"/>
           </a:solidFill>
           <a:ln>
             <a:noFill/>
           </a:ln>
         </p:spPr>
         <p:style>
-          <a:lnRef idx="2">
-            <a:schemeClr val="accent1">
-              <a:shade val="50000"/>
-            </a:schemeClr>
+          <a:lnRef idx="0">
+            <a:scrgbClr r="0" g="0" b="0"/>
           </a:lnRef>
-          <a:fillRef idx="1">
-            <a:schemeClr val="accent1"/>
+          <a:fillRef idx="0">
+            <a:scrgbClr r="0" g="0" b="0"/>
           </a:fillRef>
           <a:effectRef idx="0">
-            <a:schemeClr val="accent1"/>
+            <a:scrgbClr r="0" g="0" b="0"/>
           </a:effectRef>
           <a:fontRef idx="minor">
             <a:schemeClr val="lt1"/>
@@ -3531,7 +3532,7 @@
           <p:cNvPr id="2" name="Titel 1">
             <a:extLst>
               <a:ext uri="{FF2B5EF4-FFF2-40B4-BE49-F238E27FC236}">
-                <a16:creationId xmlns:a16="http://schemas.microsoft.com/office/drawing/2014/main" id="{B7209E44-79FC-E04D-BE6F-C62CFDDF19C3}"/>
+                <a16:creationId xmlns:a16="http://schemas.microsoft.com/office/drawing/2014/main" id="{6BA9A53A-0FF3-1645-B818-040738B1C462}"/>
               </a:ext>
             </a:extLst>
           </p:cNvPr>
@@ -3544,45 +3545,605 @@
         </p:nvSpPr>
         <p:spPr>
           <a:xfrm>
-            <a:off x="804672" y="2404872"/>
-            <a:ext cx="3044950" cy="1627792"/>
+            <a:off x="643467" y="643467"/>
+            <a:ext cx="3363974" cy="1728044"/>
           </a:xfrm>
+          <a:noFill/>
+          <a:ln>
+            <a:solidFill>
+              <a:schemeClr val="bg1"/>
+            </a:solidFill>
+          </a:ln>
         </p:spPr>
         <p:txBody>
-          <a:bodyPr vert="horz" lIns="274320" tIns="182880" rIns="274320" bIns="182880" rtlCol="0" anchor="ctr" anchorCtr="1">
+          <a:bodyPr vert="horz" wrap="square" lIns="182880" tIns="182880" rIns="182880" bIns="182880" rtlCol="0" anchor="ctr" anchorCtr="1">
             <a:normAutofit/>
           </a:bodyPr>
           <a:lstStyle/>
           <a:p>
             <a:r>
-              <a:rPr lang="en-US" sz="2200"/>
-              <a:t>Trump TWEETS are more</a:t>
+              <a:rPr lang="en-US" sz="2400">
+                <a:solidFill>
+                  <a:schemeClr val="bg1"/>
+                </a:solidFill>
+              </a:rPr>
+              <a:t>SENTIMENT CHANGE </a:t>
             </a:r>
             <a:br>
-              <a:rPr lang="en-US" sz="2200"/>
+              <a:rPr lang="en-US" sz="2400">
+                <a:solidFill>
+                  <a:schemeClr val="bg1"/>
+                </a:solidFill>
+              </a:rPr>
             </a:br>
             <a:r>
-              <a:rPr lang="en-US" sz="2200"/>
-              <a:t>valenced than biden</a:t>
-            </a:r>
+              <a:rPr lang="en-US" sz="2400">
+                <a:solidFill>
+                  <a:schemeClr val="bg1"/>
+                </a:solidFill>
+              </a:rPr>
+              <a:t>AS ELECTION APPROACHES</a:t>
+            </a:r>
+          </a:p>
+        </p:txBody>
+      </p:sp>
+      <p:sp>
+        <p:nvSpPr>
+          <p:cNvPr id="6" name="Rektangel 5">
+            <a:extLst>
+              <a:ext uri="{FF2B5EF4-FFF2-40B4-BE49-F238E27FC236}">
+                <a16:creationId xmlns:a16="http://schemas.microsoft.com/office/drawing/2014/main" id="{2CFC7353-E074-5745-969F-BBE9570DD39E}"/>
+              </a:ext>
+            </a:extLst>
+          </p:cNvPr>
+          <p:cNvSpPr/>
+          <p:nvPr/>
+        </p:nvSpPr>
+        <p:spPr>
+          <a:xfrm>
+            <a:off x="643468" y="2638044"/>
+            <a:ext cx="3363974" cy="3415622"/>
+          </a:xfrm>
+          <a:prstGeom prst="rect">
+            <a:avLst/>
+          </a:prstGeom>
+          <a:solidFill>
+            <a:schemeClr val="bg1"/>
+          </a:solidFill>
+        </p:spPr>
+        <p:txBody>
+          <a:bodyPr vert="horz" lIns="91440" tIns="45720" rIns="91440" bIns="45720" rtlCol="0">
+            <a:normAutofit/>
+          </a:bodyPr>
+          <a:lstStyle/>
+          <a:p>
+            <a:pPr indent="-228600" defTabSz="914400">
+              <a:lnSpc>
+                <a:spcPct val="90000"/>
+              </a:lnSpc>
+              <a:spcBef>
+                <a:spcPts val="1000"/>
+              </a:spcBef>
+              <a:buClr>
+                <a:schemeClr val="accent2"/>
+              </a:buClr>
+              <a:buFont typeface="Arial" panose="020B0604020202020204" pitchFamily="34" charset="0"/>
+              <a:buChar char="•"/>
+            </a:pPr>
+            <a:r>
+              <a:rPr lang="da-DK" sz="1400" dirty="0">
+                <a:solidFill>
+                  <a:srgbClr val="808080"/>
+                </a:solidFill>
+              </a:rPr>
+              <a:t># </a:t>
+            </a:r>
+            <a:r>
+              <a:rPr lang="da-DK" sz="1400" dirty="0" err="1">
+                <a:solidFill>
+                  <a:srgbClr val="808080"/>
+                </a:solidFill>
+              </a:rPr>
+              <a:t>Grouping</a:t>
+            </a:r>
+            <a:r>
+              <a:rPr lang="da-DK" sz="1400" dirty="0">
+                <a:solidFill>
+                  <a:srgbClr val="808080"/>
+                </a:solidFill>
+              </a:rPr>
+              <a:t> by </a:t>
+            </a:r>
+            <a:r>
+              <a:rPr lang="da-DK" sz="1400" dirty="0" err="1">
+                <a:solidFill>
+                  <a:srgbClr val="808080"/>
+                </a:solidFill>
+              </a:rPr>
+              <a:t>days</a:t>
+            </a:r>
+            <a:r>
+              <a:rPr lang="da-DK" sz="1400" dirty="0">
+                <a:solidFill>
+                  <a:srgbClr val="808080"/>
+                </a:solidFill>
+              </a:rPr>
+              <a:t> </a:t>
+            </a:r>
+            <a:r>
+              <a:rPr lang="da-DK" sz="1400" dirty="0" err="1">
+                <a:solidFill>
+                  <a:srgbClr val="808080"/>
+                </a:solidFill>
+              </a:rPr>
+              <a:t>before</a:t>
+            </a:r>
+            <a:r>
+              <a:rPr lang="da-DK" sz="1400" dirty="0">
+                <a:solidFill>
+                  <a:srgbClr val="808080"/>
+                </a:solidFill>
+              </a:rPr>
+              <a:t> </a:t>
+            </a:r>
+            <a:r>
+              <a:rPr lang="da-DK" sz="1400" dirty="0" err="1">
+                <a:solidFill>
+                  <a:srgbClr val="808080"/>
+                </a:solidFill>
+              </a:rPr>
+              <a:t>election</a:t>
+            </a:r>
+            <a:br>
+              <a:rPr lang="da-DK" sz="1400" dirty="0">
+                <a:solidFill>
+                  <a:srgbClr val="808080"/>
+                </a:solidFill>
+              </a:rPr>
+            </a:br>
+            <a:r>
+              <a:rPr lang="da-DK" sz="1400" dirty="0" err="1"/>
+              <a:t>days</a:t>
+            </a:r>
+            <a:r>
+              <a:rPr lang="da-DK" sz="1400" dirty="0"/>
+              <a:t> = </a:t>
+            </a:r>
+            <a:r>
+              <a:rPr lang="da-DK" sz="1400" dirty="0" err="1"/>
+              <a:t>df.groupby</a:t>
+            </a:r>
+            <a:r>
+              <a:rPr lang="da-DK" sz="1400" dirty="0"/>
+              <a:t>(</a:t>
+            </a:r>
+            <a:r>
+              <a:rPr lang="da-DK" sz="1400" dirty="0">
+                <a:solidFill>
+                  <a:srgbClr val="6A8759"/>
+                </a:solidFill>
+              </a:rPr>
+              <a:t>'</a:t>
+            </a:r>
+            <a:r>
+              <a:rPr lang="da-DK" sz="1400" dirty="0" err="1">
+                <a:solidFill>
+                  <a:srgbClr val="6A8759"/>
+                </a:solidFill>
+              </a:rPr>
+              <a:t>days_before_election</a:t>
+            </a:r>
+            <a:r>
+              <a:rPr lang="da-DK" sz="1400" dirty="0">
+                <a:solidFill>
+                  <a:srgbClr val="6A8759"/>
+                </a:solidFill>
+              </a:rPr>
+              <a:t>'</a:t>
+            </a:r>
+            <a:r>
+              <a:rPr lang="da-DK" sz="1400" dirty="0"/>
+              <a:t>)[</a:t>
+            </a:r>
+            <a:r>
+              <a:rPr lang="da-DK" sz="1400" dirty="0">
+                <a:solidFill>
+                  <a:srgbClr val="6A8759"/>
+                </a:solidFill>
+              </a:rPr>
+              <a:t>'</a:t>
+            </a:r>
+            <a:r>
+              <a:rPr lang="da-DK" sz="1400" dirty="0" err="1">
+                <a:solidFill>
+                  <a:srgbClr val="6A8759"/>
+                </a:solidFill>
+              </a:rPr>
+              <a:t>abs_sentiment</a:t>
+            </a:r>
+            <a:r>
+              <a:rPr lang="da-DK" sz="1400" dirty="0">
+                <a:solidFill>
+                  <a:srgbClr val="6A8759"/>
+                </a:solidFill>
+              </a:rPr>
+              <a:t>'</a:t>
+            </a:r>
+            <a:r>
+              <a:rPr lang="da-DK" sz="1400" dirty="0"/>
+              <a:t>].</a:t>
+            </a:r>
+            <a:r>
+              <a:rPr lang="da-DK" sz="1400" dirty="0" err="1"/>
+              <a:t>mean</a:t>
+            </a:r>
+            <a:r>
+              <a:rPr lang="da-DK" sz="1400" dirty="0"/>
+              <a:t>().</a:t>
+            </a:r>
+            <a:r>
+              <a:rPr lang="da-DK" sz="1400" dirty="0" err="1"/>
+              <a:t>reset_index</a:t>
+            </a:r>
+            <a:r>
+              <a:rPr lang="da-DK" sz="1400" dirty="0"/>
+              <a:t>()</a:t>
+            </a:r>
+            <a:br>
+              <a:rPr lang="da-DK" sz="1400" dirty="0"/>
+            </a:br>
+            <a:br>
+              <a:rPr lang="da-DK" sz="1400" dirty="0"/>
+            </a:br>
+            <a:r>
+              <a:rPr lang="da-DK" sz="1400" dirty="0">
+                <a:solidFill>
+                  <a:srgbClr val="808080"/>
+                </a:solidFill>
+              </a:rPr>
+              <a:t># </a:t>
+            </a:r>
+            <a:r>
+              <a:rPr lang="da-DK" sz="1400" dirty="0" err="1">
+                <a:solidFill>
+                  <a:srgbClr val="808080"/>
+                </a:solidFill>
+              </a:rPr>
+              <a:t>Making</a:t>
+            </a:r>
+            <a:r>
+              <a:rPr lang="da-DK" sz="1400" dirty="0">
+                <a:solidFill>
+                  <a:srgbClr val="808080"/>
+                </a:solidFill>
+              </a:rPr>
+              <a:t> the plot</a:t>
+            </a:r>
+            <a:br>
+              <a:rPr lang="da-DK" sz="1400" dirty="0">
+                <a:solidFill>
+                  <a:srgbClr val="808080"/>
+                </a:solidFill>
+              </a:rPr>
+            </a:br>
+            <a:r>
+              <a:rPr lang="da-DK" sz="1400" dirty="0" err="1"/>
+              <a:t>fig</a:t>
+            </a:r>
+            <a:r>
+              <a:rPr lang="da-DK" sz="1400" dirty="0">
+                <a:solidFill>
+                  <a:srgbClr val="CC7832"/>
+                </a:solidFill>
+              </a:rPr>
+              <a:t>, </a:t>
+            </a:r>
+            <a:r>
+              <a:rPr lang="da-DK" sz="1400" dirty="0" err="1"/>
+              <a:t>ax</a:t>
+            </a:r>
+            <a:r>
+              <a:rPr lang="da-DK" sz="1400" dirty="0"/>
+              <a:t> = </a:t>
+            </a:r>
+            <a:r>
+              <a:rPr lang="da-DK" sz="1400" dirty="0" err="1"/>
+              <a:t>plt.subplots</a:t>
+            </a:r>
+            <a:r>
+              <a:rPr lang="da-DK" sz="1400" dirty="0"/>
+              <a:t>()</a:t>
+            </a:r>
+            <a:br>
+              <a:rPr lang="da-DK" sz="1400" dirty="0"/>
+            </a:br>
+            <a:r>
+              <a:rPr lang="da-DK" sz="1400" dirty="0" err="1"/>
+              <a:t>ax.plot</a:t>
+            </a:r>
+            <a:r>
+              <a:rPr lang="da-DK" sz="1400" dirty="0"/>
+              <a:t>(</a:t>
+            </a:r>
+            <a:r>
+              <a:rPr lang="da-DK" sz="1400" dirty="0">
+                <a:solidFill>
+                  <a:srgbClr val="6A8759"/>
+                </a:solidFill>
+              </a:rPr>
+              <a:t>'</a:t>
+            </a:r>
+            <a:r>
+              <a:rPr lang="da-DK" sz="1400" dirty="0" err="1">
+                <a:solidFill>
+                  <a:srgbClr val="6A8759"/>
+                </a:solidFill>
+              </a:rPr>
+              <a:t>days_before_election</a:t>
+            </a:r>
+            <a:r>
+              <a:rPr lang="da-DK" sz="1400" dirty="0">
+                <a:solidFill>
+                  <a:srgbClr val="6A8759"/>
+                </a:solidFill>
+              </a:rPr>
+              <a:t>'</a:t>
+            </a:r>
+            <a:r>
+              <a:rPr lang="da-DK" sz="1400" dirty="0">
+                <a:solidFill>
+                  <a:srgbClr val="CC7832"/>
+                </a:solidFill>
+              </a:rPr>
+              <a:t>, </a:t>
+            </a:r>
+            <a:r>
+              <a:rPr lang="da-DK" sz="1400" dirty="0">
+                <a:solidFill>
+                  <a:srgbClr val="6A8759"/>
+                </a:solidFill>
+              </a:rPr>
+              <a:t>'</a:t>
+            </a:r>
+            <a:r>
+              <a:rPr lang="da-DK" sz="1400" dirty="0" err="1">
+                <a:solidFill>
+                  <a:srgbClr val="6A8759"/>
+                </a:solidFill>
+              </a:rPr>
+              <a:t>abs_sentiment</a:t>
+            </a:r>
+            <a:r>
+              <a:rPr lang="da-DK" sz="1400" dirty="0">
+                <a:solidFill>
+                  <a:srgbClr val="6A8759"/>
+                </a:solidFill>
+              </a:rPr>
+              <a:t>'</a:t>
+            </a:r>
+            <a:r>
+              <a:rPr lang="da-DK" sz="1400" dirty="0">
+                <a:solidFill>
+                  <a:srgbClr val="CC7832"/>
+                </a:solidFill>
+              </a:rPr>
+              <a:t>, </a:t>
+            </a:r>
+            <a:r>
+              <a:rPr lang="da-DK" sz="1400" dirty="0">
+                <a:solidFill>
+                  <a:srgbClr val="AA4926"/>
+                </a:solidFill>
+              </a:rPr>
+              <a:t>data</a:t>
+            </a:r>
+            <a:r>
+              <a:rPr lang="da-DK" sz="1400" dirty="0"/>
+              <a:t>=</a:t>
+            </a:r>
+            <a:r>
+              <a:rPr lang="da-DK" sz="1400" dirty="0" err="1"/>
+              <a:t>days</a:t>
+            </a:r>
+            <a:r>
+              <a:rPr lang="da-DK" sz="1400" dirty="0"/>
+              <a:t>)</a:t>
+            </a:r>
+            <a:br>
+              <a:rPr lang="da-DK" sz="1400" dirty="0"/>
+            </a:br>
+            <a:r>
+              <a:rPr lang="da-DK" sz="1400" dirty="0" err="1"/>
+              <a:t>ax.set_ylabel</a:t>
+            </a:r>
+            <a:r>
+              <a:rPr lang="da-DK" sz="1400" dirty="0"/>
+              <a:t>(</a:t>
+            </a:r>
+            <a:r>
+              <a:rPr lang="da-DK" sz="1400" dirty="0">
+                <a:solidFill>
+                  <a:srgbClr val="6A8759"/>
+                </a:solidFill>
+              </a:rPr>
+              <a:t>'</a:t>
+            </a:r>
+            <a:r>
+              <a:rPr lang="da-DK" sz="1400" dirty="0" err="1">
+                <a:solidFill>
+                  <a:srgbClr val="6A8759"/>
+                </a:solidFill>
+              </a:rPr>
+              <a:t>Sentiment</a:t>
+            </a:r>
+            <a:r>
+              <a:rPr lang="da-DK" sz="1400" dirty="0">
+                <a:solidFill>
+                  <a:srgbClr val="6A8759"/>
+                </a:solidFill>
+              </a:rPr>
+              <a:t>'</a:t>
+            </a:r>
+            <a:r>
+              <a:rPr lang="da-DK" sz="1400" dirty="0"/>
+              <a:t>)</a:t>
+            </a:r>
+            <a:br>
+              <a:rPr lang="da-DK" sz="1400" dirty="0"/>
+            </a:br>
+            <a:r>
+              <a:rPr lang="da-DK" sz="1400" dirty="0" err="1"/>
+              <a:t>ax.set_title</a:t>
+            </a:r>
+            <a:r>
+              <a:rPr lang="da-DK" sz="1400" dirty="0"/>
+              <a:t>(</a:t>
+            </a:r>
+            <a:r>
+              <a:rPr lang="da-DK" sz="1400" dirty="0">
+                <a:solidFill>
+                  <a:srgbClr val="6A8759"/>
+                </a:solidFill>
+              </a:rPr>
+              <a:t>'The </a:t>
+            </a:r>
+            <a:r>
+              <a:rPr lang="da-DK" sz="1400" dirty="0" err="1">
+                <a:solidFill>
+                  <a:srgbClr val="6A8759"/>
+                </a:solidFill>
+              </a:rPr>
+              <a:t>sentiment</a:t>
+            </a:r>
+            <a:r>
+              <a:rPr lang="da-DK" sz="1400" dirty="0">
+                <a:solidFill>
+                  <a:srgbClr val="6A8759"/>
+                </a:solidFill>
+              </a:rPr>
+              <a:t> as </a:t>
+            </a:r>
+            <a:r>
+              <a:rPr lang="da-DK" sz="1400" dirty="0" err="1">
+                <a:solidFill>
+                  <a:srgbClr val="6A8759"/>
+                </a:solidFill>
+              </a:rPr>
+              <a:t>election</a:t>
+            </a:r>
+            <a:r>
+              <a:rPr lang="da-DK" sz="1400" dirty="0">
+                <a:solidFill>
+                  <a:srgbClr val="6A8759"/>
+                </a:solidFill>
+              </a:rPr>
+              <a:t> </a:t>
+            </a:r>
+            <a:r>
+              <a:rPr lang="da-DK" sz="1400" dirty="0" err="1">
+                <a:solidFill>
+                  <a:srgbClr val="6A8759"/>
+                </a:solidFill>
+              </a:rPr>
+              <a:t>day</a:t>
+            </a:r>
+            <a:r>
+              <a:rPr lang="da-DK" sz="1400" dirty="0">
+                <a:solidFill>
+                  <a:srgbClr val="6A8759"/>
+                </a:solidFill>
+              </a:rPr>
+              <a:t> approaches'</a:t>
+            </a:r>
+            <a:r>
+              <a:rPr lang="da-DK" sz="1400" dirty="0"/>
+              <a:t>)</a:t>
+            </a:r>
+            <a:br>
+              <a:rPr lang="da-DK" sz="1400" dirty="0"/>
+            </a:br>
+            <a:br>
+              <a:rPr lang="da-DK" sz="1400" dirty="0"/>
+            </a:br>
+            <a:r>
+              <a:rPr lang="da-DK" sz="1400" dirty="0" err="1"/>
+              <a:t>plt.show</a:t>
+            </a:r>
+            <a:r>
+              <a:rPr lang="da-DK" sz="1400" dirty="0"/>
+              <a:t>()</a:t>
+            </a:r>
+            <a:br>
+              <a:rPr lang="da-DK" sz="1400" dirty="0"/>
+            </a:br>
+            <a:r>
+              <a:rPr lang="da-DK" sz="1400" dirty="0" err="1"/>
+              <a:t>plt.savefig</a:t>
+            </a:r>
+            <a:r>
+              <a:rPr lang="da-DK" sz="1400" dirty="0"/>
+              <a:t>(</a:t>
+            </a:r>
+            <a:r>
+              <a:rPr lang="da-DK" sz="1400" dirty="0">
+                <a:solidFill>
+                  <a:srgbClr val="6A8759"/>
+                </a:solidFill>
+              </a:rPr>
+              <a:t>"./plots/</a:t>
+            </a:r>
+            <a:r>
+              <a:rPr lang="da-DK" sz="1400" dirty="0" err="1">
+                <a:solidFill>
+                  <a:srgbClr val="6A8759"/>
+                </a:solidFill>
+              </a:rPr>
+              <a:t>sentiment_as_election_day_approaches</a:t>
+            </a:r>
+            <a:r>
+              <a:rPr lang="da-DK" sz="1400" dirty="0">
+                <a:solidFill>
+                  <a:srgbClr val="6A8759"/>
+                </a:solidFill>
+              </a:rPr>
+              <a:t>"</a:t>
+            </a:r>
+            <a:r>
+              <a:rPr lang="da-DK" sz="1400" dirty="0"/>
+              <a:t>)</a:t>
+            </a:r>
+            <a:br>
+              <a:rPr lang="da-DK" sz="1400" dirty="0"/>
+            </a:br>
+            <a:r>
+              <a:rPr lang="da-DK" sz="1400" dirty="0" err="1"/>
+              <a:t>plt.clf</a:t>
+            </a:r>
+            <a:r>
+              <a:rPr lang="da-DK" sz="1400" dirty="0"/>
+              <a:t>()</a:t>
+            </a:r>
+            <a:endParaRPr lang="en-US" sz="1400" dirty="0">
+              <a:solidFill>
+                <a:schemeClr val="bg1"/>
+              </a:solidFill>
+            </a:endParaRPr>
           </a:p>
         </p:txBody>
       </p:sp>
       <p:pic>
         <p:nvPicPr>
-          <p:cNvPr id="4" name="Pladsholder til indhold 4">
+          <p:cNvPr id="5" name="Billede 4">
             <a:extLst>
               <a:ext uri="{FF2B5EF4-FFF2-40B4-BE49-F238E27FC236}">
-                <a16:creationId xmlns:a16="http://schemas.microsoft.com/office/drawing/2014/main" id="{6B375E40-EF4A-1943-BC5E-5542B51DBD46}"/>
+                <a16:creationId xmlns:a16="http://schemas.microsoft.com/office/drawing/2014/main" id="{58A1E10E-9DBF-EB4D-9C3E-A82ECDC708D2}"/>
               </a:ext>
             </a:extLst>
           </p:cNvPr>
           <p:cNvPicPr>
-            <a:picLocks noGrp="1" noChangeAspect="1"/>
+            <a:picLocks noChangeAspect="1"/>
           </p:cNvPicPr>
-          <p:nvPr>
-            <p:ph idx="1"/>
-          </p:nvPr>
+          <p:nvPr/>
         </p:nvPicPr>
         <p:blipFill>
           <a:blip r:embed="rId2"/>
@@ -3592,8 +4153,8 @@
         </p:blipFill>
         <p:spPr>
           <a:xfrm>
-            <a:off x="5294376" y="925068"/>
-            <a:ext cx="6257544" cy="4693157"/>
+            <a:off x="5297763" y="1004528"/>
+            <a:ext cx="6250769" cy="4688076"/>
           </a:xfrm>
           <a:prstGeom prst="rect">
             <a:avLst/>
@@ -3603,7 +4164,7 @@
     </p:spTree>
     <p:extLst>
       <p:ext uri="{BB962C8B-B14F-4D97-AF65-F5344CB8AC3E}">
-        <p14:creationId xmlns:p14="http://schemas.microsoft.com/office/powerpoint/2010/main" val="4211630896"/>
+        <p14:creationId xmlns:p14="http://schemas.microsoft.com/office/powerpoint/2010/main" val="73660710"/>
       </p:ext>
     </p:extLst>
   </p:cSld>
@@ -3619,7 +4180,9 @@
     <p:bg>
       <p:bgPr>
         <a:solidFill>
-          <a:schemeClr val="bg1"/>
+          <a:schemeClr val="bg1">
+            <a:lumMod val="95000"/>
+          </a:schemeClr>
         </a:solidFill>
         <a:effectLst/>
       </p:bgPr>
@@ -3640,10 +4203,10 @@
       </p:grpSpPr>
       <p:sp useBgFill="1">
         <p:nvSpPr>
-          <p:cNvPr id="10" name="Rectangle 9">
+          <p:cNvPr id="17" name="Rectangle 16">
             <a:extLst>
               <a:ext uri="{FF2B5EF4-FFF2-40B4-BE49-F238E27FC236}">
-                <a16:creationId xmlns:a16="http://schemas.microsoft.com/office/drawing/2014/main" id="{419501C6-F015-4273-AF88-E0F6C853899F}"/>
+                <a16:creationId xmlns:a16="http://schemas.microsoft.com/office/drawing/2014/main" id="{1660E788-AFA9-4A1B-9991-6AA74632A15B}"/>
               </a:ext>
               <a:ext uri="{C183D7F6-B498-43B3-948B-1728B52AA6E4}">
                 <adec:decorative xmlns:adec="http://schemas.microsoft.com/office/drawing/2017/decorative" val="1"/>
@@ -3700,10 +4263,10 @@
       </p:sp>
       <p:sp>
         <p:nvSpPr>
-          <p:cNvPr id="12" name="Rectangle 11">
+          <p:cNvPr id="19" name="Rectangle 18">
             <a:extLst>
               <a:ext uri="{FF2B5EF4-FFF2-40B4-BE49-F238E27FC236}">
-                <a16:creationId xmlns:a16="http://schemas.microsoft.com/office/drawing/2014/main" id="{CA677DB7-5829-45BD-9754-5EC484CC4253}"/>
+                <a16:creationId xmlns:a16="http://schemas.microsoft.com/office/drawing/2014/main" id="{867D4867-5BA7-4462-B2F6-A23F4A622AA7}"/>
               </a:ext>
               <a:ext uri="{C183D7F6-B498-43B3-948B-1728B52AA6E4}">
                 <adec:decorative xmlns:adec="http://schemas.microsoft.com/office/drawing/2017/decorative" val="1"/>
@@ -3723,30 +4286,28 @@
         </p:nvSpPr>
         <p:spPr>
           <a:xfrm>
-            <a:off x="1" y="1"/>
+            <a:off x="0" y="0"/>
             <a:ext cx="4654296" cy="6858000"/>
           </a:xfrm>
           <a:prstGeom prst="rect">
             <a:avLst/>
           </a:prstGeom>
           <a:solidFill>
-            <a:schemeClr val="accent2"/>
+            <a:schemeClr val="tx2"/>
           </a:solidFill>
           <a:ln>
             <a:noFill/>
           </a:ln>
         </p:spPr>
         <p:style>
-          <a:lnRef idx="2">
-            <a:schemeClr val="accent1">
-              <a:shade val="50000"/>
-            </a:schemeClr>
+          <a:lnRef idx="0">
+            <a:scrgbClr r="0" g="0" b="0"/>
           </a:lnRef>
-          <a:fillRef idx="1">
-            <a:schemeClr val="accent1"/>
+          <a:fillRef idx="0">
+            <a:scrgbClr r="0" g="0" b="0"/>
           </a:fillRef>
           <a:effectRef idx="0">
-            <a:schemeClr val="accent1"/>
+            <a:scrgbClr r="0" g="0" b="0"/>
           </a:effectRef>
           <a:fontRef idx="minor">
             <a:schemeClr val="lt1"/>
@@ -3766,7 +4327,7 @@
           <p:cNvPr id="2" name="Titel 1">
             <a:extLst>
               <a:ext uri="{FF2B5EF4-FFF2-40B4-BE49-F238E27FC236}">
-                <a16:creationId xmlns:a16="http://schemas.microsoft.com/office/drawing/2014/main" id="{C042B466-B053-4E4C-AE9C-F353E7744A26}"/>
+                <a16:creationId xmlns:a16="http://schemas.microsoft.com/office/drawing/2014/main" id="{70BBE269-87FE-594C-9886-4F3C873501A2}"/>
               </a:ext>
             </a:extLst>
           </p:cNvPr>
@@ -3779,36 +4340,63 @@
         </p:nvSpPr>
         <p:spPr>
           <a:xfrm>
-            <a:off x="804672" y="2404872"/>
-            <a:ext cx="3044950" cy="1627792"/>
+            <a:off x="643467" y="643467"/>
+            <a:ext cx="3363974" cy="1728044"/>
           </a:xfrm>
+          <a:noFill/>
+          <a:ln>
+            <a:solidFill>
+              <a:schemeClr val="bg1"/>
+            </a:solidFill>
+          </a:ln>
         </p:spPr>
         <p:txBody>
-          <a:bodyPr vert="horz" lIns="274320" tIns="182880" rIns="274320" bIns="182880" rtlCol="0" anchor="ctr" anchorCtr="1">
+          <a:bodyPr vert="horz" wrap="square" lIns="182880" tIns="182880" rIns="182880" bIns="182880" rtlCol="0" anchor="ctr" anchorCtr="1">
             <a:normAutofit/>
           </a:bodyPr>
           <a:lstStyle/>
           <a:p>
             <a:r>
-              <a:rPr lang="en-US" sz="2600"/>
-              <a:t>DEMOCRATIC STATES ARE PRO-BIDEN</a:t>
+              <a:rPr lang="en-US" sz="2400">
+                <a:solidFill>
+                  <a:schemeClr val="bg1"/>
+                </a:solidFill>
+              </a:rPr>
+              <a:t>Absolute sentiment </a:t>
+            </a:r>
+            <a:br>
+              <a:rPr lang="en-US" sz="2400">
+                <a:solidFill>
+                  <a:schemeClr val="bg1"/>
+                </a:solidFill>
+              </a:rPr>
+            </a:br>
+            <a:r>
+              <a:rPr lang="en-US" sz="2400">
+                <a:solidFill>
+                  <a:schemeClr val="bg1"/>
+                </a:solidFill>
+              </a:rPr>
+              <a:t>by account creation</a:t>
             </a:r>
           </a:p>
         </p:txBody>
       </p:sp>
       <p:pic>
         <p:nvPicPr>
-          <p:cNvPr id="5" name="Billede 4">
+          <p:cNvPr id="5" name="Pladsholder til indhold 4">
             <a:extLst>
               <a:ext uri="{FF2B5EF4-FFF2-40B4-BE49-F238E27FC236}">
-                <a16:creationId xmlns:a16="http://schemas.microsoft.com/office/drawing/2014/main" id="{4C9E839E-609F-574C-B35C-59E78469DDC9}"/>
+                <a16:creationId xmlns:a16="http://schemas.microsoft.com/office/drawing/2014/main" id="{871DEB3B-C235-8347-925C-982D0E8CA1EE}"/>
               </a:ext>
             </a:extLst>
           </p:cNvPr>
           <p:cNvPicPr>
-            <a:picLocks noChangeAspect="1"/>
+            <a:picLocks noGrp="1" noChangeAspect="1"/>
           </p:cNvPicPr>
-          <p:nvPr/>
+          <p:nvPr>
+            <p:ph idx="1"/>
+          </p:nvPr>
         </p:nvPicPr>
         <p:blipFill>
           <a:blip r:embed="rId2"/>
@@ -3818,18 +4406,508 @@
         </p:blipFill>
         <p:spPr>
           <a:xfrm>
-            <a:off x="5294376" y="925068"/>
-            <a:ext cx="6257544" cy="4693157"/>
+            <a:off x="5297763" y="1004528"/>
+            <a:ext cx="6250769" cy="4688076"/>
           </a:xfrm>
           <a:prstGeom prst="rect">
             <a:avLst/>
           </a:prstGeom>
         </p:spPr>
       </p:pic>
+      <p:sp>
+        <p:nvSpPr>
+          <p:cNvPr id="7" name="Rektangel 6">
+            <a:extLst>
+              <a:ext uri="{FF2B5EF4-FFF2-40B4-BE49-F238E27FC236}">
+                <a16:creationId xmlns:a16="http://schemas.microsoft.com/office/drawing/2014/main" id="{F885B6D9-4677-714C-86FF-AE84D8F472ED}"/>
+              </a:ext>
+            </a:extLst>
+          </p:cNvPr>
+          <p:cNvSpPr/>
+          <p:nvPr/>
+        </p:nvSpPr>
+        <p:spPr>
+          <a:xfrm>
+            <a:off x="82871" y="2778330"/>
+            <a:ext cx="4485166" cy="3693319"/>
+          </a:xfrm>
+          <a:prstGeom prst="rect">
+            <a:avLst/>
+          </a:prstGeom>
+          <a:solidFill>
+            <a:schemeClr val="bg1">
+              <a:lumMod val="95000"/>
+            </a:schemeClr>
+          </a:solidFill>
+        </p:spPr>
+        <p:txBody>
+          <a:bodyPr wrap="square">
+            <a:spAutoFit/>
+          </a:bodyPr>
+          <a:lstStyle/>
+          <a:p>
+            <a:r>
+              <a:rPr lang="da-DK" dirty="0">
+                <a:solidFill>
+                  <a:schemeClr val="bg1">
+                    <a:lumMod val="65000"/>
+                  </a:schemeClr>
+                </a:solidFill>
+              </a:rPr>
+              <a:t># </a:t>
+            </a:r>
+            <a:r>
+              <a:rPr lang="da-DK" dirty="0" err="1">
+                <a:solidFill>
+                  <a:schemeClr val="bg1">
+                    <a:lumMod val="65000"/>
+                  </a:schemeClr>
+                </a:solidFill>
+              </a:rPr>
+              <a:t>Grouping</a:t>
+            </a:r>
+            <a:r>
+              <a:rPr lang="da-DK" dirty="0">
+                <a:solidFill>
+                  <a:schemeClr val="bg1">
+                    <a:lumMod val="65000"/>
+                  </a:schemeClr>
+                </a:solidFill>
+              </a:rPr>
+              <a:t> by </a:t>
+            </a:r>
+            <a:r>
+              <a:rPr lang="da-DK" dirty="0" err="1">
+                <a:solidFill>
+                  <a:schemeClr val="bg1">
+                    <a:lumMod val="65000"/>
+                  </a:schemeClr>
+                </a:solidFill>
+              </a:rPr>
+              <a:t>day</a:t>
+            </a:r>
+            <a:r>
+              <a:rPr lang="da-DK" dirty="0">
+                <a:solidFill>
+                  <a:schemeClr val="bg1">
+                    <a:lumMod val="65000"/>
+                  </a:schemeClr>
+                </a:solidFill>
+              </a:rPr>
+              <a:t> </a:t>
+            </a:r>
+            <a:r>
+              <a:rPr lang="da-DK" dirty="0" err="1">
+                <a:solidFill>
+                  <a:schemeClr val="bg1">
+                    <a:lumMod val="65000"/>
+                  </a:schemeClr>
+                </a:solidFill>
+              </a:rPr>
+              <a:t>tweeted</a:t>
+            </a:r>
+            <a:endParaRPr lang="da-DK" dirty="0">
+              <a:solidFill>
+                <a:schemeClr val="bg1">
+                  <a:lumMod val="65000"/>
+                </a:schemeClr>
+              </a:solidFill>
+            </a:endParaRPr>
+          </a:p>
+          <a:p>
+            <a:r>
+              <a:rPr lang="da-DK" dirty="0" err="1"/>
+              <a:t>daily_tweeting</a:t>
+            </a:r>
+            <a:r>
+              <a:rPr lang="da-DK" dirty="0"/>
+              <a:t> = </a:t>
+            </a:r>
+            <a:r>
+              <a:rPr lang="da-DK" dirty="0" err="1"/>
+              <a:t>df.groupby</a:t>
+            </a:r>
+            <a:r>
+              <a:rPr lang="da-DK" dirty="0"/>
+              <a:t>([</a:t>
+            </a:r>
+            <a:r>
+              <a:rPr lang="da-DK" dirty="0">
+                <a:solidFill>
+                  <a:srgbClr val="6A8759"/>
+                </a:solidFill>
+              </a:rPr>
+              <a:t>'</a:t>
+            </a:r>
+            <a:r>
+              <a:rPr lang="da-DK" dirty="0" err="1">
+                <a:solidFill>
+                  <a:srgbClr val="6A8759"/>
+                </a:solidFill>
+              </a:rPr>
+              <a:t>day_tweeted</a:t>
+            </a:r>
+            <a:r>
+              <a:rPr lang="da-DK" dirty="0">
+                <a:solidFill>
+                  <a:srgbClr val="6A8759"/>
+                </a:solidFill>
+              </a:rPr>
+              <a:t>’</a:t>
+            </a:r>
+            <a:r>
+              <a:rPr lang="da-DK" dirty="0"/>
+              <a:t>]).</a:t>
+            </a:r>
+            <a:br>
+              <a:rPr lang="da-DK" dirty="0"/>
+            </a:br>
+            <a:r>
+              <a:rPr lang="da-DK" dirty="0" err="1"/>
+              <a:t>size</a:t>
+            </a:r>
+            <a:r>
+              <a:rPr lang="da-DK" dirty="0"/>
+              <a:t>().</a:t>
+            </a:r>
+            <a:r>
+              <a:rPr lang="da-DK" dirty="0" err="1"/>
+              <a:t>reset_index</a:t>
+            </a:r>
+            <a:r>
+              <a:rPr lang="da-DK" dirty="0"/>
+              <a:t>(</a:t>
+            </a:r>
+            <a:r>
+              <a:rPr lang="da-DK" dirty="0" err="1">
+                <a:solidFill>
+                  <a:srgbClr val="AA4926"/>
+                </a:solidFill>
+              </a:rPr>
+              <a:t>name</a:t>
+            </a:r>
+            <a:r>
+              <a:rPr lang="da-DK" dirty="0"/>
+              <a:t>=</a:t>
+            </a:r>
+            <a:r>
+              <a:rPr lang="da-DK" dirty="0">
+                <a:solidFill>
+                  <a:srgbClr val="6A8759"/>
+                </a:solidFill>
+              </a:rPr>
+              <a:t>'</a:t>
+            </a:r>
+            <a:r>
+              <a:rPr lang="da-DK" dirty="0" err="1">
+                <a:solidFill>
+                  <a:srgbClr val="6A8759"/>
+                </a:solidFill>
+              </a:rPr>
+              <a:t>counts</a:t>
+            </a:r>
+            <a:r>
+              <a:rPr lang="da-DK" dirty="0">
+                <a:solidFill>
+                  <a:srgbClr val="6A8759"/>
+                </a:solidFill>
+              </a:rPr>
+              <a:t>'</a:t>
+            </a:r>
+            <a:r>
+              <a:rPr lang="da-DK" dirty="0"/>
+              <a:t>)</a:t>
+            </a:r>
+            <a:br>
+              <a:rPr lang="da-DK" dirty="0"/>
+            </a:br>
+            <a:br>
+              <a:rPr lang="da-DK" dirty="0"/>
+            </a:br>
+            <a:r>
+              <a:rPr lang="da-DK" dirty="0">
+                <a:solidFill>
+                  <a:srgbClr val="808080"/>
+                </a:solidFill>
+              </a:rPr>
+              <a:t># </a:t>
+            </a:r>
+            <a:r>
+              <a:rPr lang="da-DK" dirty="0" err="1">
+                <a:solidFill>
+                  <a:srgbClr val="808080"/>
+                </a:solidFill>
+              </a:rPr>
+              <a:t>Making</a:t>
+            </a:r>
+            <a:r>
+              <a:rPr lang="da-DK" dirty="0">
+                <a:solidFill>
+                  <a:srgbClr val="808080"/>
+                </a:solidFill>
+              </a:rPr>
+              <a:t> the plot</a:t>
+            </a:r>
+            <a:br>
+              <a:rPr lang="da-DK" dirty="0">
+                <a:solidFill>
+                  <a:srgbClr val="808080"/>
+                </a:solidFill>
+              </a:rPr>
+            </a:br>
+            <a:r>
+              <a:rPr lang="da-DK" dirty="0" err="1"/>
+              <a:t>fig</a:t>
+            </a:r>
+            <a:r>
+              <a:rPr lang="da-DK" dirty="0">
+                <a:solidFill>
+                  <a:srgbClr val="CC7832"/>
+                </a:solidFill>
+              </a:rPr>
+              <a:t>, </a:t>
+            </a:r>
+            <a:r>
+              <a:rPr lang="da-DK" dirty="0" err="1"/>
+              <a:t>ax</a:t>
+            </a:r>
+            <a:r>
+              <a:rPr lang="da-DK" dirty="0"/>
+              <a:t> = </a:t>
+            </a:r>
+            <a:r>
+              <a:rPr lang="da-DK" dirty="0" err="1"/>
+              <a:t>plt.subplots</a:t>
+            </a:r>
+            <a:r>
+              <a:rPr lang="da-DK" dirty="0"/>
+              <a:t>()</a:t>
+            </a:r>
+            <a:br>
+              <a:rPr lang="da-DK" dirty="0"/>
+            </a:br>
+            <a:r>
+              <a:rPr lang="da-DK" dirty="0" err="1"/>
+              <a:t>ax.plot</a:t>
+            </a:r>
+            <a:r>
+              <a:rPr lang="da-DK" dirty="0"/>
+              <a:t>(</a:t>
+            </a:r>
+            <a:r>
+              <a:rPr lang="da-DK" dirty="0" err="1"/>
+              <a:t>daily_tweeting</a:t>
+            </a:r>
+            <a:r>
+              <a:rPr lang="da-DK" dirty="0"/>
+              <a:t>[</a:t>
+            </a:r>
+            <a:r>
+              <a:rPr lang="da-DK" dirty="0">
+                <a:solidFill>
+                  <a:srgbClr val="6A8759"/>
+                </a:solidFill>
+              </a:rPr>
+              <a:t>'</a:t>
+            </a:r>
+            <a:r>
+              <a:rPr lang="da-DK" dirty="0" err="1">
+                <a:solidFill>
+                  <a:srgbClr val="6A8759"/>
+                </a:solidFill>
+              </a:rPr>
+              <a:t>day_tweeted</a:t>
+            </a:r>
+            <a:r>
+              <a:rPr lang="da-DK" dirty="0">
+                <a:solidFill>
+                  <a:srgbClr val="6A8759"/>
+                </a:solidFill>
+              </a:rPr>
+              <a:t>'</a:t>
+            </a:r>
+            <a:r>
+              <a:rPr lang="da-DK" dirty="0"/>
+              <a:t>]</a:t>
+            </a:r>
+            <a:r>
+              <a:rPr lang="da-DK" dirty="0">
+                <a:solidFill>
+                  <a:srgbClr val="CC7832"/>
+                </a:solidFill>
+              </a:rPr>
+              <a:t>, </a:t>
+            </a:r>
+            <a:r>
+              <a:rPr lang="da-DK" dirty="0" err="1"/>
+              <a:t>daily_tweeting</a:t>
+            </a:r>
+            <a:r>
+              <a:rPr lang="da-DK" dirty="0"/>
+              <a:t>[</a:t>
+            </a:r>
+            <a:r>
+              <a:rPr lang="da-DK" dirty="0">
+                <a:solidFill>
+                  <a:srgbClr val="6A8759"/>
+                </a:solidFill>
+              </a:rPr>
+              <a:t>'</a:t>
+            </a:r>
+            <a:r>
+              <a:rPr lang="da-DK" dirty="0" err="1">
+                <a:solidFill>
+                  <a:srgbClr val="6A8759"/>
+                </a:solidFill>
+              </a:rPr>
+              <a:t>counts</a:t>
+            </a:r>
+            <a:r>
+              <a:rPr lang="da-DK" dirty="0">
+                <a:solidFill>
+                  <a:srgbClr val="6A8759"/>
+                </a:solidFill>
+              </a:rPr>
+              <a:t>'</a:t>
+            </a:r>
+            <a:r>
+              <a:rPr lang="da-DK" dirty="0"/>
+              <a:t>])</a:t>
+            </a:r>
+            <a:br>
+              <a:rPr lang="da-DK" dirty="0"/>
+            </a:br>
+            <a:r>
+              <a:rPr lang="da-DK" dirty="0" err="1"/>
+              <a:t>ax.set_ylabel</a:t>
+            </a:r>
+            <a:r>
+              <a:rPr lang="da-DK" dirty="0"/>
+              <a:t>(</a:t>
+            </a:r>
+            <a:r>
+              <a:rPr lang="da-DK" dirty="0">
+                <a:solidFill>
+                  <a:srgbClr val="6A8759"/>
+                </a:solidFill>
+              </a:rPr>
+              <a:t>'</a:t>
+            </a:r>
+            <a:r>
+              <a:rPr lang="da-DK" dirty="0" err="1">
+                <a:solidFill>
+                  <a:srgbClr val="6A8759"/>
+                </a:solidFill>
+              </a:rPr>
+              <a:t>Frequency</a:t>
+            </a:r>
+            <a:r>
+              <a:rPr lang="da-DK" dirty="0">
+                <a:solidFill>
+                  <a:srgbClr val="6A8759"/>
+                </a:solidFill>
+              </a:rPr>
+              <a:t>'</a:t>
+            </a:r>
+            <a:r>
+              <a:rPr lang="da-DK" dirty="0"/>
+              <a:t>)</a:t>
+            </a:r>
+            <a:br>
+              <a:rPr lang="da-DK" dirty="0"/>
+            </a:br>
+            <a:r>
+              <a:rPr lang="da-DK" dirty="0" err="1"/>
+              <a:t>ax.set_title</a:t>
+            </a:r>
+            <a:r>
+              <a:rPr lang="da-DK" dirty="0"/>
+              <a:t>(</a:t>
+            </a:r>
+            <a:r>
+              <a:rPr lang="da-DK" dirty="0">
+                <a:solidFill>
+                  <a:srgbClr val="6A8759"/>
+                </a:solidFill>
+              </a:rPr>
+              <a:t>'</a:t>
+            </a:r>
+            <a:r>
+              <a:rPr lang="da-DK" dirty="0" err="1">
+                <a:solidFill>
+                  <a:srgbClr val="6A8759"/>
+                </a:solidFill>
+              </a:rPr>
+              <a:t>Tweets</a:t>
+            </a:r>
+            <a:r>
+              <a:rPr lang="da-DK" dirty="0">
+                <a:solidFill>
+                  <a:srgbClr val="6A8759"/>
+                </a:solidFill>
+              </a:rPr>
+              <a:t> per Day'</a:t>
+            </a:r>
+            <a:r>
+              <a:rPr lang="da-DK" dirty="0"/>
+              <a:t>)</a:t>
+            </a:r>
+            <a:br>
+              <a:rPr lang="da-DK" dirty="0"/>
+            </a:br>
+            <a:r>
+              <a:rPr lang="da-DK" dirty="0" err="1"/>
+              <a:t>plt.xticks</a:t>
+            </a:r>
+            <a:r>
+              <a:rPr lang="da-DK" dirty="0"/>
+              <a:t>(</a:t>
+            </a:r>
+            <a:r>
+              <a:rPr lang="da-DK" dirty="0">
+                <a:solidFill>
+                  <a:srgbClr val="AA4926"/>
+                </a:solidFill>
+              </a:rPr>
+              <a:t>rotation</a:t>
+            </a:r>
+            <a:r>
+              <a:rPr lang="da-DK" dirty="0"/>
+              <a:t>=</a:t>
+            </a:r>
+            <a:r>
+              <a:rPr lang="da-DK" dirty="0">
+                <a:solidFill>
+                  <a:srgbClr val="6897BB"/>
+                </a:solidFill>
+              </a:rPr>
+              <a:t>90</a:t>
+            </a:r>
+            <a:r>
+              <a:rPr lang="da-DK" dirty="0"/>
+              <a:t>)</a:t>
+            </a:r>
+            <a:br>
+              <a:rPr lang="da-DK" dirty="0"/>
+            </a:br>
+            <a:br>
+              <a:rPr lang="da-DK" dirty="0"/>
+            </a:br>
+            <a:r>
+              <a:rPr lang="da-DK" dirty="0" err="1"/>
+              <a:t>plt.show</a:t>
+            </a:r>
+            <a:r>
+              <a:rPr lang="da-DK" dirty="0"/>
+              <a:t>()</a:t>
+            </a:r>
+          </a:p>
+        </p:txBody>
+      </p:sp>
     </p:spTree>
     <p:extLst>
       <p:ext uri="{BB962C8B-B14F-4D97-AF65-F5344CB8AC3E}">
-        <p14:creationId xmlns:p14="http://schemas.microsoft.com/office/powerpoint/2010/main" val="922627121"/>
+        <p14:creationId xmlns:p14="http://schemas.microsoft.com/office/powerpoint/2010/main" val="545498701"/>
       </p:ext>
     </p:extLst>
   </p:cSld>
@@ -3845,7 +4923,9 @@
     <p:bg>
       <p:bgPr>
         <a:solidFill>
-          <a:schemeClr val="bg1"/>
+          <a:schemeClr val="bg1">
+            <a:lumMod val="95000"/>
+          </a:schemeClr>
         </a:solidFill>
         <a:effectLst/>
       </p:bgPr>
@@ -3866,10 +4946,10 @@
       </p:grpSpPr>
       <p:sp useBgFill="1">
         <p:nvSpPr>
-          <p:cNvPr id="10" name="Rectangle 9">
+          <p:cNvPr id="17" name="Rectangle 16">
             <a:extLst>
               <a:ext uri="{FF2B5EF4-FFF2-40B4-BE49-F238E27FC236}">
-                <a16:creationId xmlns:a16="http://schemas.microsoft.com/office/drawing/2014/main" id="{419501C6-F015-4273-AF88-E0F6C853899F}"/>
+                <a16:creationId xmlns:a16="http://schemas.microsoft.com/office/drawing/2014/main" id="{1660E788-AFA9-4A1B-9991-6AA74632A15B}"/>
               </a:ext>
               <a:ext uri="{C183D7F6-B498-43B3-948B-1728B52AA6E4}">
                 <adec:decorative xmlns:adec="http://schemas.microsoft.com/office/drawing/2017/decorative" val="1"/>
@@ -3926,10 +5006,10 @@
       </p:sp>
       <p:sp>
         <p:nvSpPr>
-          <p:cNvPr id="12" name="Rectangle 11">
+          <p:cNvPr id="19" name="Rectangle 18">
             <a:extLst>
               <a:ext uri="{FF2B5EF4-FFF2-40B4-BE49-F238E27FC236}">
-                <a16:creationId xmlns:a16="http://schemas.microsoft.com/office/drawing/2014/main" id="{CA677DB7-5829-45BD-9754-5EC484CC4253}"/>
+                <a16:creationId xmlns:a16="http://schemas.microsoft.com/office/drawing/2014/main" id="{867D4867-5BA7-4462-B2F6-A23F4A622AA7}"/>
               </a:ext>
               <a:ext uri="{C183D7F6-B498-43B3-948B-1728B52AA6E4}">
                 <adec:decorative xmlns:adec="http://schemas.microsoft.com/office/drawing/2017/decorative" val="1"/>
@@ -3949,14 +5029,955 @@
         </p:nvSpPr>
         <p:spPr>
           <a:xfrm>
-            <a:off x="1" y="1"/>
+            <a:off x="0" y="0"/>
             <a:ext cx="4654296" cy="6858000"/>
           </a:xfrm>
           <a:prstGeom prst="rect">
             <a:avLst/>
           </a:prstGeom>
           <a:solidFill>
-            <a:schemeClr val="accent2"/>
+            <a:schemeClr val="tx2"/>
+          </a:solidFill>
+          <a:ln>
+            <a:noFill/>
+          </a:ln>
+        </p:spPr>
+        <p:style>
+          <a:lnRef idx="0">
+            <a:scrgbClr r="0" g="0" b="0"/>
+          </a:lnRef>
+          <a:fillRef idx="0">
+            <a:scrgbClr r="0" g="0" b="0"/>
+          </a:fillRef>
+          <a:effectRef idx="0">
+            <a:scrgbClr r="0" g="0" b="0"/>
+          </a:effectRef>
+          <a:fontRef idx="minor">
+            <a:schemeClr val="lt1"/>
+          </a:fontRef>
+        </p:style>
+        <p:txBody>
+          <a:bodyPr rtlCol="0" anchor="ctr"/>
+          <a:lstStyle/>
+          <a:p>
+            <a:pPr algn="ctr"/>
+            <a:endParaRPr lang="en-US"/>
+          </a:p>
+        </p:txBody>
+      </p:sp>
+      <p:sp>
+        <p:nvSpPr>
+          <p:cNvPr id="2" name="Titel 1">
+            <a:extLst>
+              <a:ext uri="{FF2B5EF4-FFF2-40B4-BE49-F238E27FC236}">
+                <a16:creationId xmlns:a16="http://schemas.microsoft.com/office/drawing/2014/main" id="{A932C507-A973-DE44-8F26-BC06487DA0D2}"/>
+              </a:ext>
+            </a:extLst>
+          </p:cNvPr>
+          <p:cNvSpPr>
+            <a:spLocks noGrp="1"/>
+          </p:cNvSpPr>
+          <p:nvPr>
+            <p:ph type="title"/>
+          </p:nvPr>
+        </p:nvSpPr>
+        <p:spPr>
+          <a:xfrm>
+            <a:off x="643467" y="643467"/>
+            <a:ext cx="3363974" cy="1728044"/>
+          </a:xfrm>
+          <a:noFill/>
+          <a:ln>
+            <a:solidFill>
+              <a:schemeClr val="bg1"/>
+            </a:solidFill>
+          </a:ln>
+        </p:spPr>
+        <p:txBody>
+          <a:bodyPr vert="horz" wrap="square" lIns="182880" tIns="182880" rIns="182880" bIns="182880" rtlCol="0" anchor="ctr" anchorCtr="1">
+            <a:normAutofit/>
+          </a:bodyPr>
+          <a:lstStyle/>
+          <a:p>
+            <a:r>
+              <a:rPr lang="en-US">
+                <a:solidFill>
+                  <a:schemeClr val="bg1"/>
+                </a:solidFill>
+              </a:rPr>
+              <a:t>Tweets per sentiment verdict</a:t>
+            </a:r>
+          </a:p>
+        </p:txBody>
+      </p:sp>
+      <p:sp>
+        <p:nvSpPr>
+          <p:cNvPr id="6" name="Rektangel 5">
+            <a:extLst>
+              <a:ext uri="{FF2B5EF4-FFF2-40B4-BE49-F238E27FC236}">
+                <a16:creationId xmlns:a16="http://schemas.microsoft.com/office/drawing/2014/main" id="{BFFA2274-CB54-384D-BBDF-C2DFFAE7D550}"/>
+              </a:ext>
+            </a:extLst>
+          </p:cNvPr>
+          <p:cNvSpPr/>
+          <p:nvPr/>
+        </p:nvSpPr>
+        <p:spPr>
+          <a:xfrm>
+            <a:off x="643468" y="2638044"/>
+            <a:ext cx="3363974" cy="3415622"/>
+          </a:xfrm>
+          <a:prstGeom prst="rect">
+            <a:avLst/>
+          </a:prstGeom>
+          <a:solidFill>
+            <a:schemeClr val="bg1"/>
+          </a:solidFill>
+        </p:spPr>
+        <p:txBody>
+          <a:bodyPr vert="horz" lIns="91440" tIns="45720" rIns="91440" bIns="45720" rtlCol="0">
+            <a:normAutofit/>
+          </a:bodyPr>
+          <a:lstStyle/>
+          <a:p>
+            <a:pPr defTabSz="914400">
+              <a:lnSpc>
+                <a:spcPct val="90000"/>
+              </a:lnSpc>
+              <a:spcBef>
+                <a:spcPts val="1000"/>
+              </a:spcBef>
+              <a:buClr>
+                <a:schemeClr val="accent2"/>
+              </a:buClr>
+            </a:pPr>
+            <a:r>
+              <a:rPr lang="da-DK" sz="1100" dirty="0">
+                <a:solidFill>
+                  <a:srgbClr val="808080"/>
+                </a:solidFill>
+              </a:rPr>
+              <a:t># </a:t>
+            </a:r>
+            <a:r>
+              <a:rPr lang="da-DK" sz="1100" dirty="0" err="1">
+                <a:solidFill>
+                  <a:srgbClr val="808080"/>
+                </a:solidFill>
+              </a:rPr>
+              <a:t>Grouping</a:t>
+            </a:r>
+            <a:r>
+              <a:rPr lang="da-DK" sz="1100" dirty="0">
+                <a:solidFill>
+                  <a:srgbClr val="808080"/>
+                </a:solidFill>
+              </a:rPr>
+              <a:t> by </a:t>
+            </a:r>
+            <a:r>
+              <a:rPr lang="da-DK" sz="1100" dirty="0" err="1">
+                <a:solidFill>
+                  <a:srgbClr val="808080"/>
+                </a:solidFill>
+              </a:rPr>
+              <a:t>sentiment</a:t>
+            </a:r>
+            <a:r>
+              <a:rPr lang="da-DK" sz="1100" dirty="0">
+                <a:solidFill>
+                  <a:srgbClr val="808080"/>
+                </a:solidFill>
+              </a:rPr>
+              <a:t> label</a:t>
+            </a:r>
+            <a:br>
+              <a:rPr lang="da-DK" sz="1100" dirty="0">
+                <a:solidFill>
+                  <a:srgbClr val="808080"/>
+                </a:solidFill>
+              </a:rPr>
+            </a:br>
+            <a:r>
+              <a:rPr lang="da-DK" sz="1100" dirty="0" err="1"/>
+              <a:t>grouped_by_overall_sentiment</a:t>
+            </a:r>
+            <a:r>
+              <a:rPr lang="da-DK" sz="1100" dirty="0"/>
+              <a:t> = </a:t>
+            </a:r>
+            <a:r>
+              <a:rPr lang="da-DK" sz="1100" dirty="0" err="1"/>
+              <a:t>df.groupby</a:t>
+            </a:r>
+            <a:r>
+              <a:rPr lang="da-DK" sz="1100" dirty="0"/>
+              <a:t>(</a:t>
+            </a:r>
+            <a:r>
+              <a:rPr lang="da-DK" sz="1100" dirty="0">
+                <a:solidFill>
+                  <a:srgbClr val="6A8759"/>
+                </a:solidFill>
+              </a:rPr>
+              <a:t>'</a:t>
+            </a:r>
+            <a:r>
+              <a:rPr lang="da-DK" sz="1100" dirty="0" err="1">
+                <a:solidFill>
+                  <a:srgbClr val="6A8759"/>
+                </a:solidFill>
+              </a:rPr>
+              <a:t>sentiment_overall</a:t>
+            </a:r>
+            <a:r>
+              <a:rPr lang="da-DK" sz="1100" dirty="0">
+                <a:solidFill>
+                  <a:srgbClr val="6A8759"/>
+                </a:solidFill>
+              </a:rPr>
+              <a:t>'</a:t>
+            </a:r>
+            <a:r>
+              <a:rPr lang="da-DK" sz="1100" dirty="0"/>
+              <a:t>).</a:t>
+            </a:r>
+            <a:r>
+              <a:rPr lang="da-DK" sz="1100" dirty="0" err="1"/>
+              <a:t>size</a:t>
+            </a:r>
+            <a:r>
+              <a:rPr lang="da-DK" sz="1100" dirty="0"/>
+              <a:t>().</a:t>
+            </a:r>
+            <a:r>
+              <a:rPr lang="da-DK" sz="1100" dirty="0" err="1"/>
+              <a:t>reset_index</a:t>
+            </a:r>
+            <a:r>
+              <a:rPr lang="da-DK" sz="1100" dirty="0"/>
+              <a:t>(</a:t>
+            </a:r>
+            <a:r>
+              <a:rPr lang="da-DK" sz="1100" dirty="0" err="1">
+                <a:solidFill>
+                  <a:srgbClr val="AA4926"/>
+                </a:solidFill>
+              </a:rPr>
+              <a:t>name</a:t>
+            </a:r>
+            <a:r>
+              <a:rPr lang="da-DK" sz="1100" dirty="0">
+                <a:solidFill>
+                  <a:srgbClr val="AA4926"/>
+                </a:solidFill>
+              </a:rPr>
+              <a:t> </a:t>
+            </a:r>
+            <a:r>
+              <a:rPr lang="da-DK" sz="1100" dirty="0"/>
+              <a:t>= </a:t>
+            </a:r>
+            <a:r>
+              <a:rPr lang="da-DK" sz="1100" dirty="0">
+                <a:solidFill>
+                  <a:srgbClr val="6A8759"/>
+                </a:solidFill>
+              </a:rPr>
+              <a:t>'</a:t>
+            </a:r>
+            <a:r>
+              <a:rPr lang="da-DK" sz="1100" dirty="0" err="1">
+                <a:solidFill>
+                  <a:srgbClr val="6A8759"/>
+                </a:solidFill>
+              </a:rPr>
+              <a:t>counts</a:t>
+            </a:r>
+            <a:r>
+              <a:rPr lang="da-DK" sz="1100" dirty="0">
+                <a:solidFill>
+                  <a:srgbClr val="6A8759"/>
+                </a:solidFill>
+              </a:rPr>
+              <a:t>'</a:t>
+            </a:r>
+            <a:r>
+              <a:rPr lang="da-DK" sz="1100" dirty="0"/>
+              <a:t>).</a:t>
+            </a:r>
+            <a:r>
+              <a:rPr lang="da-DK" sz="1100" dirty="0" err="1"/>
+              <a:t>sort_values</a:t>
+            </a:r>
+            <a:r>
+              <a:rPr lang="da-DK" sz="1100" dirty="0"/>
+              <a:t>(</a:t>
+            </a:r>
+            <a:r>
+              <a:rPr lang="da-DK" sz="1100" dirty="0">
+                <a:solidFill>
+                  <a:srgbClr val="AA4926"/>
+                </a:solidFill>
+              </a:rPr>
+              <a:t>by </a:t>
+            </a:r>
+            <a:r>
+              <a:rPr lang="da-DK" sz="1100" dirty="0"/>
+              <a:t>=[</a:t>
+            </a:r>
+            <a:r>
+              <a:rPr lang="da-DK" sz="1100" dirty="0">
+                <a:solidFill>
+                  <a:srgbClr val="6A8759"/>
+                </a:solidFill>
+              </a:rPr>
+              <a:t>'</a:t>
+            </a:r>
+            <a:r>
+              <a:rPr lang="da-DK" sz="1100" dirty="0" err="1">
+                <a:solidFill>
+                  <a:srgbClr val="6A8759"/>
+                </a:solidFill>
+              </a:rPr>
+              <a:t>counts</a:t>
+            </a:r>
+            <a:r>
+              <a:rPr lang="da-DK" sz="1100" dirty="0">
+                <a:solidFill>
+                  <a:srgbClr val="6A8759"/>
+                </a:solidFill>
+              </a:rPr>
+              <a:t>'</a:t>
+            </a:r>
+            <a:r>
+              <a:rPr lang="da-DK" sz="1100" dirty="0"/>
+              <a:t>]</a:t>
+            </a:r>
+            <a:r>
+              <a:rPr lang="da-DK" sz="1100" dirty="0">
+                <a:solidFill>
+                  <a:srgbClr val="CC7832"/>
+                </a:solidFill>
+              </a:rPr>
+              <a:t>, </a:t>
+            </a:r>
+            <a:r>
+              <a:rPr lang="da-DK" sz="1100" dirty="0" err="1">
+                <a:solidFill>
+                  <a:srgbClr val="AA4926"/>
+                </a:solidFill>
+              </a:rPr>
+              <a:t>ascending</a:t>
+            </a:r>
+            <a:r>
+              <a:rPr lang="da-DK" sz="1100" dirty="0"/>
+              <a:t>= </a:t>
+            </a:r>
+            <a:r>
+              <a:rPr lang="da-DK" sz="1100" dirty="0">
+                <a:solidFill>
+                  <a:srgbClr val="CC7832"/>
+                </a:solidFill>
+              </a:rPr>
+              <a:t>False</a:t>
+            </a:r>
+            <a:r>
+              <a:rPr lang="da-DK" sz="1100" dirty="0"/>
+              <a:t>)</a:t>
+            </a:r>
+            <a:br>
+              <a:rPr lang="da-DK" sz="1100" dirty="0"/>
+            </a:br>
+            <a:br>
+              <a:rPr lang="da-DK" sz="1100" dirty="0"/>
+            </a:br>
+            <a:r>
+              <a:rPr lang="da-DK" sz="1100" dirty="0">
+                <a:solidFill>
+                  <a:srgbClr val="808080"/>
+                </a:solidFill>
+              </a:rPr>
+              <a:t># </a:t>
+            </a:r>
+            <a:r>
+              <a:rPr lang="da-DK" sz="1100" dirty="0" err="1">
+                <a:solidFill>
+                  <a:srgbClr val="808080"/>
+                </a:solidFill>
+              </a:rPr>
+              <a:t>Creating</a:t>
+            </a:r>
+            <a:r>
+              <a:rPr lang="da-DK" sz="1100" dirty="0">
+                <a:solidFill>
+                  <a:srgbClr val="808080"/>
+                </a:solidFill>
+              </a:rPr>
+              <a:t> the </a:t>
+            </a:r>
+            <a:r>
+              <a:rPr lang="da-DK" sz="1100" dirty="0" err="1">
+                <a:solidFill>
+                  <a:srgbClr val="808080"/>
+                </a:solidFill>
+              </a:rPr>
+              <a:t>indexes</a:t>
+            </a:r>
+            <a:r>
+              <a:rPr lang="da-DK" sz="1100" dirty="0">
+                <a:solidFill>
+                  <a:srgbClr val="808080"/>
+                </a:solidFill>
+              </a:rPr>
+              <a:t> for the x axis</a:t>
+            </a:r>
+            <a:br>
+              <a:rPr lang="da-DK" sz="1100" dirty="0">
+                <a:solidFill>
+                  <a:srgbClr val="808080"/>
+                </a:solidFill>
+              </a:rPr>
+            </a:br>
+            <a:r>
+              <a:rPr lang="da-DK" sz="1100" dirty="0"/>
+              <a:t>ind_3 = </a:t>
+            </a:r>
+            <a:r>
+              <a:rPr lang="da-DK" sz="1100" dirty="0" err="1"/>
+              <a:t>np.arange</a:t>
+            </a:r>
+            <a:r>
+              <a:rPr lang="da-DK" sz="1100" dirty="0"/>
+              <a:t>(</a:t>
+            </a:r>
+            <a:r>
+              <a:rPr lang="da-DK" sz="1100" dirty="0">
+                <a:solidFill>
+                  <a:srgbClr val="6897BB"/>
+                </a:solidFill>
+              </a:rPr>
+              <a:t>3</a:t>
+            </a:r>
+            <a:r>
+              <a:rPr lang="da-DK" sz="1100" dirty="0"/>
+              <a:t>)</a:t>
+            </a:r>
+            <a:br>
+              <a:rPr lang="da-DK" sz="1100" dirty="0"/>
+            </a:br>
+            <a:br>
+              <a:rPr lang="da-DK" sz="1100" dirty="0"/>
+            </a:br>
+            <a:r>
+              <a:rPr lang="da-DK" sz="1100" dirty="0">
+                <a:solidFill>
+                  <a:srgbClr val="808080"/>
+                </a:solidFill>
+              </a:rPr>
+              <a:t># </a:t>
+            </a:r>
+            <a:r>
+              <a:rPr lang="da-DK" sz="1100" dirty="0" err="1">
+                <a:solidFill>
+                  <a:srgbClr val="808080"/>
+                </a:solidFill>
+              </a:rPr>
+              <a:t>Defining</a:t>
+            </a:r>
+            <a:r>
+              <a:rPr lang="da-DK" sz="1100" dirty="0">
+                <a:solidFill>
+                  <a:srgbClr val="808080"/>
+                </a:solidFill>
+              </a:rPr>
+              <a:t> the x and y axis</a:t>
+            </a:r>
+            <a:br>
+              <a:rPr lang="da-DK" sz="1100" dirty="0">
+                <a:solidFill>
+                  <a:srgbClr val="808080"/>
+                </a:solidFill>
+              </a:rPr>
+            </a:br>
+            <a:r>
+              <a:rPr lang="da-DK" sz="1100" dirty="0" err="1"/>
+              <a:t>plt.bar</a:t>
+            </a:r>
+            <a:r>
+              <a:rPr lang="da-DK" sz="1100" dirty="0"/>
+              <a:t>(ind_3</a:t>
+            </a:r>
+            <a:r>
+              <a:rPr lang="da-DK" sz="1100" dirty="0">
+                <a:solidFill>
+                  <a:srgbClr val="CC7832"/>
+                </a:solidFill>
+              </a:rPr>
+              <a:t>, </a:t>
+            </a:r>
+            <a:r>
+              <a:rPr lang="da-DK" sz="1100" dirty="0" err="1"/>
+              <a:t>grouped_by_overall_sentiment</a:t>
+            </a:r>
+            <a:r>
+              <a:rPr lang="da-DK" sz="1100" dirty="0"/>
+              <a:t>[</a:t>
+            </a:r>
+            <a:r>
+              <a:rPr lang="da-DK" sz="1100" dirty="0">
+                <a:solidFill>
+                  <a:srgbClr val="6A8759"/>
+                </a:solidFill>
+              </a:rPr>
+              <a:t>'</a:t>
+            </a:r>
+            <a:r>
+              <a:rPr lang="da-DK" sz="1100" dirty="0" err="1">
+                <a:solidFill>
+                  <a:srgbClr val="6A8759"/>
+                </a:solidFill>
+              </a:rPr>
+              <a:t>counts</a:t>
+            </a:r>
+            <a:r>
+              <a:rPr lang="da-DK" sz="1100" dirty="0">
+                <a:solidFill>
+                  <a:srgbClr val="6A8759"/>
+                </a:solidFill>
+              </a:rPr>
+              <a:t>'</a:t>
+            </a:r>
+            <a:r>
+              <a:rPr lang="da-DK" sz="1100" dirty="0"/>
+              <a:t>]</a:t>
+            </a:r>
+            <a:r>
+              <a:rPr lang="da-DK" sz="1100" dirty="0">
+                <a:solidFill>
+                  <a:srgbClr val="CC7832"/>
+                </a:solidFill>
+              </a:rPr>
+              <a:t>, </a:t>
+            </a:r>
+            <a:r>
+              <a:rPr lang="da-DK" sz="1100" dirty="0" err="1">
+                <a:solidFill>
+                  <a:srgbClr val="AA4926"/>
+                </a:solidFill>
+              </a:rPr>
+              <a:t>color</a:t>
+            </a:r>
+            <a:r>
+              <a:rPr lang="da-DK" sz="1100" dirty="0">
+                <a:solidFill>
+                  <a:srgbClr val="AA4926"/>
+                </a:solidFill>
+              </a:rPr>
+              <a:t> </a:t>
+            </a:r>
+            <a:r>
+              <a:rPr lang="da-DK" sz="1100" dirty="0"/>
+              <a:t>= [</a:t>
+            </a:r>
+            <a:r>
+              <a:rPr lang="da-DK" sz="1100" dirty="0">
+                <a:solidFill>
+                  <a:srgbClr val="6A8759"/>
+                </a:solidFill>
+              </a:rPr>
+              <a:t>'red'</a:t>
+            </a:r>
+            <a:r>
+              <a:rPr lang="da-DK" sz="1100" dirty="0">
+                <a:solidFill>
+                  <a:srgbClr val="CC7832"/>
+                </a:solidFill>
+              </a:rPr>
+              <a:t>,</a:t>
+            </a:r>
+            <a:r>
+              <a:rPr lang="da-DK" sz="1100" dirty="0">
+                <a:solidFill>
+                  <a:srgbClr val="6A8759"/>
+                </a:solidFill>
+              </a:rPr>
+              <a:t>'</a:t>
+            </a:r>
+            <a:r>
+              <a:rPr lang="da-DK" sz="1100" dirty="0" err="1">
+                <a:solidFill>
+                  <a:srgbClr val="6A8759"/>
+                </a:solidFill>
+              </a:rPr>
+              <a:t>salmon</a:t>
+            </a:r>
+            <a:r>
+              <a:rPr lang="da-DK" sz="1100" dirty="0">
+                <a:solidFill>
+                  <a:srgbClr val="6A8759"/>
+                </a:solidFill>
+              </a:rPr>
+              <a:t>'</a:t>
+            </a:r>
+            <a:r>
+              <a:rPr lang="da-DK" sz="1100" dirty="0">
+                <a:solidFill>
+                  <a:srgbClr val="CC7832"/>
+                </a:solidFill>
+              </a:rPr>
+              <a:t>,</a:t>
+            </a:r>
+            <a:r>
+              <a:rPr lang="da-DK" sz="1100" dirty="0">
+                <a:solidFill>
+                  <a:srgbClr val="6A8759"/>
+                </a:solidFill>
+              </a:rPr>
+              <a:t>'green'</a:t>
+            </a:r>
+            <a:r>
+              <a:rPr lang="da-DK" sz="1100" dirty="0"/>
+              <a:t>]</a:t>
+            </a:r>
+            <a:r>
+              <a:rPr lang="da-DK" sz="1100" dirty="0">
+                <a:solidFill>
+                  <a:srgbClr val="CC7832"/>
+                </a:solidFill>
+              </a:rPr>
+              <a:t>, </a:t>
+            </a:r>
+            <a:r>
+              <a:rPr lang="da-DK" sz="1100" dirty="0" err="1">
+                <a:solidFill>
+                  <a:srgbClr val="AA4926"/>
+                </a:solidFill>
+              </a:rPr>
+              <a:t>width</a:t>
+            </a:r>
+            <a:r>
+              <a:rPr lang="da-DK" sz="1100" dirty="0"/>
+              <a:t>= </a:t>
+            </a:r>
+            <a:r>
+              <a:rPr lang="da-DK" sz="1100" dirty="0">
+                <a:solidFill>
+                  <a:srgbClr val="6897BB"/>
+                </a:solidFill>
+              </a:rPr>
+              <a:t>0.5</a:t>
+            </a:r>
+            <a:r>
+              <a:rPr lang="da-DK" sz="1100" dirty="0"/>
+              <a:t>)</a:t>
+            </a:r>
+            <a:br>
+              <a:rPr lang="da-DK" sz="1100" dirty="0"/>
+            </a:br>
+            <a:br>
+              <a:rPr lang="da-DK" sz="1100" dirty="0"/>
+            </a:br>
+            <a:r>
+              <a:rPr lang="da-DK" sz="1100" dirty="0">
+                <a:solidFill>
+                  <a:srgbClr val="808080"/>
+                </a:solidFill>
+              </a:rPr>
+              <a:t># </a:t>
+            </a:r>
+            <a:r>
+              <a:rPr lang="da-DK" sz="1100" dirty="0" err="1">
+                <a:solidFill>
+                  <a:srgbClr val="808080"/>
+                </a:solidFill>
+              </a:rPr>
+              <a:t>Creating</a:t>
+            </a:r>
+            <a:r>
+              <a:rPr lang="da-DK" sz="1100" dirty="0">
+                <a:solidFill>
+                  <a:srgbClr val="808080"/>
+                </a:solidFill>
+              </a:rPr>
+              <a:t> the labels for the axis</a:t>
+            </a:r>
+            <a:br>
+              <a:rPr lang="da-DK" sz="1100" dirty="0">
+                <a:solidFill>
+                  <a:srgbClr val="808080"/>
+                </a:solidFill>
+              </a:rPr>
+            </a:br>
+            <a:r>
+              <a:rPr lang="da-DK" sz="1100" dirty="0" err="1"/>
+              <a:t>plt.xticks</a:t>
+            </a:r>
+            <a:r>
+              <a:rPr lang="da-DK" sz="1100" dirty="0"/>
+              <a:t>(ind_3</a:t>
+            </a:r>
+            <a:r>
+              <a:rPr lang="da-DK" sz="1100" dirty="0">
+                <a:solidFill>
+                  <a:srgbClr val="CC7832"/>
+                </a:solidFill>
+              </a:rPr>
+              <a:t>, </a:t>
+            </a:r>
+            <a:r>
+              <a:rPr lang="da-DK" sz="1100" dirty="0" err="1"/>
+              <a:t>grouped_by_overall_sentiment</a:t>
+            </a:r>
+            <a:r>
+              <a:rPr lang="da-DK" sz="1100" dirty="0"/>
+              <a:t>[</a:t>
+            </a:r>
+            <a:r>
+              <a:rPr lang="da-DK" sz="1100" dirty="0">
+                <a:solidFill>
+                  <a:srgbClr val="6A8759"/>
+                </a:solidFill>
+              </a:rPr>
+              <a:t>'</a:t>
+            </a:r>
+            <a:r>
+              <a:rPr lang="da-DK" sz="1100" dirty="0" err="1">
+                <a:solidFill>
+                  <a:srgbClr val="6A8759"/>
+                </a:solidFill>
+              </a:rPr>
+              <a:t>sentiment_overall</a:t>
+            </a:r>
+            <a:r>
+              <a:rPr lang="da-DK" sz="1100" dirty="0">
+                <a:solidFill>
+                  <a:srgbClr val="6A8759"/>
+                </a:solidFill>
+              </a:rPr>
+              <a:t>'</a:t>
+            </a:r>
+            <a:r>
+              <a:rPr lang="da-DK" sz="1100" dirty="0"/>
+              <a:t>])</a:t>
+            </a:r>
+            <a:br>
+              <a:rPr lang="da-DK" sz="1100" dirty="0"/>
+            </a:br>
+            <a:r>
+              <a:rPr lang="da-DK" sz="1100" dirty="0" err="1"/>
+              <a:t>plt.ylabel</a:t>
+            </a:r>
+            <a:r>
+              <a:rPr lang="da-DK" sz="1100" dirty="0"/>
+              <a:t>(</a:t>
+            </a:r>
+            <a:r>
+              <a:rPr lang="da-DK" sz="1100" dirty="0">
+                <a:solidFill>
+                  <a:srgbClr val="6A8759"/>
+                </a:solidFill>
+              </a:rPr>
+              <a:t>'Number of </a:t>
+            </a:r>
+            <a:r>
+              <a:rPr lang="da-DK" sz="1100" dirty="0" err="1">
+                <a:solidFill>
+                  <a:srgbClr val="6A8759"/>
+                </a:solidFill>
+              </a:rPr>
+              <a:t>Tweets</a:t>
+            </a:r>
+            <a:r>
+              <a:rPr lang="da-DK" sz="1100" dirty="0">
+                <a:solidFill>
+                  <a:srgbClr val="6A8759"/>
+                </a:solidFill>
+              </a:rPr>
+              <a:t>'</a:t>
+            </a:r>
+            <a:r>
+              <a:rPr lang="da-DK" sz="1100" dirty="0"/>
+              <a:t>)</a:t>
+            </a:r>
+            <a:br>
+              <a:rPr lang="da-DK" sz="1100" dirty="0"/>
+            </a:br>
+            <a:r>
+              <a:rPr lang="da-DK" sz="1100" dirty="0" err="1"/>
+              <a:t>plt.title</a:t>
+            </a:r>
+            <a:r>
+              <a:rPr lang="da-DK" sz="1100" dirty="0"/>
+              <a:t>(</a:t>
+            </a:r>
+            <a:r>
+              <a:rPr lang="da-DK" sz="1100" dirty="0">
+                <a:solidFill>
+                  <a:srgbClr val="6A8759"/>
+                </a:solidFill>
+              </a:rPr>
+              <a:t>'Number of </a:t>
+            </a:r>
+            <a:r>
+              <a:rPr lang="da-DK" sz="1100" dirty="0" err="1">
+                <a:solidFill>
+                  <a:srgbClr val="6A8759"/>
+                </a:solidFill>
+              </a:rPr>
+              <a:t>Tweets</a:t>
+            </a:r>
+            <a:r>
+              <a:rPr lang="da-DK" sz="1100" dirty="0">
+                <a:solidFill>
+                  <a:srgbClr val="6A8759"/>
+                </a:solidFill>
+              </a:rPr>
+              <a:t> pr. </a:t>
+            </a:r>
+            <a:r>
+              <a:rPr lang="da-DK" sz="1100" dirty="0" err="1">
+                <a:solidFill>
+                  <a:srgbClr val="6A8759"/>
+                </a:solidFill>
+              </a:rPr>
+              <a:t>sentiment</a:t>
+            </a:r>
+            <a:r>
+              <a:rPr lang="da-DK" sz="1100" dirty="0">
+                <a:solidFill>
+                  <a:srgbClr val="6A8759"/>
+                </a:solidFill>
+              </a:rPr>
+              <a:t>'</a:t>
+            </a:r>
+            <a:r>
+              <a:rPr lang="da-DK" sz="1100" dirty="0"/>
+              <a:t>)</a:t>
+            </a:r>
+            <a:br>
+              <a:rPr lang="da-DK" sz="1100" dirty="0"/>
+            </a:br>
+            <a:br>
+              <a:rPr lang="da-DK" sz="1100" dirty="0"/>
+            </a:br>
+            <a:r>
+              <a:rPr lang="da-DK" sz="1100" dirty="0" err="1"/>
+              <a:t>plt.show</a:t>
+            </a:r>
+            <a:r>
+              <a:rPr lang="da-DK" sz="1100" dirty="0"/>
+              <a:t>()</a:t>
+            </a:r>
+            <a:endParaRPr lang="en-US" sz="1100" dirty="0">
+              <a:solidFill>
+                <a:schemeClr val="bg1"/>
+              </a:solidFill>
+            </a:endParaRPr>
+          </a:p>
+        </p:txBody>
+      </p:sp>
+      <p:pic>
+        <p:nvPicPr>
+          <p:cNvPr id="5" name="Billede 4">
+            <a:extLst>
+              <a:ext uri="{FF2B5EF4-FFF2-40B4-BE49-F238E27FC236}">
+                <a16:creationId xmlns:a16="http://schemas.microsoft.com/office/drawing/2014/main" id="{DE21EA39-AE3D-C246-8690-AF26EBE584FE}"/>
+              </a:ext>
+            </a:extLst>
+          </p:cNvPr>
+          <p:cNvPicPr>
+            <a:picLocks noChangeAspect="1"/>
+          </p:cNvPicPr>
+          <p:nvPr/>
+        </p:nvPicPr>
+        <p:blipFill>
+          <a:blip r:embed="rId2"/>
+          <a:stretch>
+            <a:fillRect/>
+          </a:stretch>
+        </p:blipFill>
+        <p:spPr>
+          <a:xfrm>
+            <a:off x="5297763" y="1004528"/>
+            <a:ext cx="6250769" cy="4688076"/>
+          </a:xfrm>
+          <a:prstGeom prst="rect">
+            <a:avLst/>
+          </a:prstGeom>
+        </p:spPr>
+      </p:pic>
+    </p:spTree>
+    <p:extLst>
+      <p:ext uri="{BB962C8B-B14F-4D97-AF65-F5344CB8AC3E}">
+        <p14:creationId xmlns:p14="http://schemas.microsoft.com/office/powerpoint/2010/main" val="340794853"/>
+      </p:ext>
+    </p:extLst>
+  </p:cSld>
+  <p:clrMapOvr>
+    <a:masterClrMapping/>
+  </p:clrMapOvr>
+</p:sld>
+</file>
+
+<file path=ppt/slides/slide13.xml><?xml version="1.0" encoding="utf-8"?>
+<p:sld xmlns:a="http://schemas.openxmlformats.org/drawingml/2006/main" xmlns:r="http://schemas.openxmlformats.org/officeDocument/2006/relationships" xmlns:p="http://schemas.openxmlformats.org/presentationml/2006/main">
+  <p:cSld>
+    <p:bg>
+      <p:bgPr>
+        <a:solidFill>
+          <a:schemeClr val="accent2"/>
+        </a:solidFill>
+        <a:effectLst/>
+      </p:bgPr>
+    </p:bg>
+    <p:spTree>
+      <p:nvGrpSpPr>
+        <p:cNvPr id="1" name=""/>
+        <p:cNvGrpSpPr/>
+        <p:nvPr/>
+      </p:nvGrpSpPr>
+      <p:grpSpPr>
+        <a:xfrm>
+          <a:off x="0" y="0"/>
+          <a:ext cx="0" cy="0"/>
+          <a:chOff x="0" y="0"/>
+          <a:chExt cx="0" cy="0"/>
+        </a:xfrm>
+      </p:grpSpPr>
+      <p:sp>
+        <p:nvSpPr>
+          <p:cNvPr id="20" name="Rectangle 19">
+            <a:extLst>
+              <a:ext uri="{FF2B5EF4-FFF2-40B4-BE49-F238E27FC236}">
+                <a16:creationId xmlns:a16="http://schemas.microsoft.com/office/drawing/2014/main" id="{E9F26AF7-9AC1-49A4-8F89-2C63E1C0A0BB}"/>
+              </a:ext>
+              <a:ext uri="{C183D7F6-B498-43B3-948B-1728B52AA6E4}">
+                <adec:decorative xmlns:adec="http://schemas.microsoft.com/office/drawing/2017/decorative" val="1"/>
+              </a:ext>
+            </a:extLst>
+          </p:cNvPr>
+          <p:cNvSpPr>
+            <a:spLocks noGrp="1" noRot="1" noChangeAspect="1" noMove="1" noResize="1" noEditPoints="1" noAdjustHandles="1" noChangeArrowheads="1" noChangeShapeType="1" noTextEdit="1"/>
+          </p:cNvSpPr>
+          <p:nvPr>
+            <p:extLst>
+              <p:ext uri="{386F3935-93C4-4BCD-93E2-E3B085C9AB24}">
+                <p16:designElem xmlns:p16="http://schemas.microsoft.com/office/powerpoint/2015/main" val="1"/>
+              </p:ext>
+            </p:extLst>
+          </p:nvPr>
+        </p:nvSpPr>
+        <p:spPr>
+          <a:xfrm>
+            <a:off x="0" y="-2"/>
+            <a:ext cx="12192000" cy="4918511"/>
+          </a:xfrm>
+          <a:prstGeom prst="rect">
+            <a:avLst/>
+          </a:prstGeom>
+          <a:solidFill>
+            <a:srgbClr val="FFFFFF"/>
           </a:solidFill>
           <a:ln>
             <a:noFill/>
@@ -3992,7 +6013,7 @@
           <p:cNvPr id="2" name="Titel 1">
             <a:extLst>
               <a:ext uri="{FF2B5EF4-FFF2-40B4-BE49-F238E27FC236}">
-                <a16:creationId xmlns:a16="http://schemas.microsoft.com/office/drawing/2014/main" id="{70BBE269-87FE-594C-9886-4F3C873501A2}"/>
+                <a16:creationId xmlns:a16="http://schemas.microsoft.com/office/drawing/2014/main" id="{CAE7C423-FF5C-AE48-A054-9C4C1BC575E9}"/>
               </a:ext>
             </a:extLst>
           </p:cNvPr>
@@ -4005,8 +6026,8 @@
         </p:nvSpPr>
         <p:spPr>
           <a:xfrm>
-            <a:off x="804672" y="2404872"/>
-            <a:ext cx="3044950" cy="1627792"/>
+            <a:off x="1600200" y="4269282"/>
+            <a:ext cx="8991600" cy="1264762"/>
           </a:xfrm>
         </p:spPr>
         <p:txBody>
@@ -4016,34 +6037,25 @@
           <a:lstStyle/>
           <a:p>
             <a:r>
-              <a:rPr lang="en-US" sz="2200"/>
-              <a:t>Absolute sentiment </a:t>
-            </a:r>
-            <a:br>
-              <a:rPr lang="en-US" sz="2200"/>
-            </a:br>
-            <a:r>
-              <a:rPr lang="en-US" sz="2200"/>
-              <a:t>by account creation</a:t>
+              <a:rPr lang="en-US" sz="3200"/>
+              <a:t>Wordclouds</a:t>
             </a:r>
           </a:p>
         </p:txBody>
       </p:sp>
       <p:pic>
         <p:nvPicPr>
-          <p:cNvPr id="5" name="Pladsholder til indhold 4">
+          <p:cNvPr id="9" name="Billede 8" descr="Et billede, der indeholder tekst&#10;&#10;Automatisk genereret beskrivelse">
             <a:extLst>
               <a:ext uri="{FF2B5EF4-FFF2-40B4-BE49-F238E27FC236}">
-                <a16:creationId xmlns:a16="http://schemas.microsoft.com/office/drawing/2014/main" id="{871DEB3B-C235-8347-925C-982D0E8CA1EE}"/>
+                <a16:creationId xmlns:a16="http://schemas.microsoft.com/office/drawing/2014/main" id="{74EC4E60-788C-FD41-BA22-36E90D53CCA0}"/>
               </a:ext>
             </a:extLst>
           </p:cNvPr>
           <p:cNvPicPr>
-            <a:picLocks noGrp="1" noChangeAspect="1"/>
+            <a:picLocks noChangeAspect="1"/>
           </p:cNvPicPr>
-          <p:nvPr>
-            <p:ph idx="1"/>
-          </p:nvPr>
+          <p:nvPr/>
         </p:nvPicPr>
         <p:blipFill>
           <a:blip r:embed="rId2"/>
@@ -4053,8 +6065,38 @@
         </p:blipFill>
         <p:spPr>
           <a:xfrm>
-            <a:off x="5294376" y="925068"/>
-            <a:ext cx="6257544" cy="4693157"/>
+            <a:off x="789093" y="365671"/>
+            <a:ext cx="5306907" cy="3537938"/>
+          </a:xfrm>
+          <a:prstGeom prst="rect">
+            <a:avLst/>
+          </a:prstGeom>
+        </p:spPr>
+      </p:pic>
+      <p:pic>
+        <p:nvPicPr>
+          <p:cNvPr id="11" name="Billede 10" descr="Et billede, der indeholder tekst&#10;&#10;Automatisk genereret beskrivelse">
+            <a:extLst>
+              <a:ext uri="{FF2B5EF4-FFF2-40B4-BE49-F238E27FC236}">
+                <a16:creationId xmlns:a16="http://schemas.microsoft.com/office/drawing/2014/main" id="{8565CC23-326D-C74B-86CF-BA593F27E9AD}"/>
+              </a:ext>
+            </a:extLst>
+          </p:cNvPr>
+          <p:cNvPicPr>
+            <a:picLocks noChangeAspect="1"/>
+          </p:cNvPicPr>
+          <p:nvPr/>
+        </p:nvPicPr>
+        <p:blipFill>
+          <a:blip r:embed="rId3"/>
+          <a:stretch>
+            <a:fillRect/>
+          </a:stretch>
+        </p:blipFill>
+        <p:spPr>
+          <a:xfrm>
+            <a:off x="6260307" y="365671"/>
+            <a:ext cx="5306908" cy="3537939"/>
           </a:xfrm>
           <a:prstGeom prst="rect">
             <a:avLst/>
@@ -4064,7 +6106,7 @@
     </p:spTree>
     <p:extLst>
       <p:ext uri="{BB962C8B-B14F-4D97-AF65-F5344CB8AC3E}">
-        <p14:creationId xmlns:p14="http://schemas.microsoft.com/office/powerpoint/2010/main" val="545498701"/>
+        <p14:creationId xmlns:p14="http://schemas.microsoft.com/office/powerpoint/2010/main" val="1571584337"/>
       </p:ext>
     </p:extLst>
   </p:cSld>
@@ -4388,6 +6430,41 @@
           <a:p>
             <a:pPr lvl="1"/>
             <a:r>
+              <a:rPr lang="da-DK" dirty="0" err="1"/>
+              <a:t>Which</a:t>
+            </a:r>
+            <a:r>
+              <a:rPr lang="da-DK" dirty="0"/>
+              <a:t> </a:t>
+            </a:r>
+            <a:r>
+              <a:rPr lang="da-DK" dirty="0" err="1"/>
+              <a:t>days</a:t>
+            </a:r>
+            <a:r>
+              <a:rPr lang="da-DK" dirty="0"/>
+              <a:t> do </a:t>
+            </a:r>
+            <a:r>
+              <a:rPr lang="da-DK" dirty="0" err="1"/>
+              <a:t>users</a:t>
+            </a:r>
+            <a:r>
+              <a:rPr lang="da-DK" dirty="0"/>
+              <a:t> </a:t>
+            </a:r>
+            <a:r>
+              <a:rPr lang="da-DK" dirty="0" err="1"/>
+              <a:t>tweet</a:t>
+            </a:r>
+            <a:r>
+              <a:rPr lang="da-DK" dirty="0"/>
+              <a:t>?</a:t>
+            </a:r>
+          </a:p>
+          <a:p>
+            <a:pPr lvl="1"/>
+            <a:r>
               <a:rPr lang="da-DK" dirty="0"/>
               <a:t>From </a:t>
             </a:r>
@@ -4443,7 +6520,7 @@
             <a:pPr lvl="1"/>
             <a:r>
               <a:rPr lang="da-DK" dirty="0" err="1"/>
-              <a:t>Sentiment</a:t>
+              <a:t>Tweets</a:t>
             </a:r>
             <a:r>
               <a:rPr lang="da-DK" dirty="0"/>
@@ -4451,6 +6528,112 @@
             </a:r>
             <a:r>
               <a:rPr lang="da-DK" dirty="0" err="1"/>
+              <a:t>regarding</a:t>
+            </a:r>
+            <a:r>
+              <a:rPr lang="da-DK" dirty="0"/>
+              <a:t> Donald </a:t>
+            </a:r>
+            <a:r>
+              <a:rPr lang="da-DK" dirty="0" err="1"/>
+              <a:t>Trump</a:t>
+            </a:r>
+            <a:r>
+              <a:rPr lang="da-DK" dirty="0"/>
+              <a:t> </a:t>
+            </a:r>
+            <a:r>
+              <a:rPr lang="da-DK" dirty="0" err="1"/>
+              <a:t>are</a:t>
+            </a:r>
+            <a:r>
+              <a:rPr lang="da-DK" dirty="0"/>
+              <a:t> more </a:t>
+            </a:r>
+            <a:r>
+              <a:rPr lang="da-DK" dirty="0" err="1"/>
+              <a:t>valenced</a:t>
+            </a:r>
+            <a:endParaRPr lang="da-DK" dirty="0"/>
+          </a:p>
+          <a:p>
+            <a:pPr lvl="1"/>
+            <a:r>
+              <a:rPr lang="da-DK" dirty="0"/>
+              <a:t>Are </a:t>
+            </a:r>
+            <a:r>
+              <a:rPr lang="da-DK" dirty="0" err="1"/>
+              <a:t>democratic</a:t>
+            </a:r>
+            <a:r>
+              <a:rPr lang="da-DK" dirty="0"/>
+              <a:t> </a:t>
+            </a:r>
+            <a:r>
+              <a:rPr lang="da-DK" dirty="0" err="1"/>
+              <a:t>states</a:t>
+            </a:r>
+            <a:r>
+              <a:rPr lang="da-DK" dirty="0"/>
+              <a:t> pro-Biden?</a:t>
+            </a:r>
+          </a:p>
+          <a:p>
+            <a:pPr lvl="1"/>
+            <a:r>
+              <a:rPr lang="da-DK" dirty="0" err="1"/>
+              <a:t>What</a:t>
+            </a:r>
+            <a:r>
+              <a:rPr lang="da-DK" dirty="0"/>
+              <a:t> </a:t>
+            </a:r>
+            <a:r>
+              <a:rPr lang="da-DK" dirty="0" err="1"/>
+              <a:t>are</a:t>
+            </a:r>
+            <a:r>
+              <a:rPr lang="da-DK" dirty="0"/>
+              <a:t> the </a:t>
+            </a:r>
+            <a:r>
+              <a:rPr lang="da-DK" dirty="0" err="1"/>
+              <a:t>sentiment</a:t>
+            </a:r>
+            <a:r>
+              <a:rPr lang="da-DK" dirty="0"/>
+              <a:t> scores in the </a:t>
+            </a:r>
+            <a:r>
+              <a:rPr lang="da-DK" dirty="0" err="1"/>
+              <a:t>different</a:t>
+            </a:r>
+            <a:r>
+              <a:rPr lang="da-DK" dirty="0"/>
+              <a:t> </a:t>
+            </a:r>
+            <a:r>
+              <a:rPr lang="da-DK" dirty="0" err="1"/>
+              <a:t>states</a:t>
+            </a:r>
+            <a:r>
+              <a:rPr lang="da-DK" dirty="0"/>
+              <a:t>?</a:t>
+            </a:r>
+          </a:p>
+          <a:p>
+            <a:pPr lvl="1"/>
+            <a:r>
+              <a:rPr lang="da-DK" dirty="0" err="1"/>
+              <a:t>Sentiment</a:t>
+            </a:r>
+            <a:r>
+              <a:rPr lang="da-DK" dirty="0"/>
+              <a:t> </a:t>
+            </a:r>
+            <a:r>
+              <a:rPr lang="da-DK" dirty="0" err="1"/>
               <a:t>change</a:t>
             </a:r>
             <a:r>
@@ -4478,73 +6661,6 @@
               <a:t>approaches</a:t>
             </a:r>
             <a:endParaRPr lang="da-DK" dirty="0"/>
-          </a:p>
-          <a:p>
-            <a:pPr lvl="1"/>
-            <a:r>
-              <a:rPr lang="da-DK" dirty="0" err="1"/>
-              <a:t>Tweets</a:t>
-            </a:r>
-            <a:r>
-              <a:rPr lang="da-DK" dirty="0"/>
-              <a:t> </a:t>
-            </a:r>
-            <a:r>
-              <a:rPr lang="da-DK" dirty="0" err="1"/>
-              <a:t>regarding</a:t>
-            </a:r>
-            <a:r>
-              <a:rPr lang="da-DK" dirty="0"/>
-              <a:t> Donald </a:t>
-            </a:r>
-            <a:r>
-              <a:rPr lang="da-DK" dirty="0" err="1"/>
-              <a:t>Trump</a:t>
-            </a:r>
-            <a:r>
-              <a:rPr lang="da-DK" dirty="0"/>
-              <a:t> </a:t>
-            </a:r>
-            <a:r>
-              <a:rPr lang="da-DK" dirty="0" err="1"/>
-              <a:t>are</a:t>
-            </a:r>
-            <a:r>
-              <a:rPr lang="da-DK" dirty="0"/>
-              <a:t> more </a:t>
-            </a:r>
-            <a:r>
-              <a:rPr lang="da-DK" dirty="0" err="1"/>
-              <a:t>valenced</a:t>
-            </a:r>
-            <a:endParaRPr lang="da-DK" dirty="0"/>
-          </a:p>
-          <a:p>
-            <a:pPr lvl="1"/>
-            <a:r>
-              <a:rPr lang="da-DK" dirty="0" err="1"/>
-              <a:t>Democratic</a:t>
-            </a:r>
-            <a:r>
-              <a:rPr lang="da-DK" dirty="0"/>
-              <a:t> </a:t>
-            </a:r>
-            <a:r>
-              <a:rPr lang="da-DK" dirty="0" err="1"/>
-              <a:t>states</a:t>
-            </a:r>
-            <a:r>
-              <a:rPr lang="da-DK" dirty="0"/>
-              <a:t> </a:t>
-            </a:r>
-            <a:r>
-              <a:rPr lang="da-DK" dirty="0" err="1"/>
-              <a:t>are</a:t>
-            </a:r>
-            <a:r>
-              <a:rPr lang="da-DK" dirty="0"/>
-              <a:t> more pro-Biden</a:t>
-            </a:r>
           </a:p>
           <a:p>
             <a:pPr lvl="1"/>
@@ -5291,203 +7407,9 @@
     <p:bg>
       <p:bgPr>
         <a:solidFill>
-          <a:schemeClr val="accent2"/>
-        </a:solidFill>
-        <a:effectLst/>
-      </p:bgPr>
-    </p:bg>
-    <p:spTree>
-      <p:nvGrpSpPr>
-        <p:cNvPr id="1" name=""/>
-        <p:cNvGrpSpPr/>
-        <p:nvPr/>
-      </p:nvGrpSpPr>
-      <p:grpSpPr>
-        <a:xfrm>
-          <a:off x="0" y="0"/>
-          <a:ext cx="0" cy="0"/>
-          <a:chOff x="0" y="0"/>
-          <a:chExt cx="0" cy="0"/>
-        </a:xfrm>
-      </p:grpSpPr>
-      <p:sp>
-        <p:nvSpPr>
-          <p:cNvPr id="20" name="Rectangle 19">
-            <a:extLst>
-              <a:ext uri="{FF2B5EF4-FFF2-40B4-BE49-F238E27FC236}">
-                <a16:creationId xmlns:a16="http://schemas.microsoft.com/office/drawing/2014/main" id="{E9F26AF7-9AC1-49A4-8F89-2C63E1C0A0BB}"/>
-              </a:ext>
-              <a:ext uri="{C183D7F6-B498-43B3-948B-1728B52AA6E4}">
-                <adec:decorative xmlns:adec="http://schemas.microsoft.com/office/drawing/2017/decorative" val="1"/>
-              </a:ext>
-            </a:extLst>
-          </p:cNvPr>
-          <p:cNvSpPr>
-            <a:spLocks noGrp="1" noRot="1" noChangeAspect="1" noMove="1" noResize="1" noEditPoints="1" noAdjustHandles="1" noChangeArrowheads="1" noChangeShapeType="1" noTextEdit="1"/>
-          </p:cNvSpPr>
-          <p:nvPr>
-            <p:extLst>
-              <p:ext uri="{386F3935-93C4-4BCD-93E2-E3B085C9AB24}">
-                <p16:designElem xmlns:p16="http://schemas.microsoft.com/office/powerpoint/2015/main" val="1"/>
-              </p:ext>
-            </p:extLst>
-          </p:nvPr>
-        </p:nvSpPr>
-        <p:spPr>
-          <a:xfrm>
-            <a:off x="0" y="-2"/>
-            <a:ext cx="12192000" cy="4918511"/>
-          </a:xfrm>
-          <a:prstGeom prst="rect">
-            <a:avLst/>
-          </a:prstGeom>
-          <a:solidFill>
-            <a:srgbClr val="FFFFFF"/>
-          </a:solidFill>
-          <a:ln>
-            <a:noFill/>
-          </a:ln>
-        </p:spPr>
-        <p:style>
-          <a:lnRef idx="2">
-            <a:schemeClr val="accent1">
-              <a:shade val="50000"/>
-            </a:schemeClr>
-          </a:lnRef>
-          <a:fillRef idx="1">
-            <a:schemeClr val="accent1"/>
-          </a:fillRef>
-          <a:effectRef idx="0">
-            <a:schemeClr val="accent1"/>
-          </a:effectRef>
-          <a:fontRef idx="minor">
-            <a:schemeClr val="lt1"/>
-          </a:fontRef>
-        </p:style>
-        <p:txBody>
-          <a:bodyPr rtlCol="0" anchor="ctr"/>
-          <a:lstStyle/>
-          <a:p>
-            <a:pPr algn="ctr"/>
-            <a:endParaRPr lang="en-US"/>
-          </a:p>
-        </p:txBody>
-      </p:sp>
-      <p:sp>
-        <p:nvSpPr>
-          <p:cNvPr id="2" name="Titel 1">
-            <a:extLst>
-              <a:ext uri="{FF2B5EF4-FFF2-40B4-BE49-F238E27FC236}">
-                <a16:creationId xmlns:a16="http://schemas.microsoft.com/office/drawing/2014/main" id="{CAE7C423-FF5C-AE48-A054-9C4C1BC575E9}"/>
-              </a:ext>
-            </a:extLst>
-          </p:cNvPr>
-          <p:cNvSpPr>
-            <a:spLocks noGrp="1"/>
-          </p:cNvSpPr>
-          <p:nvPr>
-            <p:ph type="title"/>
-          </p:nvPr>
-        </p:nvSpPr>
-        <p:spPr>
-          <a:xfrm>
-            <a:off x="1600200" y="4269282"/>
-            <a:ext cx="8991600" cy="1264762"/>
-          </a:xfrm>
-        </p:spPr>
-        <p:txBody>
-          <a:bodyPr vert="horz" lIns="274320" tIns="182880" rIns="274320" bIns="182880" rtlCol="0" anchor="ctr" anchorCtr="1">
-            <a:normAutofit/>
-          </a:bodyPr>
-          <a:lstStyle/>
-          <a:p>
-            <a:r>
-              <a:rPr lang="en-US" sz="3200"/>
-              <a:t>Wordclouds</a:t>
-            </a:r>
-          </a:p>
-        </p:txBody>
-      </p:sp>
-      <p:pic>
-        <p:nvPicPr>
-          <p:cNvPr id="9" name="Billede 8" descr="Et billede, der indeholder tekst&#10;&#10;Automatisk genereret beskrivelse">
-            <a:extLst>
-              <a:ext uri="{FF2B5EF4-FFF2-40B4-BE49-F238E27FC236}">
-                <a16:creationId xmlns:a16="http://schemas.microsoft.com/office/drawing/2014/main" id="{74EC4E60-788C-FD41-BA22-36E90D53CCA0}"/>
-              </a:ext>
-            </a:extLst>
-          </p:cNvPr>
-          <p:cNvPicPr>
-            <a:picLocks noChangeAspect="1"/>
-          </p:cNvPicPr>
-          <p:nvPr/>
-        </p:nvPicPr>
-        <p:blipFill>
-          <a:blip r:embed="rId2"/>
-          <a:stretch>
-            <a:fillRect/>
-          </a:stretch>
-        </p:blipFill>
-        <p:spPr>
-          <a:xfrm>
-            <a:off x="789093" y="365671"/>
-            <a:ext cx="5306907" cy="3537938"/>
-          </a:xfrm>
-          <a:prstGeom prst="rect">
-            <a:avLst/>
-          </a:prstGeom>
-        </p:spPr>
-      </p:pic>
-      <p:pic>
-        <p:nvPicPr>
-          <p:cNvPr id="11" name="Billede 10" descr="Et billede, der indeholder tekst&#10;&#10;Automatisk genereret beskrivelse">
-            <a:extLst>
-              <a:ext uri="{FF2B5EF4-FFF2-40B4-BE49-F238E27FC236}">
-                <a16:creationId xmlns:a16="http://schemas.microsoft.com/office/drawing/2014/main" id="{8565CC23-326D-C74B-86CF-BA593F27E9AD}"/>
-              </a:ext>
-            </a:extLst>
-          </p:cNvPr>
-          <p:cNvPicPr>
-            <a:picLocks noChangeAspect="1"/>
-          </p:cNvPicPr>
-          <p:nvPr/>
-        </p:nvPicPr>
-        <p:blipFill>
-          <a:blip r:embed="rId3"/>
-          <a:stretch>
-            <a:fillRect/>
-          </a:stretch>
-        </p:blipFill>
-        <p:spPr>
-          <a:xfrm>
-            <a:off x="6260307" y="365671"/>
-            <a:ext cx="5306908" cy="3537939"/>
-          </a:xfrm>
-          <a:prstGeom prst="rect">
-            <a:avLst/>
-          </a:prstGeom>
-        </p:spPr>
-      </p:pic>
-    </p:spTree>
-    <p:extLst>
-      <p:ext uri="{BB962C8B-B14F-4D97-AF65-F5344CB8AC3E}">
-        <p14:creationId xmlns:p14="http://schemas.microsoft.com/office/powerpoint/2010/main" val="1571584337"/>
-      </p:ext>
-    </p:extLst>
-  </p:cSld>
-  <p:clrMapOvr>
-    <a:masterClrMapping/>
-  </p:clrMapOvr>
-</p:sld>
-</file>
-
-<file path=ppt/slides/slide6.xml><?xml version="1.0" encoding="utf-8"?>
-<p:sld xmlns:a="http://schemas.openxmlformats.org/drawingml/2006/main" xmlns:r="http://schemas.openxmlformats.org/officeDocument/2006/relationships" xmlns:p="http://schemas.openxmlformats.org/presentationml/2006/main">
-  <p:cSld>
-    <p:bg>
-      <p:bgPr>
-        <a:solidFill>
-          <a:schemeClr val="bg1"/>
+          <a:schemeClr val="bg1">
+            <a:lumMod val="95000"/>
+          </a:schemeClr>
         </a:solidFill>
         <a:effectLst/>
       </p:bgPr>
@@ -5508,10 +7430,10 @@
       </p:grpSpPr>
       <p:sp useBgFill="1">
         <p:nvSpPr>
-          <p:cNvPr id="10" name="Rectangle 9">
+          <p:cNvPr id="21" name="Rectangle 20">
             <a:extLst>
               <a:ext uri="{FF2B5EF4-FFF2-40B4-BE49-F238E27FC236}">
-                <a16:creationId xmlns:a16="http://schemas.microsoft.com/office/drawing/2014/main" id="{419501C6-F015-4273-AF88-E0F6C853899F}"/>
+                <a16:creationId xmlns:a16="http://schemas.microsoft.com/office/drawing/2014/main" id="{1660E788-AFA9-4A1B-9991-6AA74632A15B}"/>
               </a:ext>
               <a:ext uri="{C183D7F6-B498-43B3-948B-1728B52AA6E4}">
                 <adec:decorative xmlns:adec="http://schemas.microsoft.com/office/drawing/2017/decorative" val="1"/>
@@ -5568,10 +7490,10 @@
       </p:sp>
       <p:sp>
         <p:nvSpPr>
-          <p:cNvPr id="12" name="Rectangle 11">
+          <p:cNvPr id="23" name="Rectangle 22">
             <a:extLst>
               <a:ext uri="{FF2B5EF4-FFF2-40B4-BE49-F238E27FC236}">
-                <a16:creationId xmlns:a16="http://schemas.microsoft.com/office/drawing/2014/main" id="{CA677DB7-5829-45BD-9754-5EC484CC4253}"/>
+                <a16:creationId xmlns:a16="http://schemas.microsoft.com/office/drawing/2014/main" id="{867D4867-5BA7-4462-B2F6-A23F4A622AA7}"/>
               </a:ext>
               <a:ext uri="{C183D7F6-B498-43B3-948B-1728B52AA6E4}">
                 <adec:decorative xmlns:adec="http://schemas.microsoft.com/office/drawing/2017/decorative" val="1"/>
@@ -5591,14 +7513,620 @@
         </p:nvSpPr>
         <p:spPr>
           <a:xfrm>
-            <a:off x="1" y="1"/>
+            <a:off x="0" y="0"/>
             <a:ext cx="4654296" cy="6858000"/>
           </a:xfrm>
           <a:prstGeom prst="rect">
             <a:avLst/>
           </a:prstGeom>
           <a:solidFill>
-            <a:schemeClr val="accent2"/>
+            <a:schemeClr val="tx2"/>
+          </a:solidFill>
+          <a:ln>
+            <a:noFill/>
+          </a:ln>
+        </p:spPr>
+        <p:style>
+          <a:lnRef idx="0">
+            <a:scrgbClr r="0" g="0" b="0"/>
+          </a:lnRef>
+          <a:fillRef idx="0">
+            <a:scrgbClr r="0" g="0" b="0"/>
+          </a:fillRef>
+          <a:effectRef idx="0">
+            <a:scrgbClr r="0" g="0" b="0"/>
+          </a:effectRef>
+          <a:fontRef idx="minor">
+            <a:schemeClr val="lt1"/>
+          </a:fontRef>
+        </p:style>
+        <p:txBody>
+          <a:bodyPr rtlCol="0" anchor="ctr"/>
+          <a:lstStyle/>
+          <a:p>
+            <a:pPr algn="ctr"/>
+            <a:endParaRPr lang="en-US"/>
+          </a:p>
+        </p:txBody>
+      </p:sp>
+      <p:sp>
+        <p:nvSpPr>
+          <p:cNvPr id="2" name="Titel 1">
+            <a:extLst>
+              <a:ext uri="{FF2B5EF4-FFF2-40B4-BE49-F238E27FC236}">
+                <a16:creationId xmlns:a16="http://schemas.microsoft.com/office/drawing/2014/main" id="{7B1B2593-3BBD-F74E-867C-22AA88797FFC}"/>
+              </a:ext>
+            </a:extLst>
+          </p:cNvPr>
+          <p:cNvSpPr>
+            <a:spLocks noGrp="1"/>
+          </p:cNvSpPr>
+          <p:nvPr>
+            <p:ph type="title"/>
+          </p:nvPr>
+        </p:nvSpPr>
+        <p:spPr>
+          <a:xfrm>
+            <a:off x="643467" y="643467"/>
+            <a:ext cx="3363974" cy="1728044"/>
+          </a:xfrm>
+          <a:noFill/>
+          <a:ln>
+            <a:solidFill>
+              <a:schemeClr val="bg1"/>
+            </a:solidFill>
+          </a:ln>
+        </p:spPr>
+        <p:txBody>
+          <a:bodyPr vert="horz" wrap="square" lIns="182880" tIns="182880" rIns="182880" bIns="182880" rtlCol="0" anchor="ctr" anchorCtr="1">
+            <a:normAutofit/>
+          </a:bodyPr>
+          <a:lstStyle/>
+          <a:p>
+            <a:r>
+              <a:rPr lang="en-US" dirty="0">
+                <a:solidFill>
+                  <a:schemeClr val="bg1"/>
+                </a:solidFill>
+              </a:rPr>
+              <a:t>Which days do users tweet?</a:t>
+            </a:r>
+          </a:p>
+        </p:txBody>
+      </p:sp>
+      <p:sp>
+        <p:nvSpPr>
+          <p:cNvPr id="12" name="Rektangel 11">
+            <a:extLst>
+              <a:ext uri="{FF2B5EF4-FFF2-40B4-BE49-F238E27FC236}">
+                <a16:creationId xmlns:a16="http://schemas.microsoft.com/office/drawing/2014/main" id="{F2D02D47-0759-2D41-9A5E-B4453BE05C35}"/>
+              </a:ext>
+            </a:extLst>
+          </p:cNvPr>
+          <p:cNvSpPr/>
+          <p:nvPr/>
+        </p:nvSpPr>
+        <p:spPr>
+          <a:xfrm>
+            <a:off x="643467" y="2638044"/>
+            <a:ext cx="3527699" cy="3415622"/>
+          </a:xfrm>
+          <a:prstGeom prst="rect">
+            <a:avLst/>
+          </a:prstGeom>
+          <a:solidFill>
+            <a:schemeClr val="bg1"/>
+          </a:solidFill>
+        </p:spPr>
+        <p:txBody>
+          <a:bodyPr vert="horz" lIns="91440" tIns="45720" rIns="91440" bIns="45720" rtlCol="0">
+            <a:normAutofit/>
+          </a:bodyPr>
+          <a:lstStyle/>
+          <a:p>
+            <a:pPr defTabSz="914400">
+              <a:lnSpc>
+                <a:spcPct val="90000"/>
+              </a:lnSpc>
+              <a:spcBef>
+                <a:spcPts val="1000"/>
+              </a:spcBef>
+              <a:buClr>
+                <a:schemeClr val="accent2"/>
+              </a:buClr>
+            </a:pPr>
+            <a:r>
+              <a:rPr lang="da-DK" sz="1600" dirty="0" err="1"/>
+              <a:t>daily_tweeting</a:t>
+            </a:r>
+            <a:r>
+              <a:rPr lang="da-DK" sz="1600" dirty="0"/>
+              <a:t> = </a:t>
+            </a:r>
+            <a:r>
+              <a:rPr lang="da-DK" sz="1600" dirty="0" err="1"/>
+              <a:t>df.groupby</a:t>
+            </a:r>
+            <a:r>
+              <a:rPr lang="da-DK" sz="1600" dirty="0"/>
+              <a:t>([</a:t>
+            </a:r>
+            <a:r>
+              <a:rPr lang="da-DK" sz="1600" dirty="0">
+                <a:solidFill>
+                  <a:srgbClr val="6A8759"/>
+                </a:solidFill>
+              </a:rPr>
+              <a:t>'</a:t>
+            </a:r>
+            <a:r>
+              <a:rPr lang="da-DK" sz="1600" dirty="0" err="1">
+                <a:solidFill>
+                  <a:srgbClr val="6A8759"/>
+                </a:solidFill>
+              </a:rPr>
+              <a:t>day_tweeted</a:t>
+            </a:r>
+            <a:r>
+              <a:rPr lang="da-DK" sz="1600" dirty="0">
+                <a:solidFill>
+                  <a:srgbClr val="6A8759"/>
+                </a:solidFill>
+              </a:rPr>
+              <a:t>'</a:t>
+            </a:r>
+            <a:r>
+              <a:rPr lang="da-DK" sz="1600" dirty="0"/>
+              <a:t>]).</a:t>
+            </a:r>
+            <a:r>
+              <a:rPr lang="da-DK" sz="1600" dirty="0" err="1"/>
+              <a:t>size</a:t>
+            </a:r>
+            <a:r>
+              <a:rPr lang="da-DK" sz="1600" dirty="0"/>
+              <a:t>().</a:t>
+            </a:r>
+            <a:r>
+              <a:rPr lang="da-DK" sz="1600" dirty="0" err="1"/>
+              <a:t>reset_index</a:t>
+            </a:r>
+            <a:r>
+              <a:rPr lang="da-DK" sz="1600" dirty="0"/>
+              <a:t>(</a:t>
+            </a:r>
+            <a:r>
+              <a:rPr lang="da-DK" sz="1600" dirty="0" err="1">
+                <a:solidFill>
+                  <a:srgbClr val="AA4926"/>
+                </a:solidFill>
+              </a:rPr>
+              <a:t>name</a:t>
+            </a:r>
+            <a:r>
+              <a:rPr lang="da-DK" sz="1600" dirty="0"/>
+              <a:t>=</a:t>
+            </a:r>
+            <a:r>
+              <a:rPr lang="da-DK" sz="1600" dirty="0">
+                <a:solidFill>
+                  <a:srgbClr val="6A8759"/>
+                </a:solidFill>
+              </a:rPr>
+              <a:t>'</a:t>
+            </a:r>
+            <a:r>
+              <a:rPr lang="da-DK" sz="1600" dirty="0" err="1">
+                <a:solidFill>
+                  <a:srgbClr val="6A8759"/>
+                </a:solidFill>
+              </a:rPr>
+              <a:t>counts</a:t>
+            </a:r>
+            <a:r>
+              <a:rPr lang="da-DK" sz="1600" dirty="0">
+                <a:solidFill>
+                  <a:srgbClr val="6A8759"/>
+                </a:solidFill>
+              </a:rPr>
+              <a:t>'</a:t>
+            </a:r>
+            <a:r>
+              <a:rPr lang="da-DK" sz="1600" dirty="0"/>
+              <a:t>)</a:t>
+            </a:r>
+            <a:br>
+              <a:rPr lang="da-DK" sz="1600" dirty="0"/>
+            </a:br>
+            <a:br>
+              <a:rPr lang="da-DK" sz="1600" dirty="0"/>
+            </a:br>
+            <a:r>
+              <a:rPr lang="da-DK" sz="1600" dirty="0">
+                <a:solidFill>
+                  <a:srgbClr val="808080"/>
+                </a:solidFill>
+              </a:rPr>
+              <a:t># </a:t>
+            </a:r>
+            <a:r>
+              <a:rPr lang="da-DK" sz="1600" dirty="0" err="1">
+                <a:solidFill>
+                  <a:srgbClr val="808080"/>
+                </a:solidFill>
+              </a:rPr>
+              <a:t>Making</a:t>
+            </a:r>
+            <a:r>
+              <a:rPr lang="da-DK" sz="1600" dirty="0">
+                <a:solidFill>
+                  <a:srgbClr val="808080"/>
+                </a:solidFill>
+              </a:rPr>
+              <a:t> the plot</a:t>
+            </a:r>
+            <a:br>
+              <a:rPr lang="da-DK" sz="1600" dirty="0">
+                <a:solidFill>
+                  <a:srgbClr val="808080"/>
+                </a:solidFill>
+              </a:rPr>
+            </a:br>
+            <a:r>
+              <a:rPr lang="da-DK" sz="1600" dirty="0" err="1"/>
+              <a:t>fig</a:t>
+            </a:r>
+            <a:r>
+              <a:rPr lang="da-DK" sz="1600" dirty="0">
+                <a:solidFill>
+                  <a:srgbClr val="CC7832"/>
+                </a:solidFill>
+              </a:rPr>
+              <a:t>, </a:t>
+            </a:r>
+            <a:r>
+              <a:rPr lang="da-DK" sz="1600" dirty="0" err="1"/>
+              <a:t>ax</a:t>
+            </a:r>
+            <a:r>
+              <a:rPr lang="da-DK" sz="1600" dirty="0"/>
+              <a:t> = </a:t>
+            </a:r>
+            <a:r>
+              <a:rPr lang="da-DK" sz="1600" dirty="0" err="1"/>
+              <a:t>plt.subplots</a:t>
+            </a:r>
+            <a:r>
+              <a:rPr lang="da-DK" sz="1600" dirty="0"/>
+              <a:t>()</a:t>
+            </a:r>
+            <a:br>
+              <a:rPr lang="da-DK" sz="1600" dirty="0"/>
+            </a:br>
+            <a:r>
+              <a:rPr lang="da-DK" sz="1600" dirty="0" err="1"/>
+              <a:t>ax.plot</a:t>
+            </a:r>
+            <a:r>
+              <a:rPr lang="da-DK" sz="1600" dirty="0"/>
+              <a:t>(</a:t>
+            </a:r>
+            <a:r>
+              <a:rPr lang="da-DK" sz="1600" dirty="0" err="1"/>
+              <a:t>daily_tweeting</a:t>
+            </a:r>
+            <a:r>
+              <a:rPr lang="da-DK" sz="1600" dirty="0"/>
+              <a:t>[</a:t>
+            </a:r>
+            <a:r>
+              <a:rPr lang="da-DK" sz="1600" dirty="0">
+                <a:solidFill>
+                  <a:srgbClr val="6A8759"/>
+                </a:solidFill>
+              </a:rPr>
+              <a:t>'</a:t>
+            </a:r>
+            <a:r>
+              <a:rPr lang="da-DK" sz="1600" dirty="0" err="1">
+                <a:solidFill>
+                  <a:srgbClr val="6A8759"/>
+                </a:solidFill>
+              </a:rPr>
+              <a:t>day_tweeted</a:t>
+            </a:r>
+            <a:r>
+              <a:rPr lang="da-DK" sz="1600" dirty="0">
+                <a:solidFill>
+                  <a:srgbClr val="6A8759"/>
+                </a:solidFill>
+              </a:rPr>
+              <a:t>'</a:t>
+            </a:r>
+            <a:r>
+              <a:rPr lang="da-DK" sz="1600" dirty="0"/>
+              <a:t>]</a:t>
+            </a:r>
+            <a:r>
+              <a:rPr lang="da-DK" sz="1600" dirty="0">
+                <a:solidFill>
+                  <a:srgbClr val="CC7832"/>
+                </a:solidFill>
+              </a:rPr>
+              <a:t>, </a:t>
+            </a:r>
+            <a:r>
+              <a:rPr lang="da-DK" sz="1600" dirty="0" err="1"/>
+              <a:t>daily_tweeting</a:t>
+            </a:r>
+            <a:r>
+              <a:rPr lang="da-DK" sz="1600" dirty="0"/>
+              <a:t>[</a:t>
+            </a:r>
+            <a:r>
+              <a:rPr lang="da-DK" sz="1600" dirty="0">
+                <a:solidFill>
+                  <a:srgbClr val="6A8759"/>
+                </a:solidFill>
+              </a:rPr>
+              <a:t>'</a:t>
+            </a:r>
+            <a:r>
+              <a:rPr lang="da-DK" sz="1600" dirty="0" err="1">
+                <a:solidFill>
+                  <a:srgbClr val="6A8759"/>
+                </a:solidFill>
+              </a:rPr>
+              <a:t>counts</a:t>
+            </a:r>
+            <a:r>
+              <a:rPr lang="da-DK" sz="1600" dirty="0">
+                <a:solidFill>
+                  <a:srgbClr val="6A8759"/>
+                </a:solidFill>
+              </a:rPr>
+              <a:t>'</a:t>
+            </a:r>
+            <a:r>
+              <a:rPr lang="da-DK" sz="1600" dirty="0"/>
+              <a:t>])</a:t>
+            </a:r>
+            <a:br>
+              <a:rPr lang="da-DK" sz="1600" dirty="0"/>
+            </a:br>
+            <a:r>
+              <a:rPr lang="da-DK" sz="1600" dirty="0" err="1"/>
+              <a:t>ax.set_ylabel</a:t>
+            </a:r>
+            <a:r>
+              <a:rPr lang="da-DK" sz="1600" dirty="0"/>
+              <a:t>(</a:t>
+            </a:r>
+            <a:r>
+              <a:rPr lang="da-DK" sz="1600" dirty="0">
+                <a:solidFill>
+                  <a:srgbClr val="6A8759"/>
+                </a:solidFill>
+              </a:rPr>
+              <a:t>'</a:t>
+            </a:r>
+            <a:r>
+              <a:rPr lang="da-DK" sz="1600" dirty="0" err="1">
+                <a:solidFill>
+                  <a:srgbClr val="6A8759"/>
+                </a:solidFill>
+              </a:rPr>
+              <a:t>Frequency</a:t>
+            </a:r>
+            <a:r>
+              <a:rPr lang="da-DK" sz="1600" dirty="0">
+                <a:solidFill>
+                  <a:srgbClr val="6A8759"/>
+                </a:solidFill>
+              </a:rPr>
+              <a:t>'</a:t>
+            </a:r>
+            <a:r>
+              <a:rPr lang="da-DK" sz="1600" dirty="0"/>
+              <a:t>)</a:t>
+            </a:r>
+            <a:br>
+              <a:rPr lang="da-DK" sz="1600" dirty="0"/>
+            </a:br>
+            <a:r>
+              <a:rPr lang="da-DK" sz="1600" dirty="0" err="1"/>
+              <a:t>ax.set_title</a:t>
+            </a:r>
+            <a:r>
+              <a:rPr lang="da-DK" sz="1600" dirty="0"/>
+              <a:t>(</a:t>
+            </a:r>
+            <a:r>
+              <a:rPr lang="da-DK" sz="1600" dirty="0">
+                <a:solidFill>
+                  <a:srgbClr val="6A8759"/>
+                </a:solidFill>
+              </a:rPr>
+              <a:t>'</a:t>
+            </a:r>
+            <a:r>
+              <a:rPr lang="da-DK" sz="1600" dirty="0" err="1">
+                <a:solidFill>
+                  <a:srgbClr val="6A8759"/>
+                </a:solidFill>
+              </a:rPr>
+              <a:t>Tweets</a:t>
+            </a:r>
+            <a:r>
+              <a:rPr lang="da-DK" sz="1600" dirty="0">
+                <a:solidFill>
+                  <a:srgbClr val="6A8759"/>
+                </a:solidFill>
+              </a:rPr>
+              <a:t> per Day'</a:t>
+            </a:r>
+            <a:r>
+              <a:rPr lang="da-DK" sz="1600" dirty="0"/>
+              <a:t>)</a:t>
+            </a:r>
+            <a:br>
+              <a:rPr lang="da-DK" sz="1600" dirty="0"/>
+            </a:br>
+            <a:r>
+              <a:rPr lang="da-DK" sz="1600" dirty="0" err="1"/>
+              <a:t>plt.xticks</a:t>
+            </a:r>
+            <a:r>
+              <a:rPr lang="da-DK" sz="1600" dirty="0"/>
+              <a:t>(</a:t>
+            </a:r>
+            <a:r>
+              <a:rPr lang="da-DK" sz="1600" dirty="0">
+                <a:solidFill>
+                  <a:srgbClr val="AA4926"/>
+                </a:solidFill>
+              </a:rPr>
+              <a:t>rotation</a:t>
+            </a:r>
+            <a:r>
+              <a:rPr lang="da-DK" sz="1600" dirty="0"/>
+              <a:t>=</a:t>
+            </a:r>
+            <a:r>
+              <a:rPr lang="da-DK" sz="1600" dirty="0">
+                <a:solidFill>
+                  <a:srgbClr val="6897BB"/>
+                </a:solidFill>
+              </a:rPr>
+              <a:t>90</a:t>
+            </a:r>
+            <a:r>
+              <a:rPr lang="da-DK" sz="1600" dirty="0"/>
+              <a:t>)</a:t>
+            </a:r>
+            <a:br>
+              <a:rPr lang="da-DK" sz="1600" dirty="0"/>
+            </a:br>
+            <a:br>
+              <a:rPr lang="da-DK" sz="1600" dirty="0"/>
+            </a:br>
+            <a:r>
+              <a:rPr lang="da-DK" sz="1600" dirty="0" err="1"/>
+              <a:t>plt.show</a:t>
+            </a:r>
+            <a:r>
+              <a:rPr lang="da-DK" sz="1600" dirty="0"/>
+              <a:t>()</a:t>
+            </a:r>
+            <a:endParaRPr lang="en-US" sz="1500" dirty="0">
+              <a:solidFill>
+                <a:schemeClr val="bg1"/>
+              </a:solidFill>
+            </a:endParaRPr>
+          </a:p>
+        </p:txBody>
+      </p:sp>
+      <p:pic>
+        <p:nvPicPr>
+          <p:cNvPr id="9" name="Billede 8">
+            <a:extLst>
+              <a:ext uri="{FF2B5EF4-FFF2-40B4-BE49-F238E27FC236}">
+                <a16:creationId xmlns:a16="http://schemas.microsoft.com/office/drawing/2014/main" id="{69716B9C-74C8-6149-8BDC-CCDCFD2F7D6C}"/>
+              </a:ext>
+            </a:extLst>
+          </p:cNvPr>
+          <p:cNvPicPr>
+            <a:picLocks noChangeAspect="1"/>
+          </p:cNvPicPr>
+          <p:nvPr/>
+        </p:nvPicPr>
+        <p:blipFill>
+          <a:blip r:embed="rId2"/>
+          <a:stretch>
+            <a:fillRect/>
+          </a:stretch>
+        </p:blipFill>
+        <p:spPr>
+          <a:xfrm>
+            <a:off x="5297763" y="1004528"/>
+            <a:ext cx="6250769" cy="4688076"/>
+          </a:xfrm>
+          <a:prstGeom prst="rect">
+            <a:avLst/>
+          </a:prstGeom>
+        </p:spPr>
+      </p:pic>
+    </p:spTree>
+    <p:extLst>
+      <p:ext uri="{BB962C8B-B14F-4D97-AF65-F5344CB8AC3E}">
+        <p14:creationId xmlns:p14="http://schemas.microsoft.com/office/powerpoint/2010/main" val="3554311493"/>
+      </p:ext>
+    </p:extLst>
+  </p:cSld>
+  <p:clrMapOvr>
+    <a:masterClrMapping/>
+  </p:clrMapOvr>
+</p:sld>
+</file>
+
+<file path=ppt/slides/slide6.xml><?xml version="1.0" encoding="utf-8"?>
+<p:sld xmlns:a="http://schemas.openxmlformats.org/drawingml/2006/main" xmlns:r="http://schemas.openxmlformats.org/officeDocument/2006/relationships" xmlns:p="http://schemas.openxmlformats.org/presentationml/2006/main">
+  <p:cSld>
+    <p:bg>
+      <p:bgPr>
+        <a:solidFill>
+          <a:schemeClr val="bg1"/>
+        </a:solidFill>
+        <a:effectLst/>
+      </p:bgPr>
+    </p:bg>
+    <p:spTree>
+      <p:nvGrpSpPr>
+        <p:cNvPr id="1" name=""/>
+        <p:cNvGrpSpPr/>
+        <p:nvPr/>
+      </p:nvGrpSpPr>
+      <p:grpSpPr>
+        <a:xfrm>
+          <a:off x="0" y="0"/>
+          <a:ext cx="0" cy="0"/>
+          <a:chOff x="0" y="0"/>
+          <a:chExt cx="0" cy="0"/>
+        </a:xfrm>
+      </p:grpSpPr>
+      <p:sp>
+        <p:nvSpPr>
+          <p:cNvPr id="9" name="Rectangle 8">
+            <a:extLst>
+              <a:ext uri="{FF2B5EF4-FFF2-40B4-BE49-F238E27FC236}">
+                <a16:creationId xmlns:a16="http://schemas.microsoft.com/office/drawing/2014/main" id="{2AEFFFF2-9EB4-4B6C-B9F8-2BA3EF89A21C}"/>
+              </a:ext>
+              <a:ext uri="{C183D7F6-B498-43B3-948B-1728B52AA6E4}">
+                <adec:decorative xmlns:adec="http://schemas.microsoft.com/office/drawing/2017/decorative" val="1"/>
+              </a:ext>
+            </a:extLst>
+          </p:cNvPr>
+          <p:cNvSpPr>
+            <a:spLocks noGrp="1" noRot="1" noChangeAspect="1" noMove="1" noResize="1" noEditPoints="1" noAdjustHandles="1" noChangeArrowheads="1" noChangeShapeType="1" noTextEdit="1"/>
+          </p:cNvSpPr>
+          <p:nvPr>
+            <p:extLst>
+              <p:ext uri="{386F3935-93C4-4BCD-93E2-E3B085C9AB24}">
+                <p16:designElem xmlns:p16="http://schemas.microsoft.com/office/powerpoint/2015/main" val="1"/>
+              </p:ext>
+            </p:extLst>
+          </p:nvPr>
+        </p:nvSpPr>
+        <p:spPr>
+          <a:xfrm>
+            <a:off x="1" y="0"/>
+            <a:ext cx="3070172" cy="6858000"/>
+          </a:xfrm>
+          <a:prstGeom prst="rect">
+            <a:avLst/>
+          </a:prstGeom>
+          <a:solidFill>
+            <a:schemeClr val="tx2"/>
           </a:solidFill>
           <a:ln>
             <a:noFill/>
@@ -5629,12 +8157,139 @@
           </a:p>
         </p:txBody>
       </p:sp>
+      <p:sp useBgFill="1">
+        <p:nvSpPr>
+          <p:cNvPr id="11" name="Rectangle 10">
+            <a:extLst>
+              <a:ext uri="{FF2B5EF4-FFF2-40B4-BE49-F238E27FC236}">
+                <a16:creationId xmlns:a16="http://schemas.microsoft.com/office/drawing/2014/main" id="{0D65299F-028F-4AFC-B46A-8DB33E20FE4A}"/>
+              </a:ext>
+              <a:ext uri="{C183D7F6-B498-43B3-948B-1728B52AA6E4}">
+                <adec:decorative xmlns:adec="http://schemas.microsoft.com/office/drawing/2017/decorative" val="1"/>
+              </a:ext>
+            </a:extLst>
+          </p:cNvPr>
+          <p:cNvSpPr>
+            <a:spLocks noGrp="1" noRot="1" noChangeAspect="1" noMove="1" noResize="1" noEditPoints="1" noAdjustHandles="1" noChangeArrowheads="1" noChangeShapeType="1" noTextEdit="1"/>
+          </p:cNvSpPr>
+          <p:nvPr>
+            <p:extLst>
+              <p:ext uri="{386F3935-93C4-4BCD-93E2-E3B085C9AB24}">
+                <p16:designElem xmlns:p16="http://schemas.microsoft.com/office/powerpoint/2015/main" val="1"/>
+              </p:ext>
+            </p:extLst>
+          </p:nvPr>
+        </p:nvSpPr>
+        <p:spPr>
+          <a:xfrm>
+            <a:off x="3070172" y="0"/>
+            <a:ext cx="9121828" cy="6858000"/>
+          </a:xfrm>
+          <a:prstGeom prst="rect">
+            <a:avLst/>
+          </a:prstGeom>
+          <a:ln>
+            <a:noFill/>
+          </a:ln>
+        </p:spPr>
+        <p:style>
+          <a:lnRef idx="2">
+            <a:schemeClr val="accent1">
+              <a:shade val="50000"/>
+            </a:schemeClr>
+          </a:lnRef>
+          <a:fillRef idx="1">
+            <a:schemeClr val="accent1"/>
+          </a:fillRef>
+          <a:effectRef idx="0">
+            <a:schemeClr val="accent1"/>
+          </a:effectRef>
+          <a:fontRef idx="minor">
+            <a:schemeClr val="lt1"/>
+          </a:fontRef>
+        </p:style>
+        <p:txBody>
+          <a:bodyPr rtlCol="0" anchor="ctr"/>
+          <a:lstStyle/>
+          <a:p>
+            <a:pPr algn="ctr"/>
+            <a:endParaRPr lang="en-US"/>
+          </a:p>
+        </p:txBody>
+      </p:sp>
+      <p:sp>
+        <p:nvSpPr>
+          <p:cNvPr id="13" name="Oval 12">
+            <a:extLst>
+              <a:ext uri="{FF2B5EF4-FFF2-40B4-BE49-F238E27FC236}">
+                <a16:creationId xmlns:a16="http://schemas.microsoft.com/office/drawing/2014/main" id="{BAC87F6E-526A-49B5-995D-42DB656594C9}"/>
+              </a:ext>
+              <a:ext uri="{C183D7F6-B498-43B3-948B-1728B52AA6E4}">
+                <adec:decorative xmlns:adec="http://schemas.microsoft.com/office/drawing/2017/decorative" val="1"/>
+              </a:ext>
+            </a:extLst>
+          </p:cNvPr>
+          <p:cNvSpPr>
+            <a:spLocks noGrp="1" noRot="1" noChangeAspect="1" noMove="1" noResize="1" noEditPoints="1" noAdjustHandles="1" noChangeArrowheads="1" noChangeShapeType="1" noTextEdit="1"/>
+          </p:cNvSpPr>
+          <p:nvPr>
+            <p:extLst>
+              <p:ext uri="{386F3935-93C4-4BCD-93E2-E3B085C9AB24}">
+                <p16:designElem xmlns:p16="http://schemas.microsoft.com/office/powerpoint/2015/main" val="1"/>
+              </p:ext>
+            </p:extLst>
+          </p:nvPr>
+        </p:nvSpPr>
+        <p:spPr>
+          <a:xfrm>
+            <a:off x="1117423" y="1443035"/>
+            <a:ext cx="3971932" cy="3971930"/>
+          </a:xfrm>
+          <a:prstGeom prst="ellipse">
+            <a:avLst/>
+          </a:prstGeom>
+          <a:solidFill>
+            <a:srgbClr val="FFFFFF"/>
+          </a:solidFill>
+          <a:ln w="31750">
+            <a:solidFill>
+              <a:schemeClr val="accent2">
+                <a:lumMod val="75000"/>
+              </a:schemeClr>
+            </a:solidFill>
+          </a:ln>
+        </p:spPr>
+        <p:style>
+          <a:lnRef idx="2">
+            <a:schemeClr val="accent1">
+              <a:shade val="50000"/>
+            </a:schemeClr>
+          </a:lnRef>
+          <a:fillRef idx="1">
+            <a:schemeClr val="accent1"/>
+          </a:fillRef>
+          <a:effectRef idx="0">
+            <a:schemeClr val="accent1"/>
+          </a:effectRef>
+          <a:fontRef idx="minor">
+            <a:schemeClr val="lt1"/>
+          </a:fontRef>
+        </p:style>
+        <p:txBody>
+          <a:bodyPr rtlCol="0" anchor="ctr"/>
+          <a:lstStyle/>
+          <a:p>
+            <a:pPr algn="ctr"/>
+            <a:endParaRPr lang="en-US"/>
+          </a:p>
+        </p:txBody>
+      </p:sp>
       <p:sp>
         <p:nvSpPr>
           <p:cNvPr id="2" name="Titel 1">
             <a:extLst>
               <a:ext uri="{FF2B5EF4-FFF2-40B4-BE49-F238E27FC236}">
-                <a16:creationId xmlns:a16="http://schemas.microsoft.com/office/drawing/2014/main" id="{A932C507-A973-DE44-8F26-BC06487DA0D2}"/>
+                <a16:creationId xmlns:a16="http://schemas.microsoft.com/office/drawing/2014/main" id="{76671033-BA71-624B-A83A-8B1A435EA75B}"/>
               </a:ext>
             </a:extLst>
           </p:cNvPr>
@@ -5647,9 +8302,2283 @@
         </p:nvSpPr>
         <p:spPr>
           <a:xfrm>
-            <a:off x="804672" y="2404872"/>
-            <a:ext cx="3044950" cy="1627792"/>
+            <a:off x="1260873" y="1586484"/>
+            <a:ext cx="3685032" cy="3685032"/>
           </a:xfrm>
+          <a:prstGeom prst="ellipse">
+            <a:avLst/>
+          </a:prstGeom>
+          <a:solidFill>
+            <a:schemeClr val="accent2">
+              <a:lumMod val="75000"/>
+            </a:schemeClr>
+          </a:solidFill>
+          <a:ln>
+            <a:noFill/>
+          </a:ln>
+        </p:spPr>
+        <p:txBody>
+          <a:bodyPr vert="horz" lIns="182880" tIns="182880" rIns="182880" bIns="182880" rtlCol="0" anchor="ctr">
+            <a:normAutofit/>
+          </a:bodyPr>
+          <a:lstStyle/>
+          <a:p>
+            <a:r>
+              <a:rPr lang="en-US" sz="3000" kern="1200" cap="all" spc="200" baseline="0" dirty="0">
+                <a:solidFill>
+                  <a:srgbClr val="FFFFFF"/>
+                </a:solidFill>
+                <a:latin typeface="+mj-lt"/>
+                <a:ea typeface="+mj-ea"/>
+                <a:cs typeface="+mj-cs"/>
+                <a:hlinkClick r:id="rId2"/>
+              </a:rPr>
+              <a:t>From which states do users tweet?  </a:t>
+            </a:r>
+            <a:endParaRPr lang="en-US" sz="3000" kern="1200" cap="all" spc="200" baseline="0" dirty="0">
+              <a:solidFill>
+                <a:srgbClr val="FFFFFF"/>
+              </a:solidFill>
+              <a:latin typeface="+mj-lt"/>
+              <a:ea typeface="+mj-ea"/>
+              <a:cs typeface="+mj-cs"/>
+            </a:endParaRPr>
+          </a:p>
+        </p:txBody>
+      </p:sp>
+      <p:sp>
+        <p:nvSpPr>
+          <p:cNvPr id="5" name="Tekstfelt 4">
+            <a:extLst>
+              <a:ext uri="{FF2B5EF4-FFF2-40B4-BE49-F238E27FC236}">
+                <a16:creationId xmlns:a16="http://schemas.microsoft.com/office/drawing/2014/main" id="{C48610CC-9BA0-B94F-B45F-53E97CD2030E}"/>
+              </a:ext>
+            </a:extLst>
+          </p:cNvPr>
+          <p:cNvSpPr txBox="1"/>
+          <p:nvPr/>
+        </p:nvSpPr>
+        <p:spPr>
+          <a:xfrm>
+            <a:off x="5527670" y="1443035"/>
+            <a:ext cx="5935920" cy="4401205"/>
+          </a:xfrm>
+          <a:prstGeom prst="rect">
+            <a:avLst/>
+          </a:prstGeom>
+          <a:noFill/>
+        </p:spPr>
+        <p:txBody>
+          <a:bodyPr wrap="none" rtlCol="0">
+            <a:spAutoFit/>
+          </a:bodyPr>
+          <a:lstStyle/>
+          <a:p>
+            <a:r>
+              <a:rPr lang="da-DK" sz="1400" dirty="0">
+                <a:solidFill>
+                  <a:srgbClr val="808080"/>
+                </a:solidFill>
+              </a:rPr>
+              <a:t># </a:t>
+            </a:r>
+            <a:r>
+              <a:rPr lang="da-DK" sz="1400" dirty="0" err="1">
+                <a:solidFill>
+                  <a:srgbClr val="808080"/>
+                </a:solidFill>
+              </a:rPr>
+              <a:t>Grouping</a:t>
+            </a:r>
+            <a:r>
+              <a:rPr lang="da-DK" sz="1400" dirty="0">
+                <a:solidFill>
+                  <a:srgbClr val="808080"/>
+                </a:solidFill>
+              </a:rPr>
+              <a:t> by </a:t>
+            </a:r>
+            <a:r>
+              <a:rPr lang="da-DK" sz="1400" dirty="0" err="1">
+                <a:solidFill>
+                  <a:srgbClr val="808080"/>
+                </a:solidFill>
+              </a:rPr>
+              <a:t>state</a:t>
+            </a:r>
+            <a:r>
+              <a:rPr lang="da-DK" sz="1400" dirty="0">
+                <a:solidFill>
+                  <a:srgbClr val="808080"/>
+                </a:solidFill>
+              </a:rPr>
+              <a:t> </a:t>
+            </a:r>
+            <a:r>
+              <a:rPr lang="da-DK" sz="1400" dirty="0" err="1">
+                <a:solidFill>
+                  <a:srgbClr val="808080"/>
+                </a:solidFill>
+              </a:rPr>
+              <a:t>code</a:t>
+            </a:r>
+            <a:r>
+              <a:rPr lang="da-DK" sz="1400" dirty="0">
+                <a:solidFill>
+                  <a:srgbClr val="808080"/>
+                </a:solidFill>
+              </a:rPr>
+              <a:t> and </a:t>
+            </a:r>
+            <a:r>
+              <a:rPr lang="da-DK" sz="1400" dirty="0" err="1">
+                <a:solidFill>
+                  <a:srgbClr val="808080"/>
+                </a:solidFill>
+              </a:rPr>
+              <a:t>counting</a:t>
+            </a:r>
+            <a:r>
+              <a:rPr lang="da-DK" sz="1400" dirty="0">
+                <a:solidFill>
+                  <a:srgbClr val="808080"/>
+                </a:solidFill>
+              </a:rPr>
+              <a:t> the </a:t>
+            </a:r>
+            <a:r>
+              <a:rPr lang="da-DK" sz="1400" dirty="0" err="1">
+                <a:solidFill>
+                  <a:srgbClr val="808080"/>
+                </a:solidFill>
+              </a:rPr>
+              <a:t>number</a:t>
+            </a:r>
+            <a:r>
+              <a:rPr lang="da-DK" sz="1400" dirty="0">
+                <a:solidFill>
+                  <a:srgbClr val="808080"/>
+                </a:solidFill>
+              </a:rPr>
+              <a:t> of </a:t>
+            </a:r>
+            <a:r>
+              <a:rPr lang="da-DK" sz="1400" dirty="0" err="1">
+                <a:solidFill>
+                  <a:srgbClr val="808080"/>
+                </a:solidFill>
+              </a:rPr>
+              <a:t>tweets</a:t>
+            </a:r>
+            <a:r>
+              <a:rPr lang="da-DK" sz="1400" dirty="0">
+                <a:solidFill>
+                  <a:srgbClr val="808080"/>
+                </a:solidFill>
+              </a:rPr>
+              <a:t> </a:t>
+            </a:r>
+            <a:r>
+              <a:rPr lang="da-DK" sz="1400" dirty="0" err="1">
+                <a:solidFill>
+                  <a:srgbClr val="808080"/>
+                </a:solidFill>
+              </a:rPr>
+              <a:t>within</a:t>
+            </a:r>
+            <a:r>
+              <a:rPr lang="da-DK" sz="1400" dirty="0">
+                <a:solidFill>
+                  <a:srgbClr val="808080"/>
+                </a:solidFill>
+              </a:rPr>
+              <a:t> </a:t>
+            </a:r>
+            <a:r>
+              <a:rPr lang="da-DK" sz="1400" dirty="0" err="1">
+                <a:solidFill>
+                  <a:srgbClr val="808080"/>
+                </a:solidFill>
+              </a:rPr>
+              <a:t>each</a:t>
+            </a:r>
+            <a:r>
+              <a:rPr lang="da-DK" sz="1400" dirty="0">
+                <a:solidFill>
+                  <a:srgbClr val="808080"/>
+                </a:solidFill>
+              </a:rPr>
+              <a:t> </a:t>
+            </a:r>
+            <a:r>
+              <a:rPr lang="da-DK" sz="1400" dirty="0" err="1">
+                <a:solidFill>
+                  <a:srgbClr val="808080"/>
+                </a:solidFill>
+              </a:rPr>
+              <a:t>state</a:t>
+            </a:r>
+            <a:br>
+              <a:rPr lang="da-DK" sz="1400" dirty="0">
+                <a:solidFill>
+                  <a:srgbClr val="808080"/>
+                </a:solidFill>
+              </a:rPr>
+            </a:br>
+            <a:r>
+              <a:rPr lang="da-DK" sz="1400" dirty="0" err="1"/>
+              <a:t>tweets_per_state</a:t>
+            </a:r>
+            <a:r>
+              <a:rPr lang="da-DK" sz="1400" dirty="0"/>
+              <a:t> = </a:t>
+            </a:r>
+            <a:r>
+              <a:rPr lang="da-DK" sz="1400" dirty="0" err="1"/>
+              <a:t>df.groupby</a:t>
+            </a:r>
+            <a:r>
+              <a:rPr lang="da-DK" sz="1400" dirty="0"/>
+              <a:t>([</a:t>
+            </a:r>
+            <a:r>
+              <a:rPr lang="da-DK" sz="1400" dirty="0">
+                <a:solidFill>
+                  <a:srgbClr val="6A8759"/>
+                </a:solidFill>
+              </a:rPr>
+              <a:t>'</a:t>
+            </a:r>
+            <a:r>
+              <a:rPr lang="da-DK" sz="1400" dirty="0" err="1">
+                <a:solidFill>
+                  <a:srgbClr val="6A8759"/>
+                </a:solidFill>
+              </a:rPr>
+              <a:t>code</a:t>
+            </a:r>
+            <a:r>
+              <a:rPr lang="da-DK" sz="1400" dirty="0">
+                <a:solidFill>
+                  <a:srgbClr val="6A8759"/>
+                </a:solidFill>
+              </a:rPr>
+              <a:t>'</a:t>
+            </a:r>
+            <a:r>
+              <a:rPr lang="da-DK" sz="1400" dirty="0"/>
+              <a:t>]).</a:t>
+            </a:r>
+            <a:r>
+              <a:rPr lang="da-DK" sz="1400" dirty="0" err="1"/>
+              <a:t>size</a:t>
+            </a:r>
+            <a:r>
+              <a:rPr lang="da-DK" sz="1400" dirty="0"/>
+              <a:t>().</a:t>
+            </a:r>
+            <a:r>
+              <a:rPr lang="da-DK" sz="1400" dirty="0" err="1"/>
+              <a:t>reset_index</a:t>
+            </a:r>
+            <a:r>
+              <a:rPr lang="da-DK" sz="1400" dirty="0"/>
+              <a:t>(</a:t>
+            </a:r>
+            <a:r>
+              <a:rPr lang="da-DK" sz="1400" dirty="0" err="1">
+                <a:solidFill>
+                  <a:srgbClr val="AA4926"/>
+                </a:solidFill>
+              </a:rPr>
+              <a:t>name</a:t>
+            </a:r>
+            <a:r>
+              <a:rPr lang="da-DK" sz="1400" dirty="0"/>
+              <a:t>=</a:t>
+            </a:r>
+            <a:r>
+              <a:rPr lang="da-DK" sz="1400" dirty="0">
+                <a:solidFill>
+                  <a:srgbClr val="6A8759"/>
+                </a:solidFill>
+              </a:rPr>
+              <a:t>'</a:t>
+            </a:r>
+            <a:r>
+              <a:rPr lang="da-DK" sz="1400" dirty="0" err="1">
+                <a:solidFill>
+                  <a:srgbClr val="6A8759"/>
+                </a:solidFill>
+              </a:rPr>
+              <a:t>counts</a:t>
+            </a:r>
+            <a:r>
+              <a:rPr lang="da-DK" sz="1400" dirty="0">
+                <a:solidFill>
+                  <a:srgbClr val="6A8759"/>
+                </a:solidFill>
+              </a:rPr>
+              <a:t>’</a:t>
+            </a:r>
+            <a:r>
+              <a:rPr lang="da-DK" sz="1400" dirty="0"/>
+              <a:t>).</a:t>
+            </a:r>
+          </a:p>
+          <a:p>
+            <a:r>
+              <a:rPr lang="da-DK" sz="1400" dirty="0" err="1"/>
+              <a:t>sort_values</a:t>
+            </a:r>
+            <a:r>
+              <a:rPr lang="da-DK" sz="1400" dirty="0"/>
+              <a:t>(</a:t>
+            </a:r>
+            <a:r>
+              <a:rPr lang="da-DK" sz="1400" dirty="0">
+                <a:solidFill>
+                  <a:srgbClr val="AA4926"/>
+                </a:solidFill>
+              </a:rPr>
+              <a:t>by</a:t>
+            </a:r>
+            <a:r>
+              <a:rPr lang="da-DK" sz="1400" dirty="0"/>
+              <a:t>=[</a:t>
+            </a:r>
+            <a:r>
+              <a:rPr lang="da-DK" sz="1400" dirty="0">
+                <a:solidFill>
+                  <a:srgbClr val="6A8759"/>
+                </a:solidFill>
+              </a:rPr>
+              <a:t>'</a:t>
+            </a:r>
+            <a:r>
+              <a:rPr lang="da-DK" sz="1400" dirty="0" err="1">
+                <a:solidFill>
+                  <a:srgbClr val="6A8759"/>
+                </a:solidFill>
+              </a:rPr>
+              <a:t>counts</a:t>
+            </a:r>
+            <a:r>
+              <a:rPr lang="da-DK" sz="1400" dirty="0">
+                <a:solidFill>
+                  <a:srgbClr val="6A8759"/>
+                </a:solidFill>
+              </a:rPr>
+              <a:t>'</a:t>
+            </a:r>
+            <a:r>
+              <a:rPr lang="da-DK" sz="1400" dirty="0"/>
+              <a:t>]</a:t>
+            </a:r>
+            <a:r>
+              <a:rPr lang="da-DK" sz="1400" dirty="0">
+                <a:solidFill>
+                  <a:srgbClr val="CC7832"/>
+                </a:solidFill>
+              </a:rPr>
+              <a:t>, </a:t>
+            </a:r>
+            <a:r>
+              <a:rPr lang="da-DK" sz="1400" dirty="0" err="1">
+                <a:solidFill>
+                  <a:srgbClr val="AA4926"/>
+                </a:solidFill>
+              </a:rPr>
+              <a:t>ascending</a:t>
+            </a:r>
+            <a:r>
+              <a:rPr lang="da-DK" sz="1400" dirty="0"/>
+              <a:t>=</a:t>
+            </a:r>
+            <a:r>
+              <a:rPr lang="da-DK" sz="1400" dirty="0">
+                <a:solidFill>
+                  <a:srgbClr val="CC7832"/>
+                </a:solidFill>
+              </a:rPr>
+              <a:t>False</a:t>
+            </a:r>
+            <a:r>
+              <a:rPr lang="da-DK" sz="1400" dirty="0"/>
+              <a:t>)</a:t>
+            </a:r>
+            <a:br>
+              <a:rPr lang="da-DK" sz="1400" dirty="0"/>
+            </a:br>
+            <a:br>
+              <a:rPr lang="da-DK" sz="1400" dirty="0"/>
+            </a:br>
+            <a:r>
+              <a:rPr lang="da-DK" sz="1400" dirty="0">
+                <a:solidFill>
+                  <a:srgbClr val="808080"/>
+                </a:solidFill>
+              </a:rPr>
+              <a:t># </a:t>
+            </a:r>
+            <a:r>
+              <a:rPr lang="da-DK" sz="1400" dirty="0" err="1">
+                <a:solidFill>
+                  <a:srgbClr val="808080"/>
+                </a:solidFill>
+              </a:rPr>
+              <a:t>Doing</a:t>
+            </a:r>
+            <a:r>
+              <a:rPr lang="da-DK" sz="1400" dirty="0">
+                <a:solidFill>
+                  <a:srgbClr val="808080"/>
+                </a:solidFill>
+              </a:rPr>
+              <a:t> the </a:t>
+            </a:r>
+            <a:r>
+              <a:rPr lang="da-DK" sz="1400" dirty="0" err="1">
+                <a:solidFill>
+                  <a:srgbClr val="808080"/>
+                </a:solidFill>
+              </a:rPr>
+              <a:t>plotly</a:t>
+            </a:r>
+            <a:r>
+              <a:rPr lang="da-DK" sz="1400" dirty="0">
+                <a:solidFill>
+                  <a:srgbClr val="808080"/>
+                </a:solidFill>
+              </a:rPr>
+              <a:t> </a:t>
+            </a:r>
+            <a:r>
+              <a:rPr lang="da-DK" sz="1400" dirty="0" err="1">
+                <a:solidFill>
+                  <a:srgbClr val="808080"/>
+                </a:solidFill>
+              </a:rPr>
+              <a:t>magic</a:t>
+            </a:r>
+            <a:br>
+              <a:rPr lang="da-DK" sz="1400" dirty="0">
+                <a:solidFill>
+                  <a:srgbClr val="808080"/>
+                </a:solidFill>
+              </a:rPr>
+            </a:br>
+            <a:r>
+              <a:rPr lang="da-DK" sz="1400" dirty="0" err="1"/>
+              <a:t>fig</a:t>
+            </a:r>
+            <a:r>
+              <a:rPr lang="da-DK" sz="1400" dirty="0"/>
+              <a:t> = </a:t>
+            </a:r>
+            <a:r>
+              <a:rPr lang="da-DK" sz="1400" dirty="0" err="1"/>
+              <a:t>go.Figure</a:t>
+            </a:r>
+            <a:r>
+              <a:rPr lang="da-DK" sz="1400" dirty="0"/>
+              <a:t>(</a:t>
+            </a:r>
+            <a:r>
+              <a:rPr lang="da-DK" sz="1400" dirty="0">
+                <a:solidFill>
+                  <a:srgbClr val="AA4926"/>
+                </a:solidFill>
+              </a:rPr>
+              <a:t>data</a:t>
+            </a:r>
+            <a:r>
+              <a:rPr lang="da-DK" sz="1400" dirty="0"/>
+              <a:t>=</a:t>
+            </a:r>
+            <a:r>
+              <a:rPr lang="da-DK" sz="1400" dirty="0" err="1"/>
+              <a:t>go.Choropleth</a:t>
+            </a:r>
+            <a:r>
+              <a:rPr lang="da-DK" sz="1400" dirty="0"/>
+              <a:t>(</a:t>
+            </a:r>
+            <a:br>
+              <a:rPr lang="da-DK" sz="1400" dirty="0"/>
+            </a:br>
+            <a:r>
+              <a:rPr lang="da-DK" sz="1400" dirty="0"/>
+              <a:t>    </a:t>
+            </a:r>
+            <a:r>
+              <a:rPr lang="da-DK" sz="1400" dirty="0">
+                <a:solidFill>
+                  <a:srgbClr val="AA4926"/>
+                </a:solidFill>
+              </a:rPr>
+              <a:t>locations</a:t>
+            </a:r>
+            <a:r>
+              <a:rPr lang="da-DK" sz="1400" dirty="0"/>
+              <a:t>=</a:t>
+            </a:r>
+            <a:r>
+              <a:rPr lang="da-DK" sz="1400" dirty="0" err="1"/>
+              <a:t>tweets_per_state</a:t>
+            </a:r>
+            <a:r>
+              <a:rPr lang="da-DK" sz="1400" dirty="0"/>
+              <a:t>[</a:t>
+            </a:r>
+            <a:r>
+              <a:rPr lang="da-DK" sz="1400" dirty="0">
+                <a:solidFill>
+                  <a:srgbClr val="6A8759"/>
+                </a:solidFill>
+              </a:rPr>
+              <a:t>'</a:t>
+            </a:r>
+            <a:r>
+              <a:rPr lang="da-DK" sz="1400" dirty="0" err="1">
+                <a:solidFill>
+                  <a:srgbClr val="6A8759"/>
+                </a:solidFill>
+              </a:rPr>
+              <a:t>code</a:t>
+            </a:r>
+            <a:r>
+              <a:rPr lang="da-DK" sz="1400" dirty="0">
+                <a:solidFill>
+                  <a:srgbClr val="6A8759"/>
+                </a:solidFill>
+              </a:rPr>
+              <a:t>'</a:t>
+            </a:r>
+            <a:r>
+              <a:rPr lang="da-DK" sz="1400" dirty="0"/>
+              <a:t>]</a:t>
+            </a:r>
+            <a:r>
+              <a:rPr lang="da-DK" sz="1400" dirty="0">
+                <a:solidFill>
+                  <a:srgbClr val="CC7832"/>
+                </a:solidFill>
+              </a:rPr>
+              <a:t>, </a:t>
+            </a:r>
+            <a:r>
+              <a:rPr lang="da-DK" sz="1400" dirty="0">
+                <a:solidFill>
+                  <a:srgbClr val="808080"/>
+                </a:solidFill>
+              </a:rPr>
+              <a:t># </a:t>
+            </a:r>
+            <a:r>
+              <a:rPr lang="da-DK" sz="1400" dirty="0" err="1">
+                <a:solidFill>
+                  <a:srgbClr val="808080"/>
+                </a:solidFill>
+              </a:rPr>
+              <a:t>Spatial</a:t>
+            </a:r>
+            <a:r>
+              <a:rPr lang="da-DK" sz="1400" dirty="0">
+                <a:solidFill>
+                  <a:srgbClr val="808080"/>
+                </a:solidFill>
+              </a:rPr>
+              <a:t> </a:t>
+            </a:r>
+            <a:r>
+              <a:rPr lang="da-DK" sz="1400" dirty="0" err="1">
+                <a:solidFill>
+                  <a:srgbClr val="808080"/>
+                </a:solidFill>
+              </a:rPr>
+              <a:t>coordinates</a:t>
+            </a:r>
+            <a:br>
+              <a:rPr lang="da-DK" sz="1400" dirty="0">
+                <a:solidFill>
+                  <a:srgbClr val="808080"/>
+                </a:solidFill>
+              </a:rPr>
+            </a:br>
+            <a:r>
+              <a:rPr lang="da-DK" sz="1400" dirty="0">
+                <a:solidFill>
+                  <a:srgbClr val="808080"/>
+                </a:solidFill>
+              </a:rPr>
+              <a:t>    </a:t>
+            </a:r>
+            <a:r>
+              <a:rPr lang="da-DK" sz="1400" dirty="0">
+                <a:solidFill>
+                  <a:srgbClr val="AA4926"/>
+                </a:solidFill>
+              </a:rPr>
+              <a:t>z </a:t>
+            </a:r>
+            <a:r>
+              <a:rPr lang="da-DK" sz="1400" dirty="0"/>
+              <a:t>= </a:t>
+            </a:r>
+            <a:r>
+              <a:rPr lang="da-DK" sz="1400" dirty="0" err="1"/>
+              <a:t>tweets_per_state</a:t>
+            </a:r>
+            <a:r>
+              <a:rPr lang="da-DK" sz="1400" dirty="0"/>
+              <a:t>[</a:t>
+            </a:r>
+            <a:r>
+              <a:rPr lang="da-DK" sz="1400" dirty="0">
+                <a:solidFill>
+                  <a:srgbClr val="6A8759"/>
+                </a:solidFill>
+              </a:rPr>
+              <a:t>'</a:t>
+            </a:r>
+            <a:r>
+              <a:rPr lang="da-DK" sz="1400" dirty="0" err="1">
+                <a:solidFill>
+                  <a:srgbClr val="6A8759"/>
+                </a:solidFill>
+              </a:rPr>
+              <a:t>counts</a:t>
+            </a:r>
+            <a:r>
+              <a:rPr lang="da-DK" sz="1400" dirty="0">
+                <a:solidFill>
+                  <a:srgbClr val="6A8759"/>
+                </a:solidFill>
+              </a:rPr>
+              <a:t>'</a:t>
+            </a:r>
+            <a:r>
+              <a:rPr lang="da-DK" sz="1400" dirty="0"/>
+              <a:t>].</a:t>
+            </a:r>
+            <a:r>
+              <a:rPr lang="da-DK" sz="1400" dirty="0" err="1"/>
+              <a:t>astype</a:t>
+            </a:r>
+            <a:r>
+              <a:rPr lang="da-DK" sz="1400" dirty="0"/>
+              <a:t>(</a:t>
+            </a:r>
+            <a:r>
+              <a:rPr lang="da-DK" sz="1400" dirty="0" err="1">
+                <a:solidFill>
+                  <a:srgbClr val="8888C6"/>
+                </a:solidFill>
+              </a:rPr>
+              <a:t>float</a:t>
+            </a:r>
+            <a:r>
+              <a:rPr lang="da-DK" sz="1400" dirty="0"/>
+              <a:t>)</a:t>
+            </a:r>
+            <a:r>
+              <a:rPr lang="da-DK" sz="1400" dirty="0">
+                <a:solidFill>
+                  <a:srgbClr val="CC7832"/>
+                </a:solidFill>
+              </a:rPr>
+              <a:t>, </a:t>
+            </a:r>
+            <a:r>
+              <a:rPr lang="da-DK" sz="1400" dirty="0">
+                <a:solidFill>
+                  <a:srgbClr val="808080"/>
+                </a:solidFill>
+              </a:rPr>
+              <a:t># Data to </a:t>
+            </a:r>
+            <a:r>
+              <a:rPr lang="da-DK" sz="1400" dirty="0" err="1">
+                <a:solidFill>
+                  <a:srgbClr val="808080"/>
+                </a:solidFill>
+              </a:rPr>
+              <a:t>be</a:t>
+            </a:r>
+            <a:r>
+              <a:rPr lang="da-DK" sz="1400" dirty="0">
+                <a:solidFill>
+                  <a:srgbClr val="808080"/>
+                </a:solidFill>
+              </a:rPr>
+              <a:t> </a:t>
+            </a:r>
+            <a:r>
+              <a:rPr lang="da-DK" sz="1400" dirty="0" err="1">
+                <a:solidFill>
+                  <a:srgbClr val="808080"/>
+                </a:solidFill>
+              </a:rPr>
+              <a:t>color-coded</a:t>
+            </a:r>
+            <a:br>
+              <a:rPr lang="da-DK" sz="1400" dirty="0">
+                <a:solidFill>
+                  <a:srgbClr val="808080"/>
+                </a:solidFill>
+              </a:rPr>
+            </a:br>
+            <a:r>
+              <a:rPr lang="da-DK" sz="1400" dirty="0">
+                <a:solidFill>
+                  <a:srgbClr val="808080"/>
+                </a:solidFill>
+              </a:rPr>
+              <a:t>    </a:t>
+            </a:r>
+            <a:r>
+              <a:rPr lang="da-DK" sz="1400" dirty="0" err="1">
+                <a:solidFill>
+                  <a:srgbClr val="AA4926"/>
+                </a:solidFill>
+              </a:rPr>
+              <a:t>locationmode</a:t>
+            </a:r>
+            <a:r>
+              <a:rPr lang="da-DK" sz="1400" dirty="0">
+                <a:solidFill>
+                  <a:srgbClr val="AA4926"/>
+                </a:solidFill>
+              </a:rPr>
+              <a:t> </a:t>
+            </a:r>
+            <a:r>
+              <a:rPr lang="da-DK" sz="1400" dirty="0"/>
+              <a:t>= </a:t>
+            </a:r>
+            <a:r>
+              <a:rPr lang="da-DK" sz="1400" dirty="0">
+                <a:solidFill>
+                  <a:srgbClr val="6A8759"/>
+                </a:solidFill>
+              </a:rPr>
+              <a:t>'USA-</a:t>
+            </a:r>
+            <a:r>
+              <a:rPr lang="da-DK" sz="1400" dirty="0" err="1">
+                <a:solidFill>
+                  <a:srgbClr val="6A8759"/>
+                </a:solidFill>
+              </a:rPr>
+              <a:t>states</a:t>
+            </a:r>
+            <a:r>
+              <a:rPr lang="da-DK" sz="1400" dirty="0">
+                <a:solidFill>
+                  <a:srgbClr val="6A8759"/>
+                </a:solidFill>
+              </a:rPr>
+              <a:t>'</a:t>
+            </a:r>
+            <a:r>
+              <a:rPr lang="da-DK" sz="1400" dirty="0">
+                <a:solidFill>
+                  <a:srgbClr val="CC7832"/>
+                </a:solidFill>
+              </a:rPr>
+              <a:t>, </a:t>
+            </a:r>
+            <a:r>
+              <a:rPr lang="da-DK" sz="1400" dirty="0">
+                <a:solidFill>
+                  <a:srgbClr val="808080"/>
+                </a:solidFill>
+              </a:rPr>
+              <a:t># set of locations match </a:t>
+            </a:r>
+            <a:r>
+              <a:rPr lang="da-DK" sz="1400" dirty="0" err="1">
+                <a:solidFill>
+                  <a:srgbClr val="808080"/>
+                </a:solidFill>
+              </a:rPr>
+              <a:t>entries</a:t>
+            </a:r>
+            <a:r>
+              <a:rPr lang="da-DK" sz="1400" dirty="0">
+                <a:solidFill>
+                  <a:srgbClr val="808080"/>
+                </a:solidFill>
+              </a:rPr>
+              <a:t> in `locations`</a:t>
+            </a:r>
+            <a:br>
+              <a:rPr lang="da-DK" sz="1400" dirty="0">
+                <a:solidFill>
+                  <a:srgbClr val="808080"/>
+                </a:solidFill>
+              </a:rPr>
+            </a:br>
+            <a:r>
+              <a:rPr lang="da-DK" sz="1400" dirty="0">
+                <a:solidFill>
+                  <a:srgbClr val="808080"/>
+                </a:solidFill>
+              </a:rPr>
+              <a:t>    </a:t>
+            </a:r>
+            <a:r>
+              <a:rPr lang="da-DK" sz="1400" dirty="0" err="1">
+                <a:solidFill>
+                  <a:srgbClr val="AA4926"/>
+                </a:solidFill>
+              </a:rPr>
+              <a:t>colorscale</a:t>
+            </a:r>
+            <a:r>
+              <a:rPr lang="da-DK" sz="1400" dirty="0">
+                <a:solidFill>
+                  <a:srgbClr val="AA4926"/>
+                </a:solidFill>
+              </a:rPr>
+              <a:t> </a:t>
+            </a:r>
+            <a:r>
+              <a:rPr lang="da-DK" sz="1400" dirty="0"/>
+              <a:t>= </a:t>
+            </a:r>
+            <a:r>
+              <a:rPr lang="da-DK" sz="1400" dirty="0">
+                <a:solidFill>
+                  <a:srgbClr val="6A8759"/>
+                </a:solidFill>
+              </a:rPr>
+              <a:t>'Reds'</a:t>
+            </a:r>
+            <a:r>
+              <a:rPr lang="da-DK" sz="1400" dirty="0">
+                <a:solidFill>
+                  <a:srgbClr val="CC7832"/>
+                </a:solidFill>
+              </a:rPr>
+              <a:t>,</a:t>
+            </a:r>
+            <a:br>
+              <a:rPr lang="da-DK" sz="1400" dirty="0">
+                <a:solidFill>
+                  <a:srgbClr val="CC7832"/>
+                </a:solidFill>
+              </a:rPr>
+            </a:br>
+            <a:r>
+              <a:rPr lang="da-DK" sz="1400" dirty="0">
+                <a:solidFill>
+                  <a:srgbClr val="CC7832"/>
+                </a:solidFill>
+              </a:rPr>
+              <a:t>    </a:t>
+            </a:r>
+            <a:r>
+              <a:rPr lang="da-DK" sz="1400" dirty="0" err="1">
+                <a:solidFill>
+                  <a:srgbClr val="AA4926"/>
+                </a:solidFill>
+              </a:rPr>
+              <a:t>colorbar_title</a:t>
+            </a:r>
+            <a:r>
+              <a:rPr lang="da-DK" sz="1400" dirty="0">
+                <a:solidFill>
+                  <a:srgbClr val="AA4926"/>
+                </a:solidFill>
+              </a:rPr>
+              <a:t> </a:t>
+            </a:r>
+            <a:r>
+              <a:rPr lang="da-DK" sz="1400" dirty="0"/>
+              <a:t>= </a:t>
+            </a:r>
+            <a:r>
+              <a:rPr lang="da-DK" sz="1400" dirty="0">
+                <a:solidFill>
+                  <a:srgbClr val="6A8759"/>
+                </a:solidFill>
+              </a:rPr>
+              <a:t>"</a:t>
+            </a:r>
+            <a:r>
+              <a:rPr lang="da-DK" sz="1400" dirty="0" err="1">
+                <a:solidFill>
+                  <a:srgbClr val="6A8759"/>
+                </a:solidFill>
+              </a:rPr>
+              <a:t>Tweets</a:t>
+            </a:r>
+            <a:r>
+              <a:rPr lang="da-DK" sz="1400" dirty="0">
+                <a:solidFill>
+                  <a:srgbClr val="6A8759"/>
+                </a:solidFill>
+              </a:rPr>
+              <a:t>"</a:t>
+            </a:r>
+            <a:r>
+              <a:rPr lang="da-DK" sz="1400" dirty="0">
+                <a:solidFill>
+                  <a:srgbClr val="CC7832"/>
+                </a:solidFill>
+              </a:rPr>
+              <a:t>,</a:t>
+            </a:r>
+            <a:br>
+              <a:rPr lang="da-DK" sz="1400" dirty="0">
+                <a:solidFill>
+                  <a:srgbClr val="CC7832"/>
+                </a:solidFill>
+              </a:rPr>
+            </a:br>
+            <a:r>
+              <a:rPr lang="da-DK" sz="1400" dirty="0"/>
+              <a:t>))</a:t>
+            </a:r>
+            <a:br>
+              <a:rPr lang="da-DK" sz="1400" dirty="0"/>
+            </a:br>
+            <a:br>
+              <a:rPr lang="da-DK" sz="1400" dirty="0"/>
+            </a:br>
+            <a:r>
+              <a:rPr lang="da-DK" sz="1400" dirty="0">
+                <a:solidFill>
+                  <a:srgbClr val="808080"/>
+                </a:solidFill>
+              </a:rPr>
+              <a:t># </a:t>
+            </a:r>
+            <a:r>
+              <a:rPr lang="da-DK" sz="1400" dirty="0" err="1">
+                <a:solidFill>
+                  <a:srgbClr val="808080"/>
+                </a:solidFill>
+              </a:rPr>
+              <a:t>Making</a:t>
+            </a:r>
+            <a:r>
+              <a:rPr lang="da-DK" sz="1400" dirty="0">
+                <a:solidFill>
+                  <a:srgbClr val="808080"/>
+                </a:solidFill>
+              </a:rPr>
+              <a:t> labels</a:t>
+            </a:r>
+            <a:br>
+              <a:rPr lang="da-DK" sz="1400" dirty="0">
+                <a:solidFill>
+                  <a:srgbClr val="808080"/>
+                </a:solidFill>
+              </a:rPr>
+            </a:br>
+            <a:r>
+              <a:rPr lang="da-DK" sz="1400" dirty="0" err="1"/>
+              <a:t>fig.update_layout</a:t>
+            </a:r>
+            <a:r>
+              <a:rPr lang="da-DK" sz="1400" dirty="0"/>
+              <a:t>(</a:t>
+            </a:r>
+            <a:br>
+              <a:rPr lang="da-DK" sz="1400" dirty="0"/>
+            </a:br>
+            <a:r>
+              <a:rPr lang="da-DK" sz="1400" dirty="0"/>
+              <a:t>    </a:t>
+            </a:r>
+            <a:r>
+              <a:rPr lang="da-DK" sz="1400" dirty="0" err="1">
+                <a:solidFill>
+                  <a:srgbClr val="AA4926"/>
+                </a:solidFill>
+              </a:rPr>
+              <a:t>title_text</a:t>
+            </a:r>
+            <a:r>
+              <a:rPr lang="da-DK" sz="1400" dirty="0">
+                <a:solidFill>
+                  <a:srgbClr val="AA4926"/>
+                </a:solidFill>
+              </a:rPr>
+              <a:t> </a:t>
+            </a:r>
+            <a:r>
+              <a:rPr lang="da-DK" sz="1400" dirty="0"/>
+              <a:t>= </a:t>
+            </a:r>
+            <a:r>
+              <a:rPr lang="da-DK" sz="1400" dirty="0">
+                <a:solidFill>
+                  <a:srgbClr val="6A8759"/>
+                </a:solidFill>
+              </a:rPr>
+              <a:t>'2020 US </a:t>
+            </a:r>
+            <a:r>
+              <a:rPr lang="da-DK" sz="1400" dirty="0" err="1">
+                <a:solidFill>
+                  <a:srgbClr val="6A8759"/>
+                </a:solidFill>
+              </a:rPr>
+              <a:t>Election</a:t>
+            </a:r>
+            <a:r>
+              <a:rPr lang="da-DK" sz="1400" dirty="0">
+                <a:solidFill>
+                  <a:srgbClr val="6A8759"/>
+                </a:solidFill>
+              </a:rPr>
+              <a:t> Number of </a:t>
+            </a:r>
+            <a:r>
+              <a:rPr lang="da-DK" sz="1400" dirty="0" err="1">
+                <a:solidFill>
+                  <a:srgbClr val="6A8759"/>
+                </a:solidFill>
+              </a:rPr>
+              <a:t>Tweets</a:t>
+            </a:r>
+            <a:r>
+              <a:rPr lang="da-DK" sz="1400" dirty="0">
+                <a:solidFill>
+                  <a:srgbClr val="6A8759"/>
+                </a:solidFill>
+              </a:rPr>
+              <a:t> per State'</a:t>
+            </a:r>
+            <a:r>
+              <a:rPr lang="da-DK" sz="1400" dirty="0">
+                <a:solidFill>
+                  <a:srgbClr val="CC7832"/>
+                </a:solidFill>
+              </a:rPr>
+              <a:t>,</a:t>
+            </a:r>
+            <a:br>
+              <a:rPr lang="da-DK" sz="1400" dirty="0">
+                <a:solidFill>
+                  <a:srgbClr val="CC7832"/>
+                </a:solidFill>
+              </a:rPr>
+            </a:br>
+            <a:r>
+              <a:rPr lang="da-DK" sz="1400" dirty="0">
+                <a:solidFill>
+                  <a:srgbClr val="CC7832"/>
+                </a:solidFill>
+              </a:rPr>
+              <a:t>    </a:t>
+            </a:r>
+            <a:r>
+              <a:rPr lang="da-DK" sz="1400" dirty="0" err="1">
+                <a:solidFill>
+                  <a:srgbClr val="AA4926"/>
+                </a:solidFill>
+              </a:rPr>
+              <a:t>geo_scope</a:t>
+            </a:r>
+            <a:r>
+              <a:rPr lang="da-DK" sz="1400" dirty="0"/>
+              <a:t>=</a:t>
+            </a:r>
+            <a:r>
+              <a:rPr lang="da-DK" sz="1400" dirty="0">
+                <a:solidFill>
+                  <a:srgbClr val="6A8759"/>
+                </a:solidFill>
+              </a:rPr>
+              <a:t>'</a:t>
+            </a:r>
+            <a:r>
+              <a:rPr lang="da-DK" sz="1400" dirty="0" err="1">
+                <a:solidFill>
+                  <a:srgbClr val="6A8759"/>
+                </a:solidFill>
+              </a:rPr>
+              <a:t>usa</a:t>
+            </a:r>
+            <a:r>
+              <a:rPr lang="da-DK" sz="1400" dirty="0">
+                <a:solidFill>
+                  <a:srgbClr val="6A8759"/>
+                </a:solidFill>
+              </a:rPr>
+              <a:t>'</a:t>
+            </a:r>
+            <a:r>
+              <a:rPr lang="da-DK" sz="1400" dirty="0">
+                <a:solidFill>
+                  <a:srgbClr val="CC7832"/>
+                </a:solidFill>
+              </a:rPr>
+              <a:t>, </a:t>
+            </a:r>
+            <a:r>
+              <a:rPr lang="da-DK" sz="1400" dirty="0">
+                <a:solidFill>
+                  <a:srgbClr val="808080"/>
+                </a:solidFill>
+              </a:rPr>
+              <a:t># </a:t>
+            </a:r>
+            <a:r>
+              <a:rPr lang="da-DK" sz="1400" dirty="0" err="1">
+                <a:solidFill>
+                  <a:srgbClr val="808080"/>
+                </a:solidFill>
+              </a:rPr>
+              <a:t>limite</a:t>
+            </a:r>
+            <a:r>
+              <a:rPr lang="da-DK" sz="1400" dirty="0">
+                <a:solidFill>
+                  <a:srgbClr val="808080"/>
+                </a:solidFill>
+              </a:rPr>
+              <a:t> </a:t>
+            </a:r>
+            <a:r>
+              <a:rPr lang="da-DK" sz="1400" dirty="0" err="1">
+                <a:solidFill>
+                  <a:srgbClr val="808080"/>
+                </a:solidFill>
+              </a:rPr>
+              <a:t>map</a:t>
+            </a:r>
+            <a:r>
+              <a:rPr lang="da-DK" sz="1400" dirty="0">
+                <a:solidFill>
+                  <a:srgbClr val="808080"/>
+                </a:solidFill>
+              </a:rPr>
+              <a:t> </a:t>
+            </a:r>
+            <a:r>
+              <a:rPr lang="da-DK" sz="1400" dirty="0" err="1">
+                <a:solidFill>
+                  <a:srgbClr val="808080"/>
+                </a:solidFill>
+              </a:rPr>
+              <a:t>scope</a:t>
+            </a:r>
+            <a:r>
+              <a:rPr lang="da-DK" sz="1400" dirty="0">
+                <a:solidFill>
+                  <a:srgbClr val="808080"/>
+                </a:solidFill>
+              </a:rPr>
+              <a:t> to USA</a:t>
+            </a:r>
+            <a:br>
+              <a:rPr lang="da-DK" sz="1400" dirty="0">
+                <a:solidFill>
+                  <a:srgbClr val="808080"/>
+                </a:solidFill>
+              </a:rPr>
+            </a:br>
+            <a:r>
+              <a:rPr lang="da-DK" sz="1400" dirty="0"/>
+              <a:t>)</a:t>
+            </a:r>
+            <a:br>
+              <a:rPr lang="da-DK" sz="1400" dirty="0"/>
+            </a:br>
+            <a:br>
+              <a:rPr lang="da-DK" sz="1400" dirty="0"/>
+            </a:br>
+            <a:r>
+              <a:rPr lang="da-DK" sz="1400" dirty="0" err="1"/>
+              <a:t>fig.show</a:t>
+            </a:r>
+            <a:r>
+              <a:rPr lang="da-DK" sz="1400" dirty="0"/>
+              <a:t>()</a:t>
+            </a:r>
+          </a:p>
+        </p:txBody>
+      </p:sp>
+    </p:spTree>
+    <p:extLst>
+      <p:ext uri="{BB962C8B-B14F-4D97-AF65-F5344CB8AC3E}">
+        <p14:creationId xmlns:p14="http://schemas.microsoft.com/office/powerpoint/2010/main" val="2652097354"/>
+      </p:ext>
+    </p:extLst>
+  </p:cSld>
+  <p:clrMapOvr>
+    <a:masterClrMapping/>
+  </p:clrMapOvr>
+</p:sld>
+</file>
+
+<file path=ppt/slides/slide7.xml><?xml version="1.0" encoding="utf-8"?>
+<p:sld xmlns:a="http://schemas.openxmlformats.org/drawingml/2006/main" xmlns:r="http://schemas.openxmlformats.org/officeDocument/2006/relationships" xmlns:p="http://schemas.openxmlformats.org/presentationml/2006/main">
+  <p:cSld>
+    <p:bg>
+      <p:bgPr>
+        <a:solidFill>
+          <a:schemeClr val="bg1">
+            <a:lumMod val="95000"/>
+          </a:schemeClr>
+        </a:solidFill>
+        <a:effectLst/>
+      </p:bgPr>
+    </p:bg>
+    <p:spTree>
+      <p:nvGrpSpPr>
+        <p:cNvPr id="1" name=""/>
+        <p:cNvGrpSpPr/>
+        <p:nvPr/>
+      </p:nvGrpSpPr>
+      <p:grpSpPr>
+        <a:xfrm>
+          <a:off x="0" y="0"/>
+          <a:ext cx="0" cy="0"/>
+          <a:chOff x="0" y="0"/>
+          <a:chExt cx="0" cy="0"/>
+        </a:xfrm>
+      </p:grpSpPr>
+      <p:sp useBgFill="1">
+        <p:nvSpPr>
+          <p:cNvPr id="16" name="Rectangle 15">
+            <a:extLst>
+              <a:ext uri="{FF2B5EF4-FFF2-40B4-BE49-F238E27FC236}">
+                <a16:creationId xmlns:a16="http://schemas.microsoft.com/office/drawing/2014/main" id="{1660E788-AFA9-4A1B-9991-6AA74632A15B}"/>
+              </a:ext>
+              <a:ext uri="{C183D7F6-B498-43B3-948B-1728B52AA6E4}">
+                <adec:decorative xmlns:adec="http://schemas.microsoft.com/office/drawing/2017/decorative" val="1"/>
+              </a:ext>
+            </a:extLst>
+          </p:cNvPr>
+          <p:cNvSpPr>
+            <a:spLocks noGrp="1" noRot="1" noChangeAspect="1" noMove="1" noResize="1" noEditPoints="1" noAdjustHandles="1" noChangeArrowheads="1" noChangeShapeType="1" noTextEdit="1"/>
+          </p:cNvSpPr>
+          <p:nvPr>
+            <p:extLst>
+              <p:ext uri="{386F3935-93C4-4BCD-93E2-E3B085C9AB24}">
+                <p16:designElem xmlns:p16="http://schemas.microsoft.com/office/powerpoint/2015/main" val="1"/>
+              </p:ext>
+            </p:extLst>
+          </p:nvPr>
+        </p:nvSpPr>
+        <p:spPr>
+          <a:xfrm>
+            <a:off x="0" y="0"/>
+            <a:ext cx="12191999" cy="6858000"/>
+          </a:xfrm>
+          <a:prstGeom prst="rect">
+            <a:avLst/>
+          </a:prstGeom>
+          <a:ln>
+            <a:noFill/>
+          </a:ln>
+        </p:spPr>
+        <p:style>
+          <a:lnRef idx="2">
+            <a:schemeClr val="accent1">
+              <a:shade val="50000"/>
+            </a:schemeClr>
+          </a:lnRef>
+          <a:fillRef idx="1">
+            <a:schemeClr val="accent1"/>
+          </a:fillRef>
+          <a:effectRef idx="0">
+            <a:schemeClr val="accent1"/>
+          </a:effectRef>
+          <a:fontRef idx="minor">
+            <a:schemeClr val="lt1"/>
+          </a:fontRef>
+        </p:style>
+        <p:txBody>
+          <a:bodyPr rtlCol="0" anchor="ctr"/>
+          <a:lstStyle/>
+          <a:p>
+            <a:pPr algn="ctr"/>
+            <a:endParaRPr lang="en-US"/>
+          </a:p>
+        </p:txBody>
+      </p:sp>
+      <p:sp>
+        <p:nvSpPr>
+          <p:cNvPr id="18" name="Rectangle 17">
+            <a:extLst>
+              <a:ext uri="{FF2B5EF4-FFF2-40B4-BE49-F238E27FC236}">
+                <a16:creationId xmlns:a16="http://schemas.microsoft.com/office/drawing/2014/main" id="{867D4867-5BA7-4462-B2F6-A23F4A622AA7}"/>
+              </a:ext>
+              <a:ext uri="{C183D7F6-B498-43B3-948B-1728B52AA6E4}">
+                <adec:decorative xmlns:adec="http://schemas.microsoft.com/office/drawing/2017/decorative" val="1"/>
+              </a:ext>
+            </a:extLst>
+          </p:cNvPr>
+          <p:cNvSpPr>
+            <a:spLocks noGrp="1" noRot="1" noChangeAspect="1" noMove="1" noResize="1" noEditPoints="1" noAdjustHandles="1" noChangeArrowheads="1" noChangeShapeType="1" noTextEdit="1"/>
+          </p:cNvSpPr>
+          <p:nvPr>
+            <p:extLst>
+              <p:ext uri="{386F3935-93C4-4BCD-93E2-E3B085C9AB24}">
+                <p16:designElem xmlns:p16="http://schemas.microsoft.com/office/powerpoint/2015/main" val="1"/>
+              </p:ext>
+            </p:extLst>
+          </p:nvPr>
+        </p:nvSpPr>
+        <p:spPr>
+          <a:xfrm>
+            <a:off x="0" y="0"/>
+            <a:ext cx="4654296" cy="6858000"/>
+          </a:xfrm>
+          <a:prstGeom prst="rect">
+            <a:avLst/>
+          </a:prstGeom>
+          <a:solidFill>
+            <a:schemeClr val="tx2"/>
+          </a:solidFill>
+          <a:ln>
+            <a:noFill/>
+          </a:ln>
+        </p:spPr>
+        <p:style>
+          <a:lnRef idx="0">
+            <a:scrgbClr r="0" g="0" b="0"/>
+          </a:lnRef>
+          <a:fillRef idx="0">
+            <a:scrgbClr r="0" g="0" b="0"/>
+          </a:fillRef>
+          <a:effectRef idx="0">
+            <a:scrgbClr r="0" g="0" b="0"/>
+          </a:effectRef>
+          <a:fontRef idx="minor">
+            <a:schemeClr val="lt1"/>
+          </a:fontRef>
+        </p:style>
+        <p:txBody>
+          <a:bodyPr rtlCol="0" anchor="ctr"/>
+          <a:lstStyle/>
+          <a:p>
+            <a:pPr algn="ctr"/>
+            <a:endParaRPr lang="en-US"/>
+          </a:p>
+        </p:txBody>
+      </p:sp>
+      <p:sp>
+        <p:nvSpPr>
+          <p:cNvPr id="2" name="Titel 1">
+            <a:extLst>
+              <a:ext uri="{FF2B5EF4-FFF2-40B4-BE49-F238E27FC236}">
+                <a16:creationId xmlns:a16="http://schemas.microsoft.com/office/drawing/2014/main" id="{B7209E44-79FC-E04D-BE6F-C62CFDDF19C3}"/>
+              </a:ext>
+            </a:extLst>
+          </p:cNvPr>
+          <p:cNvSpPr>
+            <a:spLocks noGrp="1"/>
+          </p:cNvSpPr>
+          <p:nvPr>
+            <p:ph type="title"/>
+          </p:nvPr>
+        </p:nvSpPr>
+        <p:spPr>
+          <a:xfrm>
+            <a:off x="643467" y="643467"/>
+            <a:ext cx="3363974" cy="1728044"/>
+          </a:xfrm>
+          <a:noFill/>
+          <a:ln>
+            <a:solidFill>
+              <a:schemeClr val="bg1"/>
+            </a:solidFill>
+          </a:ln>
+        </p:spPr>
+        <p:txBody>
+          <a:bodyPr vert="horz" wrap="square" lIns="182880" tIns="182880" rIns="182880" bIns="182880" rtlCol="0" anchor="ctr" anchorCtr="1">
+            <a:normAutofit/>
+          </a:bodyPr>
+          <a:lstStyle/>
+          <a:p>
+            <a:r>
+              <a:rPr lang="en-US" sz="2400">
+                <a:solidFill>
+                  <a:schemeClr val="bg1"/>
+                </a:solidFill>
+              </a:rPr>
+              <a:t>Trump TWEETS are more</a:t>
+            </a:r>
+            <a:br>
+              <a:rPr lang="en-US" sz="2400">
+                <a:solidFill>
+                  <a:schemeClr val="bg1"/>
+                </a:solidFill>
+              </a:rPr>
+            </a:br>
+            <a:r>
+              <a:rPr lang="en-US" sz="2400">
+                <a:solidFill>
+                  <a:schemeClr val="bg1"/>
+                </a:solidFill>
+              </a:rPr>
+              <a:t>valenced than biden</a:t>
+            </a:r>
+          </a:p>
+        </p:txBody>
+      </p:sp>
+      <p:sp>
+        <p:nvSpPr>
+          <p:cNvPr id="5" name="Rektangel 4">
+            <a:extLst>
+              <a:ext uri="{FF2B5EF4-FFF2-40B4-BE49-F238E27FC236}">
+                <a16:creationId xmlns:a16="http://schemas.microsoft.com/office/drawing/2014/main" id="{4D61BA4E-D8CE-024B-A496-A444A2FF4DC3}"/>
+              </a:ext>
+            </a:extLst>
+          </p:cNvPr>
+          <p:cNvSpPr/>
+          <p:nvPr/>
+        </p:nvSpPr>
+        <p:spPr>
+          <a:xfrm>
+            <a:off x="643468" y="2638044"/>
+            <a:ext cx="3363974" cy="3415622"/>
+          </a:xfrm>
+          <a:prstGeom prst="rect">
+            <a:avLst/>
+          </a:prstGeom>
+          <a:solidFill>
+            <a:schemeClr val="bg1"/>
+          </a:solidFill>
+        </p:spPr>
+        <p:txBody>
+          <a:bodyPr vert="horz" lIns="91440" tIns="45720" rIns="91440" bIns="45720" rtlCol="0">
+            <a:normAutofit lnSpcReduction="10000"/>
+          </a:bodyPr>
+          <a:lstStyle/>
+          <a:p>
+            <a:pPr defTabSz="914400">
+              <a:lnSpc>
+                <a:spcPct val="90000"/>
+              </a:lnSpc>
+              <a:spcBef>
+                <a:spcPts val="1000"/>
+              </a:spcBef>
+              <a:buClr>
+                <a:schemeClr val="accent2"/>
+              </a:buClr>
+            </a:pPr>
+            <a:r>
+              <a:rPr lang="da-DK" sz="1400" dirty="0">
+                <a:solidFill>
+                  <a:srgbClr val="808080"/>
+                </a:solidFill>
+              </a:rPr>
+              <a:t># </a:t>
+            </a:r>
+            <a:r>
+              <a:rPr lang="da-DK" sz="1400" dirty="0" err="1">
+                <a:solidFill>
+                  <a:srgbClr val="808080"/>
+                </a:solidFill>
+              </a:rPr>
+              <a:t>Grouping</a:t>
+            </a:r>
+            <a:r>
+              <a:rPr lang="da-DK" sz="1400" dirty="0">
+                <a:solidFill>
+                  <a:srgbClr val="808080"/>
+                </a:solidFill>
+              </a:rPr>
+              <a:t> </a:t>
+            </a:r>
+            <a:r>
+              <a:rPr lang="da-DK" sz="1400" dirty="0" err="1">
+                <a:solidFill>
+                  <a:srgbClr val="808080"/>
+                </a:solidFill>
+              </a:rPr>
+              <a:t>tweets</a:t>
+            </a:r>
+            <a:r>
+              <a:rPr lang="da-DK" sz="1400" dirty="0">
+                <a:solidFill>
+                  <a:srgbClr val="808080"/>
+                </a:solidFill>
+              </a:rPr>
+              <a:t> by hashtag and </a:t>
+            </a:r>
+            <a:r>
+              <a:rPr lang="da-DK" sz="1400" dirty="0" err="1">
+                <a:solidFill>
+                  <a:srgbClr val="808080"/>
+                </a:solidFill>
+              </a:rPr>
+              <a:t>getting</a:t>
+            </a:r>
+            <a:r>
+              <a:rPr lang="da-DK" sz="1400" dirty="0">
+                <a:solidFill>
+                  <a:srgbClr val="808080"/>
+                </a:solidFill>
+              </a:rPr>
+              <a:t> the </a:t>
+            </a:r>
+            <a:r>
+              <a:rPr lang="da-DK" sz="1400" dirty="0" err="1">
+                <a:solidFill>
+                  <a:srgbClr val="808080"/>
+                </a:solidFill>
+              </a:rPr>
+              <a:t>mean</a:t>
+            </a:r>
+            <a:r>
+              <a:rPr lang="da-DK" sz="1400" dirty="0">
+                <a:solidFill>
+                  <a:srgbClr val="808080"/>
+                </a:solidFill>
+              </a:rPr>
+              <a:t> </a:t>
+            </a:r>
+            <a:r>
+              <a:rPr lang="da-DK" sz="1400" dirty="0" err="1">
+                <a:solidFill>
+                  <a:srgbClr val="808080"/>
+                </a:solidFill>
+              </a:rPr>
+              <a:t>absolute</a:t>
+            </a:r>
+            <a:r>
+              <a:rPr lang="da-DK" sz="1400" dirty="0">
+                <a:solidFill>
+                  <a:srgbClr val="808080"/>
+                </a:solidFill>
+              </a:rPr>
+              <a:t> </a:t>
+            </a:r>
+            <a:r>
+              <a:rPr lang="da-DK" sz="1400" dirty="0" err="1">
+                <a:solidFill>
+                  <a:srgbClr val="808080"/>
+                </a:solidFill>
+              </a:rPr>
+              <a:t>valence</a:t>
+            </a:r>
+            <a:br>
+              <a:rPr lang="da-DK" sz="1400" dirty="0">
+                <a:solidFill>
+                  <a:srgbClr val="808080"/>
+                </a:solidFill>
+              </a:rPr>
+            </a:br>
+            <a:r>
+              <a:rPr lang="da-DK" sz="1400" dirty="0" err="1"/>
+              <a:t>grouped_by_hashtag</a:t>
+            </a:r>
+            <a:r>
+              <a:rPr lang="da-DK" sz="1400" dirty="0"/>
+              <a:t> = </a:t>
+            </a:r>
+            <a:r>
+              <a:rPr lang="da-DK" sz="1400" dirty="0" err="1"/>
+              <a:t>df.groupby</a:t>
+            </a:r>
+            <a:r>
+              <a:rPr lang="da-DK" sz="1400" dirty="0"/>
+              <a:t>(</a:t>
+            </a:r>
+            <a:r>
+              <a:rPr lang="da-DK" sz="1400" dirty="0">
+                <a:solidFill>
+                  <a:srgbClr val="6A8759"/>
+                </a:solidFill>
+              </a:rPr>
+              <a:t>'Hashtag'</a:t>
+            </a:r>
+            <a:r>
+              <a:rPr lang="da-DK" sz="1400" dirty="0"/>
+              <a:t>)[</a:t>
+            </a:r>
+            <a:r>
+              <a:rPr lang="da-DK" sz="1400" dirty="0">
+                <a:solidFill>
+                  <a:srgbClr val="6A8759"/>
+                </a:solidFill>
+              </a:rPr>
+              <a:t>'</a:t>
+            </a:r>
+            <a:r>
+              <a:rPr lang="da-DK" sz="1400" dirty="0" err="1">
+                <a:solidFill>
+                  <a:srgbClr val="6A8759"/>
+                </a:solidFill>
+              </a:rPr>
+              <a:t>abs_sentiment</a:t>
+            </a:r>
+            <a:r>
+              <a:rPr lang="da-DK" sz="1400" dirty="0">
+                <a:solidFill>
+                  <a:srgbClr val="6A8759"/>
+                </a:solidFill>
+              </a:rPr>
+              <a:t>'</a:t>
+            </a:r>
+            <a:r>
+              <a:rPr lang="da-DK" sz="1400" dirty="0"/>
+              <a:t>].</a:t>
+            </a:r>
+            <a:r>
+              <a:rPr lang="da-DK" sz="1400" dirty="0" err="1"/>
+              <a:t>mean</a:t>
+            </a:r>
+            <a:r>
+              <a:rPr lang="da-DK" sz="1400" dirty="0"/>
+              <a:t>().</a:t>
+            </a:r>
+            <a:r>
+              <a:rPr lang="da-DK" sz="1400" dirty="0" err="1"/>
+              <a:t>reset_index</a:t>
+            </a:r>
+            <a:r>
+              <a:rPr lang="da-DK" sz="1400" dirty="0"/>
+              <a:t>()</a:t>
+            </a:r>
+            <a:br>
+              <a:rPr lang="da-DK" sz="1400" dirty="0"/>
+            </a:br>
+            <a:br>
+              <a:rPr lang="da-DK" sz="1400" dirty="0"/>
+            </a:br>
+            <a:r>
+              <a:rPr lang="da-DK" sz="1400" dirty="0">
+                <a:solidFill>
+                  <a:srgbClr val="808080"/>
+                </a:solidFill>
+              </a:rPr>
+              <a:t># </a:t>
+            </a:r>
+            <a:r>
+              <a:rPr lang="da-DK" sz="1400" dirty="0" err="1">
+                <a:solidFill>
+                  <a:srgbClr val="808080"/>
+                </a:solidFill>
+              </a:rPr>
+              <a:t>Creating</a:t>
+            </a:r>
+            <a:r>
+              <a:rPr lang="da-DK" sz="1400" dirty="0">
+                <a:solidFill>
+                  <a:srgbClr val="808080"/>
+                </a:solidFill>
+              </a:rPr>
+              <a:t> the plot</a:t>
+            </a:r>
+            <a:br>
+              <a:rPr lang="da-DK" sz="1400" dirty="0">
+                <a:solidFill>
+                  <a:srgbClr val="808080"/>
+                </a:solidFill>
+              </a:rPr>
+            </a:br>
+            <a:r>
+              <a:rPr lang="da-DK" sz="1400" dirty="0"/>
+              <a:t>ind = </a:t>
+            </a:r>
+            <a:r>
+              <a:rPr lang="da-DK" sz="1400" dirty="0" err="1"/>
+              <a:t>np.arange</a:t>
+            </a:r>
+            <a:r>
+              <a:rPr lang="da-DK" sz="1400" dirty="0"/>
+              <a:t>(</a:t>
+            </a:r>
+            <a:r>
+              <a:rPr lang="da-DK" sz="1400" dirty="0">
+                <a:solidFill>
+                  <a:srgbClr val="6897BB"/>
+                </a:solidFill>
+              </a:rPr>
+              <a:t>2</a:t>
+            </a:r>
+            <a:r>
+              <a:rPr lang="da-DK" sz="1400" dirty="0"/>
+              <a:t>)</a:t>
+            </a:r>
+            <a:br>
+              <a:rPr lang="da-DK" sz="1400" dirty="0"/>
+            </a:br>
+            <a:r>
+              <a:rPr lang="da-DK" sz="1400" dirty="0"/>
+              <a:t>p1 = </a:t>
+            </a:r>
+            <a:r>
+              <a:rPr lang="da-DK" sz="1400" dirty="0" err="1"/>
+              <a:t>plt.bar</a:t>
+            </a:r>
+            <a:r>
+              <a:rPr lang="da-DK" sz="1400" dirty="0"/>
+              <a:t>(ind</a:t>
+            </a:r>
+            <a:r>
+              <a:rPr lang="da-DK" sz="1400" dirty="0">
+                <a:solidFill>
+                  <a:srgbClr val="CC7832"/>
+                </a:solidFill>
+              </a:rPr>
+              <a:t>, </a:t>
+            </a:r>
+            <a:r>
+              <a:rPr lang="da-DK" sz="1400" dirty="0" err="1"/>
+              <a:t>grouped_by_hashtag</a:t>
+            </a:r>
+            <a:r>
+              <a:rPr lang="da-DK" sz="1400" dirty="0"/>
+              <a:t>[</a:t>
+            </a:r>
+            <a:r>
+              <a:rPr lang="da-DK" sz="1400" dirty="0">
+                <a:solidFill>
+                  <a:srgbClr val="6A8759"/>
+                </a:solidFill>
+              </a:rPr>
+              <a:t>'</a:t>
+            </a:r>
+            <a:r>
+              <a:rPr lang="da-DK" sz="1400" dirty="0" err="1">
+                <a:solidFill>
+                  <a:srgbClr val="6A8759"/>
+                </a:solidFill>
+              </a:rPr>
+              <a:t>abs_sentiment</a:t>
+            </a:r>
+            <a:r>
+              <a:rPr lang="da-DK" sz="1400" dirty="0">
+                <a:solidFill>
+                  <a:srgbClr val="6A8759"/>
+                </a:solidFill>
+              </a:rPr>
+              <a:t>'</a:t>
+            </a:r>
+            <a:r>
+              <a:rPr lang="da-DK" sz="1400" dirty="0"/>
+              <a:t>]</a:t>
+            </a:r>
+            <a:r>
+              <a:rPr lang="da-DK" sz="1400" dirty="0">
+                <a:solidFill>
+                  <a:srgbClr val="CC7832"/>
+                </a:solidFill>
+              </a:rPr>
+              <a:t>, </a:t>
+            </a:r>
+            <a:r>
+              <a:rPr lang="da-DK" sz="1400" dirty="0" err="1">
+                <a:solidFill>
+                  <a:srgbClr val="AA4926"/>
+                </a:solidFill>
+              </a:rPr>
+              <a:t>color</a:t>
+            </a:r>
+            <a:r>
+              <a:rPr lang="da-DK" sz="1400" dirty="0">
+                <a:solidFill>
+                  <a:srgbClr val="AA4926"/>
+                </a:solidFill>
+              </a:rPr>
+              <a:t> </a:t>
+            </a:r>
+            <a:r>
+              <a:rPr lang="da-DK" sz="1400" dirty="0"/>
+              <a:t>= [</a:t>
+            </a:r>
+            <a:r>
+              <a:rPr lang="da-DK" sz="1400" dirty="0">
+                <a:solidFill>
+                  <a:srgbClr val="6A8759"/>
+                </a:solidFill>
+              </a:rPr>
+              <a:t>'red'</a:t>
+            </a:r>
+            <a:r>
+              <a:rPr lang="da-DK" sz="1400" dirty="0">
+                <a:solidFill>
+                  <a:srgbClr val="CC7832"/>
+                </a:solidFill>
+              </a:rPr>
+              <a:t>, </a:t>
+            </a:r>
+            <a:r>
+              <a:rPr lang="da-DK" sz="1400" dirty="0">
+                <a:solidFill>
+                  <a:srgbClr val="6A8759"/>
+                </a:solidFill>
+              </a:rPr>
+              <a:t>'</a:t>
+            </a:r>
+            <a:r>
+              <a:rPr lang="da-DK" sz="1400" dirty="0" err="1">
+                <a:solidFill>
+                  <a:srgbClr val="6A8759"/>
+                </a:solidFill>
+              </a:rPr>
+              <a:t>blue</a:t>
+            </a:r>
+            <a:r>
+              <a:rPr lang="da-DK" sz="1400" dirty="0">
+                <a:solidFill>
+                  <a:srgbClr val="6A8759"/>
+                </a:solidFill>
+              </a:rPr>
+              <a:t>'</a:t>
+            </a:r>
+            <a:r>
+              <a:rPr lang="da-DK" sz="1400" dirty="0"/>
+              <a:t>]</a:t>
+            </a:r>
+            <a:r>
+              <a:rPr lang="da-DK" sz="1400" dirty="0">
+                <a:solidFill>
+                  <a:srgbClr val="CC7832"/>
+                </a:solidFill>
+              </a:rPr>
+              <a:t>, </a:t>
+            </a:r>
+            <a:r>
+              <a:rPr lang="da-DK" sz="1400" dirty="0" err="1">
+                <a:solidFill>
+                  <a:srgbClr val="AA4926"/>
+                </a:solidFill>
+              </a:rPr>
+              <a:t>width</a:t>
+            </a:r>
+            <a:r>
+              <a:rPr lang="da-DK" sz="1400" dirty="0">
+                <a:solidFill>
+                  <a:srgbClr val="AA4926"/>
+                </a:solidFill>
+              </a:rPr>
+              <a:t> </a:t>
+            </a:r>
+            <a:r>
+              <a:rPr lang="da-DK" sz="1400" dirty="0"/>
+              <a:t>= </a:t>
+            </a:r>
+            <a:r>
+              <a:rPr lang="da-DK" sz="1400" dirty="0">
+                <a:solidFill>
+                  <a:srgbClr val="6897BB"/>
+                </a:solidFill>
+              </a:rPr>
+              <a:t>0.5</a:t>
+            </a:r>
+            <a:r>
+              <a:rPr lang="da-DK" sz="1400" dirty="0"/>
+              <a:t>)</a:t>
+            </a:r>
+            <a:br>
+              <a:rPr lang="da-DK" sz="1400" dirty="0"/>
+            </a:br>
+            <a:r>
+              <a:rPr lang="da-DK" sz="1400" dirty="0" err="1"/>
+              <a:t>plt.xticks</a:t>
+            </a:r>
+            <a:r>
+              <a:rPr lang="da-DK" sz="1400" dirty="0"/>
+              <a:t>(ind</a:t>
+            </a:r>
+            <a:r>
+              <a:rPr lang="da-DK" sz="1400" dirty="0">
+                <a:solidFill>
+                  <a:srgbClr val="CC7832"/>
+                </a:solidFill>
+              </a:rPr>
+              <a:t>, </a:t>
+            </a:r>
+            <a:r>
+              <a:rPr lang="da-DK" sz="1400" dirty="0" err="1"/>
+              <a:t>grouped_by_hashtag</a:t>
+            </a:r>
+            <a:r>
+              <a:rPr lang="da-DK" sz="1400" dirty="0"/>
+              <a:t>[</a:t>
+            </a:r>
+            <a:r>
+              <a:rPr lang="da-DK" sz="1400" dirty="0">
+                <a:solidFill>
+                  <a:srgbClr val="6A8759"/>
+                </a:solidFill>
+              </a:rPr>
+              <a:t>'Hashtag'</a:t>
+            </a:r>
+            <a:r>
+              <a:rPr lang="da-DK" sz="1400" dirty="0"/>
+              <a:t>])</a:t>
+            </a:r>
+            <a:br>
+              <a:rPr lang="da-DK" sz="1400" dirty="0"/>
+            </a:br>
+            <a:r>
+              <a:rPr lang="da-DK" sz="1400" dirty="0" err="1"/>
+              <a:t>plt.ylabel</a:t>
+            </a:r>
+            <a:r>
+              <a:rPr lang="da-DK" sz="1400" dirty="0"/>
+              <a:t>(</a:t>
+            </a:r>
+            <a:r>
+              <a:rPr lang="da-DK" sz="1400" dirty="0">
+                <a:solidFill>
+                  <a:srgbClr val="6A8759"/>
+                </a:solidFill>
+              </a:rPr>
+              <a:t>'</a:t>
+            </a:r>
+            <a:r>
+              <a:rPr lang="da-DK" sz="1400" dirty="0" err="1">
+                <a:solidFill>
+                  <a:srgbClr val="6A8759"/>
+                </a:solidFill>
+              </a:rPr>
+              <a:t>Sentiment</a:t>
+            </a:r>
+            <a:r>
+              <a:rPr lang="da-DK" sz="1400" dirty="0">
+                <a:solidFill>
+                  <a:srgbClr val="6A8759"/>
+                </a:solidFill>
+              </a:rPr>
+              <a:t>'</a:t>
+            </a:r>
+            <a:r>
+              <a:rPr lang="da-DK" sz="1400" dirty="0"/>
+              <a:t>)</a:t>
+            </a:r>
+            <a:br>
+              <a:rPr lang="da-DK" sz="1400" dirty="0"/>
+            </a:br>
+            <a:r>
+              <a:rPr lang="da-DK" sz="1400" dirty="0" err="1"/>
+              <a:t>plt.title</a:t>
+            </a:r>
+            <a:r>
+              <a:rPr lang="da-DK" sz="1400" dirty="0"/>
+              <a:t>(</a:t>
+            </a:r>
+            <a:r>
+              <a:rPr lang="da-DK" sz="1400" dirty="0">
+                <a:solidFill>
+                  <a:srgbClr val="6A8759"/>
+                </a:solidFill>
+              </a:rPr>
+              <a:t>'Mean </a:t>
+            </a:r>
+            <a:r>
+              <a:rPr lang="da-DK" sz="1400" dirty="0" err="1">
+                <a:solidFill>
+                  <a:srgbClr val="6A8759"/>
+                </a:solidFill>
+              </a:rPr>
+              <a:t>Absolute</a:t>
+            </a:r>
+            <a:r>
+              <a:rPr lang="da-DK" sz="1400" dirty="0">
+                <a:solidFill>
+                  <a:srgbClr val="6A8759"/>
+                </a:solidFill>
+              </a:rPr>
+              <a:t> </a:t>
+            </a:r>
+            <a:r>
+              <a:rPr lang="da-DK" sz="1400" dirty="0" err="1">
+                <a:solidFill>
+                  <a:srgbClr val="6A8759"/>
+                </a:solidFill>
+              </a:rPr>
+              <a:t>Sentiment</a:t>
+            </a:r>
+            <a:r>
+              <a:rPr lang="da-DK" sz="1400" dirty="0">
+                <a:solidFill>
+                  <a:srgbClr val="6A8759"/>
+                </a:solidFill>
+              </a:rPr>
+              <a:t> per Hashtag'</a:t>
+            </a:r>
+            <a:r>
+              <a:rPr lang="da-DK" sz="1400" dirty="0"/>
+              <a:t>)</a:t>
+            </a:r>
+            <a:br>
+              <a:rPr lang="da-DK" sz="1400" dirty="0"/>
+            </a:br>
+            <a:br>
+              <a:rPr lang="da-DK" sz="1400" dirty="0"/>
+            </a:br>
+            <a:r>
+              <a:rPr lang="da-DK" sz="1400" dirty="0" err="1"/>
+              <a:t>plt.show</a:t>
+            </a:r>
+            <a:r>
+              <a:rPr lang="da-DK" sz="1400" dirty="0"/>
+              <a:t>()</a:t>
+            </a:r>
+            <a:endParaRPr lang="en-US" sz="1300" dirty="0">
+              <a:solidFill>
+                <a:schemeClr val="bg1"/>
+              </a:solidFill>
+            </a:endParaRPr>
+          </a:p>
+        </p:txBody>
+      </p:sp>
+      <p:pic>
+        <p:nvPicPr>
+          <p:cNvPr id="4" name="Pladsholder til indhold 4">
+            <a:extLst>
+              <a:ext uri="{FF2B5EF4-FFF2-40B4-BE49-F238E27FC236}">
+                <a16:creationId xmlns:a16="http://schemas.microsoft.com/office/drawing/2014/main" id="{6B375E40-EF4A-1943-BC5E-5542B51DBD46}"/>
+              </a:ext>
+            </a:extLst>
+          </p:cNvPr>
+          <p:cNvPicPr>
+            <a:picLocks noGrp="1" noChangeAspect="1"/>
+          </p:cNvPicPr>
+          <p:nvPr>
+            <p:ph idx="1"/>
+          </p:nvPr>
+        </p:nvPicPr>
+        <p:blipFill>
+          <a:blip r:embed="rId2"/>
+          <a:stretch>
+            <a:fillRect/>
+          </a:stretch>
+        </p:blipFill>
+        <p:spPr>
+          <a:xfrm>
+            <a:off x="5297763" y="1004528"/>
+            <a:ext cx="6250769" cy="4688076"/>
+          </a:xfrm>
+          <a:prstGeom prst="rect">
+            <a:avLst/>
+          </a:prstGeom>
+        </p:spPr>
+      </p:pic>
+      <p:sp>
+        <p:nvSpPr>
+          <p:cNvPr id="6" name="Tekstfelt 5">
+            <a:extLst>
+              <a:ext uri="{FF2B5EF4-FFF2-40B4-BE49-F238E27FC236}">
+                <a16:creationId xmlns:a16="http://schemas.microsoft.com/office/drawing/2014/main" id="{264CFC53-2038-6444-9B00-0B59B6838DB0}"/>
+              </a:ext>
+            </a:extLst>
+          </p:cNvPr>
+          <p:cNvSpPr txBox="1"/>
+          <p:nvPr/>
+        </p:nvSpPr>
+        <p:spPr>
+          <a:xfrm>
+            <a:off x="2517732" y="475989"/>
+            <a:ext cx="184731" cy="369332"/>
+          </a:xfrm>
+          <a:prstGeom prst="rect">
+            <a:avLst/>
+          </a:prstGeom>
+          <a:noFill/>
+        </p:spPr>
+        <p:txBody>
+          <a:bodyPr wrap="none" rtlCol="0">
+            <a:spAutoFit/>
+          </a:bodyPr>
+          <a:lstStyle/>
+          <a:p>
+            <a:endParaRPr lang="da-DK" dirty="0"/>
+          </a:p>
+        </p:txBody>
+      </p:sp>
+    </p:spTree>
+    <p:extLst>
+      <p:ext uri="{BB962C8B-B14F-4D97-AF65-F5344CB8AC3E}">
+        <p14:creationId xmlns:p14="http://schemas.microsoft.com/office/powerpoint/2010/main" val="4211630896"/>
+      </p:ext>
+    </p:extLst>
+  </p:cSld>
+  <p:clrMapOvr>
+    <a:masterClrMapping/>
+  </p:clrMapOvr>
+</p:sld>
+</file>
+
+<file path=ppt/slides/slide8.xml><?xml version="1.0" encoding="utf-8"?>
+<p:sld xmlns:a="http://schemas.openxmlformats.org/drawingml/2006/main" xmlns:r="http://schemas.openxmlformats.org/officeDocument/2006/relationships" xmlns:p="http://schemas.openxmlformats.org/presentationml/2006/main">
+  <p:cSld>
+    <p:bg>
+      <p:bgPr>
+        <a:solidFill>
+          <a:schemeClr val="bg1"/>
+        </a:solidFill>
+        <a:effectLst/>
+      </p:bgPr>
+    </p:bg>
+    <p:spTree>
+      <p:nvGrpSpPr>
+        <p:cNvPr id="1" name=""/>
+        <p:cNvGrpSpPr/>
+        <p:nvPr/>
+      </p:nvGrpSpPr>
+      <p:grpSpPr>
+        <a:xfrm>
+          <a:off x="0" y="0"/>
+          <a:ext cx="0" cy="0"/>
+          <a:chOff x="0" y="0"/>
+          <a:chExt cx="0" cy="0"/>
+        </a:xfrm>
+      </p:grpSpPr>
+      <p:sp useBgFill="1">
+        <p:nvSpPr>
+          <p:cNvPr id="28" name="Rectangle 27">
+            <a:extLst>
+              <a:ext uri="{FF2B5EF4-FFF2-40B4-BE49-F238E27FC236}">
+                <a16:creationId xmlns:a16="http://schemas.microsoft.com/office/drawing/2014/main" id="{3F47E20B-1205-4238-A82B-90EF577F32D8}"/>
+              </a:ext>
+              <a:ext uri="{C183D7F6-B498-43B3-948B-1728B52AA6E4}">
+                <adec:decorative xmlns:adec="http://schemas.microsoft.com/office/drawing/2017/decorative" val="1"/>
+              </a:ext>
+            </a:extLst>
+          </p:cNvPr>
+          <p:cNvSpPr>
+            <a:spLocks noGrp="1" noRot="1" noChangeAspect="1" noMove="1" noResize="1" noEditPoints="1" noAdjustHandles="1" noChangeArrowheads="1" noChangeShapeType="1" noTextEdit="1"/>
+          </p:cNvSpPr>
+          <p:nvPr>
+            <p:extLst>
+              <p:ext uri="{386F3935-93C4-4BCD-93E2-E3B085C9AB24}">
+                <p16:designElem xmlns:p16="http://schemas.microsoft.com/office/powerpoint/2015/main" val="1"/>
+              </p:ext>
+            </p:extLst>
+          </p:nvPr>
+        </p:nvSpPr>
+        <p:spPr>
+          <a:xfrm>
+            <a:off x="1" y="0"/>
+            <a:ext cx="12191999" cy="6858000"/>
+          </a:xfrm>
+          <a:prstGeom prst="rect">
+            <a:avLst/>
+          </a:prstGeom>
+          <a:ln>
+            <a:noFill/>
+          </a:ln>
+        </p:spPr>
+        <p:style>
+          <a:lnRef idx="2">
+            <a:schemeClr val="accent1">
+              <a:shade val="50000"/>
+            </a:schemeClr>
+          </a:lnRef>
+          <a:fillRef idx="1">
+            <a:schemeClr val="accent1"/>
+          </a:fillRef>
+          <a:effectRef idx="0">
+            <a:schemeClr val="accent1"/>
+          </a:effectRef>
+          <a:fontRef idx="minor">
+            <a:schemeClr val="lt1"/>
+          </a:fontRef>
+        </p:style>
+        <p:txBody>
+          <a:bodyPr rtlCol="0" anchor="ctr"/>
+          <a:lstStyle/>
+          <a:p>
+            <a:pPr algn="ctr"/>
+            <a:endParaRPr lang="en-US"/>
+          </a:p>
+        </p:txBody>
+      </p:sp>
+      <p:sp>
+        <p:nvSpPr>
+          <p:cNvPr id="30" name="Rectangle 29">
+            <a:extLst>
+              <a:ext uri="{FF2B5EF4-FFF2-40B4-BE49-F238E27FC236}">
+                <a16:creationId xmlns:a16="http://schemas.microsoft.com/office/drawing/2014/main" id="{D13567AC-EB9A-47A9-B6EC-B5BDB73B113C}"/>
+              </a:ext>
+              <a:ext uri="{C183D7F6-B498-43B3-948B-1728B52AA6E4}">
+                <adec:decorative xmlns:adec="http://schemas.microsoft.com/office/drawing/2017/decorative" val="1"/>
+              </a:ext>
+            </a:extLst>
+          </p:cNvPr>
+          <p:cNvSpPr>
+            <a:spLocks noGrp="1" noRot="1" noChangeAspect="1" noMove="1" noResize="1" noEditPoints="1" noAdjustHandles="1" noChangeArrowheads="1" noChangeShapeType="1" noTextEdit="1"/>
+          </p:cNvSpPr>
+          <p:nvPr>
+            <p:extLst>
+              <p:ext uri="{386F3935-93C4-4BCD-93E2-E3B085C9AB24}">
+                <p16:designElem xmlns:p16="http://schemas.microsoft.com/office/powerpoint/2015/main" val="1"/>
+              </p:ext>
+            </p:extLst>
+          </p:nvPr>
+        </p:nvSpPr>
+        <p:spPr>
+          <a:xfrm>
+            <a:off x="0" y="0"/>
+            <a:ext cx="4654296" cy="6858000"/>
+          </a:xfrm>
+          <a:prstGeom prst="rect">
+            <a:avLst/>
+          </a:prstGeom>
+          <a:solidFill>
+            <a:schemeClr val="tx2"/>
+          </a:solidFill>
+          <a:ln>
+            <a:noFill/>
+          </a:ln>
+        </p:spPr>
+        <p:style>
+          <a:lnRef idx="0">
+            <a:scrgbClr r="0" g="0" b="0"/>
+          </a:lnRef>
+          <a:fillRef idx="0">
+            <a:scrgbClr r="0" g="0" b="0"/>
+          </a:fillRef>
+          <a:effectRef idx="0">
+            <a:scrgbClr r="0" g="0" b="0"/>
+          </a:effectRef>
+          <a:fontRef idx="minor">
+            <a:schemeClr val="lt1"/>
+          </a:fontRef>
+        </p:style>
+        <p:txBody>
+          <a:bodyPr rtlCol="0" anchor="ctr"/>
+          <a:lstStyle/>
+          <a:p>
+            <a:pPr algn="ctr"/>
+            <a:endParaRPr lang="en-US"/>
+          </a:p>
+        </p:txBody>
+      </p:sp>
+      <p:sp>
+        <p:nvSpPr>
+          <p:cNvPr id="2" name="Titel 1">
+            <a:extLst>
+              <a:ext uri="{FF2B5EF4-FFF2-40B4-BE49-F238E27FC236}">
+                <a16:creationId xmlns:a16="http://schemas.microsoft.com/office/drawing/2014/main" id="{C042B466-B053-4E4C-AE9C-F353E7744A26}"/>
+              </a:ext>
+            </a:extLst>
+          </p:cNvPr>
+          <p:cNvSpPr>
+            <a:spLocks noGrp="1"/>
+          </p:cNvSpPr>
+          <p:nvPr>
+            <p:ph type="title"/>
+          </p:nvPr>
+        </p:nvSpPr>
+        <p:spPr>
+          <a:xfrm>
+            <a:off x="643468" y="820010"/>
+            <a:ext cx="3415288" cy="3212654"/>
+          </a:xfrm>
+          <a:noFill/>
+          <a:ln>
+            <a:solidFill>
+              <a:schemeClr val="bg1"/>
+            </a:solidFill>
+          </a:ln>
         </p:spPr>
         <p:txBody>
           <a:bodyPr vert="horz" lIns="274320" tIns="182880" rIns="274320" bIns="182880" rtlCol="0" anchor="ctr" anchorCtr="1">
@@ -5658,8 +10587,28 @@
           <a:lstStyle/>
           <a:p>
             <a:r>
-              <a:rPr lang="en-US"/>
-              <a:t>Tweets per sentiment verdict</a:t>
+              <a:rPr lang="en-US" sz="3200" dirty="0">
+                <a:solidFill>
+                  <a:schemeClr val="bg1"/>
+                </a:solidFill>
+              </a:rPr>
+              <a:t>Are democratic states pro-</a:t>
+            </a:r>
+            <a:r>
+              <a:rPr lang="en-US" sz="3200" dirty="0" err="1">
+                <a:solidFill>
+                  <a:schemeClr val="bg1"/>
+                </a:solidFill>
+              </a:rPr>
+              <a:t>biden</a:t>
+            </a:r>
+            <a:r>
+              <a:rPr lang="en-US" sz="3200" dirty="0">
+                <a:solidFill>
+                  <a:schemeClr val="bg1"/>
+                </a:solidFill>
+              </a:rPr>
+              <a:t>?</a:t>
             </a:r>
           </a:p>
         </p:txBody>
@@ -5669,7 +10618,7 @@
           <p:cNvPr id="5" name="Billede 4">
             <a:extLst>
               <a:ext uri="{FF2B5EF4-FFF2-40B4-BE49-F238E27FC236}">
-                <a16:creationId xmlns:a16="http://schemas.microsoft.com/office/drawing/2014/main" id="{DE21EA39-AE3D-C246-8690-AF26EBE584FE}"/>
+                <a16:creationId xmlns:a16="http://schemas.microsoft.com/office/drawing/2014/main" id="{4C9E839E-609F-574C-B35C-59E78469DDC9}"/>
               </a:ext>
             </a:extLst>
           </p:cNvPr>
@@ -5686,18 +10635,73 @@
         </p:blipFill>
         <p:spPr>
           <a:xfrm>
-            <a:off x="5294376" y="925068"/>
-            <a:ext cx="6257544" cy="4693157"/>
+            <a:off x="5297763" y="1004528"/>
+            <a:ext cx="6250769" cy="4688076"/>
           </a:xfrm>
           <a:prstGeom prst="rect">
             <a:avLst/>
           </a:prstGeom>
         </p:spPr>
       </p:pic>
+      <p:sp>
+        <p:nvSpPr>
+          <p:cNvPr id="8" name="Tekstfelt 7">
+            <a:extLst>
+              <a:ext uri="{FF2B5EF4-FFF2-40B4-BE49-F238E27FC236}">
+                <a16:creationId xmlns:a16="http://schemas.microsoft.com/office/drawing/2014/main" id="{8E134ECF-8C8F-D347-A490-D97E7F3DB8E0}"/>
+              </a:ext>
+            </a:extLst>
+          </p:cNvPr>
+          <p:cNvSpPr txBox="1"/>
+          <p:nvPr/>
+        </p:nvSpPr>
+        <p:spPr>
+          <a:xfrm>
+            <a:off x="116835" y="4328160"/>
+            <a:ext cx="4537461" cy="369332"/>
+          </a:xfrm>
+          <a:prstGeom prst="rect">
+            <a:avLst/>
+          </a:prstGeom>
+          <a:noFill/>
+        </p:spPr>
+        <p:txBody>
+          <a:bodyPr wrap="none" rtlCol="0">
+            <a:spAutoFit/>
+          </a:bodyPr>
+          <a:lstStyle/>
+          <a:p>
+            <a:r>
+              <a:rPr lang="da-DK" dirty="0">
+                <a:solidFill>
+                  <a:schemeClr val="bg1"/>
+                </a:solidFill>
+              </a:rPr>
+              <a:t>TOO Heavy </a:t>
+            </a:r>
+            <a:r>
+              <a:rPr lang="da-DK" dirty="0" err="1">
+                <a:solidFill>
+                  <a:schemeClr val="bg1"/>
+                </a:solidFill>
+              </a:rPr>
+              <a:t>code</a:t>
+            </a:r>
+            <a:r>
+              <a:rPr lang="da-DK" dirty="0">
+                <a:solidFill>
+                  <a:schemeClr val="bg1"/>
+                </a:solidFill>
+              </a:rPr>
+              <a:t>. DO YOU WANNA SEE IT? </a:t>
+            </a:r>
+          </a:p>
+        </p:txBody>
+      </p:sp>
     </p:spTree>
     <p:extLst>
       <p:ext uri="{BB962C8B-B14F-4D97-AF65-F5344CB8AC3E}">
-        <p14:creationId xmlns:p14="http://schemas.microsoft.com/office/powerpoint/2010/main" val="340794853"/>
+        <p14:creationId xmlns:p14="http://schemas.microsoft.com/office/powerpoint/2010/main" val="922627121"/>
       </p:ext>
     </p:extLst>
   </p:cSld>
@@ -5707,7 +10711,7 @@
 </p:sld>
 </file>
 
-<file path=ppt/slides/slide7.xml><?xml version="1.0" encoding="utf-8"?>
+<file path=ppt/slides/slide9.xml><?xml version="1.0" encoding="utf-8"?>
 <p:sld xmlns:a="http://schemas.openxmlformats.org/drawingml/2006/main" xmlns:r="http://schemas.openxmlformats.org/officeDocument/2006/relationships" xmlns:p="http://schemas.openxmlformats.org/presentationml/2006/main">
   <p:cSld>
     <p:bg>
@@ -5957,7 +10961,7 @@
         </p:spPr>
         <p:txBody>
           <a:bodyPr vert="horz" lIns="182880" tIns="182880" rIns="182880" bIns="182880" rtlCol="0" anchor="ctr">
-            <a:normAutofit/>
+            <a:normAutofit fontScale="90000"/>
           </a:bodyPr>
           <a:lstStyle/>
           <a:p>
@@ -5969,9 +10973,18 @@
                 <a:latin typeface="+mj-lt"/>
                 <a:ea typeface="+mj-ea"/>
                 <a:cs typeface="+mj-cs"/>
-              </a:rPr>
-              <a:t>State graphs</a:t>
-            </a:r>
+                <a:hlinkClick r:id="rId2"/>
+              </a:rPr>
+              <a:t>What are the sentiment scores in the different states?</a:t>
+            </a:r>
+            <a:endParaRPr lang="en-US" sz="3000" kern="1200" cap="all" spc="200" baseline="0" dirty="0">
+              <a:solidFill>
+                <a:srgbClr val="FFFFFF"/>
+              </a:solidFill>
+              <a:latin typeface="+mj-lt"/>
+              <a:ea typeface="+mj-ea"/>
+              <a:cs typeface="+mj-cs"/>
+            </a:endParaRPr>
           </a:p>
         </p:txBody>
       </p:sp>
@@ -6002,28 +11015,14 @@
           </a:bodyPr>
           <a:lstStyle/>
           <a:p>
-            <a:pPr indent="-228600" defTabSz="914400">
+            <a:pPr defTabSz="914400">
               <a:spcBef>
                 <a:spcPts val="1000"/>
               </a:spcBef>
               <a:buClr>
                 <a:schemeClr val="accent2"/>
               </a:buClr>
-              <a:buFont typeface="Arial" panose="020B0604020202020204" pitchFamily="34" charset="0"/>
-              <a:buChar char="•"/>
             </a:pPr>
-            <a:r>
-              <a:rPr lang="en-US" dirty="0">
-                <a:solidFill>
-                  <a:schemeClr val="tx1">
-                    <a:lumMod val="85000"/>
-                    <a:lumOff val="15000"/>
-                  </a:schemeClr>
-                </a:solidFill>
-                <a:hlinkClick r:id="rId2"/>
-              </a:rPr>
-              <a:t>Tweets Per State</a:t>
-            </a:r>
             <a:endParaRPr lang="en-US" dirty="0">
               <a:solidFill>
                 <a:schemeClr val="tx1">
@@ -6033,71 +11032,1138 @@
               </a:solidFill>
             </a:endParaRPr>
           </a:p>
-          <a:p>
-            <a:pPr indent="-228600" defTabSz="914400">
-              <a:spcBef>
-                <a:spcPts val="1000"/>
-              </a:spcBef>
-              <a:buClr>
-                <a:schemeClr val="accent2"/>
-              </a:buClr>
-              <a:buFont typeface="Arial" panose="020B0604020202020204" pitchFamily="34" charset="0"/>
-              <a:buChar char="•"/>
-            </a:pPr>
-            <a:r>
-              <a:rPr lang="en-US" dirty="0">
-                <a:solidFill>
-                  <a:schemeClr val="tx1">
-                    <a:lumMod val="85000"/>
-                    <a:lumOff val="15000"/>
-                  </a:schemeClr>
-                </a:solidFill>
-              </a:rPr>
-              <a:t> </a:t>
-            </a:r>
-          </a:p>
         </p:txBody>
       </p:sp>
       <p:sp>
         <p:nvSpPr>
-          <p:cNvPr id="19" name="Tekstfelt 18">
+          <p:cNvPr id="16" name="Rektangel 15">
             <a:extLst>
               <a:ext uri="{FF2B5EF4-FFF2-40B4-BE49-F238E27FC236}">
-                <a16:creationId xmlns:a16="http://schemas.microsoft.com/office/drawing/2014/main" id="{31BBDDBF-FC6C-6344-B5CC-830A1EAAD83C}"/>
+                <a16:creationId xmlns:a16="http://schemas.microsoft.com/office/drawing/2014/main" id="{8C86A7B6-29D6-7849-871B-1C6E12916973}"/>
               </a:ext>
             </a:extLst>
           </p:cNvPr>
-          <p:cNvSpPr txBox="1"/>
+          <p:cNvSpPr/>
           <p:nvPr/>
         </p:nvSpPr>
         <p:spPr>
           <a:xfrm>
-            <a:off x="5839674" y="3443287"/>
-            <a:ext cx="2920223" cy="369332"/>
+            <a:off x="5232805" y="1012954"/>
+            <a:ext cx="6682231" cy="4832092"/>
           </a:xfrm>
           <a:prstGeom prst="rect">
             <a:avLst/>
           </a:prstGeom>
-          <a:noFill/>
         </p:spPr>
         <p:txBody>
-          <a:bodyPr wrap="none" rtlCol="0">
+          <a:bodyPr wrap="square">
             <a:spAutoFit/>
           </a:bodyPr>
           <a:lstStyle/>
           <a:p>
-            <a:pPr>
-              <a:spcAft>
-                <a:spcPts val="600"/>
-              </a:spcAft>
-            </a:pPr>
-            <a:r>
-              <a:rPr lang="da-DK" dirty="0">
-                <a:hlinkClick r:id="rId3"/>
-              </a:rPr>
-              <a:t>Negative Sentiment Per State</a:t>
-            </a:r>
-            <a:endParaRPr lang="da-DK" dirty="0"/>
+            <a:r>
+              <a:rPr lang="da-DK" sz="1400" dirty="0">
+                <a:solidFill>
+                  <a:srgbClr val="808080"/>
+                </a:solidFill>
+              </a:rPr>
+              <a:t># </a:t>
+            </a:r>
+            <a:r>
+              <a:rPr lang="da-DK" sz="1400" dirty="0" err="1">
+                <a:solidFill>
+                  <a:srgbClr val="808080"/>
+                </a:solidFill>
+              </a:rPr>
+              <a:t>Filtering</a:t>
+            </a:r>
+            <a:r>
+              <a:rPr lang="da-DK" sz="1400" dirty="0">
+                <a:solidFill>
+                  <a:srgbClr val="808080"/>
+                </a:solidFill>
+              </a:rPr>
+              <a:t> out all negative </a:t>
+            </a:r>
+            <a:r>
+              <a:rPr lang="da-DK" sz="1400" dirty="0" err="1">
+                <a:solidFill>
+                  <a:srgbClr val="808080"/>
+                </a:solidFill>
+              </a:rPr>
+              <a:t>tweets</a:t>
+            </a:r>
+            <a:br>
+              <a:rPr lang="da-DK" sz="1400" dirty="0">
+                <a:solidFill>
+                  <a:srgbClr val="808080"/>
+                </a:solidFill>
+              </a:rPr>
+            </a:br>
+            <a:r>
+              <a:rPr lang="da-DK" sz="1400" dirty="0" err="1"/>
+              <a:t>df_negative</a:t>
+            </a:r>
+            <a:r>
+              <a:rPr lang="da-DK" sz="1400" dirty="0"/>
+              <a:t> = </a:t>
+            </a:r>
+            <a:r>
+              <a:rPr lang="da-DK" sz="1400" dirty="0" err="1"/>
+              <a:t>df.loc</a:t>
+            </a:r>
+            <a:r>
+              <a:rPr lang="da-DK" sz="1400" dirty="0"/>
+              <a:t>[</a:t>
+            </a:r>
+            <a:r>
+              <a:rPr lang="da-DK" sz="1400" dirty="0" err="1"/>
+              <a:t>df</a:t>
+            </a:r>
+            <a:r>
+              <a:rPr lang="da-DK" sz="1400" dirty="0"/>
+              <a:t>[</a:t>
+            </a:r>
+            <a:r>
+              <a:rPr lang="da-DK" sz="1400" dirty="0">
+                <a:solidFill>
+                  <a:srgbClr val="6A8759"/>
+                </a:solidFill>
+              </a:rPr>
+              <a:t>'</a:t>
+            </a:r>
+            <a:r>
+              <a:rPr lang="da-DK" sz="1400" dirty="0" err="1">
+                <a:solidFill>
+                  <a:srgbClr val="6A8759"/>
+                </a:solidFill>
+              </a:rPr>
+              <a:t>sentiment_overall</a:t>
+            </a:r>
+            <a:r>
+              <a:rPr lang="da-DK" sz="1400" dirty="0">
+                <a:solidFill>
+                  <a:srgbClr val="6A8759"/>
+                </a:solidFill>
+              </a:rPr>
+              <a:t>'</a:t>
+            </a:r>
+            <a:r>
+              <a:rPr lang="da-DK" sz="1400" dirty="0"/>
+              <a:t>] == </a:t>
+            </a:r>
+            <a:r>
+              <a:rPr lang="da-DK" sz="1400" dirty="0">
+                <a:solidFill>
+                  <a:srgbClr val="6A8759"/>
+                </a:solidFill>
+              </a:rPr>
+              <a:t>'Negative'</a:t>
+            </a:r>
+            <a:r>
+              <a:rPr lang="da-DK" sz="1400" dirty="0"/>
+              <a:t>]</a:t>
+            </a:r>
+            <a:br>
+              <a:rPr lang="da-DK" sz="1400" dirty="0"/>
+            </a:br>
+            <a:br>
+              <a:rPr lang="da-DK" sz="1400" dirty="0"/>
+            </a:br>
+            <a:r>
+              <a:rPr lang="da-DK" sz="1400" dirty="0">
+                <a:solidFill>
+                  <a:srgbClr val="808080"/>
+                </a:solidFill>
+              </a:rPr>
+              <a:t># </a:t>
+            </a:r>
+            <a:r>
+              <a:rPr lang="da-DK" sz="1400" dirty="0" err="1">
+                <a:solidFill>
+                  <a:srgbClr val="808080"/>
+                </a:solidFill>
+              </a:rPr>
+              <a:t>Grouping</a:t>
+            </a:r>
+            <a:r>
+              <a:rPr lang="da-DK" sz="1400" dirty="0">
+                <a:solidFill>
+                  <a:srgbClr val="808080"/>
+                </a:solidFill>
+              </a:rPr>
+              <a:t> by </a:t>
+            </a:r>
+            <a:r>
+              <a:rPr lang="da-DK" sz="1400" dirty="0" err="1">
+                <a:solidFill>
+                  <a:srgbClr val="808080"/>
+                </a:solidFill>
+              </a:rPr>
+              <a:t>state</a:t>
+            </a:r>
+            <a:r>
+              <a:rPr lang="da-DK" sz="1400" dirty="0">
+                <a:solidFill>
+                  <a:srgbClr val="808080"/>
+                </a:solidFill>
+              </a:rPr>
+              <a:t> </a:t>
+            </a:r>
+            <a:r>
+              <a:rPr lang="da-DK" sz="1400" dirty="0" err="1">
+                <a:solidFill>
+                  <a:srgbClr val="808080"/>
+                </a:solidFill>
+              </a:rPr>
+              <a:t>code</a:t>
+            </a:r>
+            <a:r>
+              <a:rPr lang="da-DK" sz="1400" dirty="0">
+                <a:solidFill>
+                  <a:srgbClr val="808080"/>
+                </a:solidFill>
+              </a:rPr>
+              <a:t> and </a:t>
+            </a:r>
+            <a:r>
+              <a:rPr lang="da-DK" sz="1400" dirty="0" err="1">
+                <a:solidFill>
+                  <a:srgbClr val="808080"/>
+                </a:solidFill>
+              </a:rPr>
+              <a:t>getting</a:t>
+            </a:r>
+            <a:r>
+              <a:rPr lang="da-DK" sz="1400" dirty="0">
+                <a:solidFill>
+                  <a:srgbClr val="808080"/>
+                </a:solidFill>
+              </a:rPr>
+              <a:t> the </a:t>
+            </a:r>
+            <a:r>
+              <a:rPr lang="da-DK" sz="1400" dirty="0" err="1">
+                <a:solidFill>
+                  <a:srgbClr val="808080"/>
+                </a:solidFill>
+              </a:rPr>
+              <a:t>mean</a:t>
+            </a:r>
+            <a:r>
+              <a:rPr lang="da-DK" sz="1400" dirty="0">
+                <a:solidFill>
+                  <a:srgbClr val="808080"/>
+                </a:solidFill>
+              </a:rPr>
+              <a:t> </a:t>
+            </a:r>
+            <a:r>
+              <a:rPr lang="da-DK" sz="1400" dirty="0" err="1">
+                <a:solidFill>
+                  <a:srgbClr val="808080"/>
+                </a:solidFill>
+              </a:rPr>
+              <a:t>sentiment</a:t>
+            </a:r>
+            <a:r>
+              <a:rPr lang="da-DK" sz="1400" dirty="0">
+                <a:solidFill>
+                  <a:srgbClr val="808080"/>
+                </a:solidFill>
+              </a:rPr>
+              <a:t> value</a:t>
+            </a:r>
+            <a:br>
+              <a:rPr lang="da-DK" sz="1400" dirty="0">
+                <a:solidFill>
+                  <a:srgbClr val="808080"/>
+                </a:solidFill>
+              </a:rPr>
+            </a:br>
+            <a:r>
+              <a:rPr lang="da-DK" sz="1400" dirty="0" err="1"/>
+              <a:t>abs_sentiment_per_state</a:t>
+            </a:r>
+            <a:r>
+              <a:rPr lang="da-DK" sz="1400" dirty="0"/>
+              <a:t> = </a:t>
+            </a:r>
+            <a:r>
+              <a:rPr lang="da-DK" sz="1400" dirty="0" err="1"/>
+              <a:t>df_negative.groupby</a:t>
+            </a:r>
+            <a:r>
+              <a:rPr lang="da-DK" sz="1400" dirty="0"/>
+              <a:t>(</a:t>
+            </a:r>
+            <a:r>
+              <a:rPr lang="da-DK" sz="1400" dirty="0">
+                <a:solidFill>
+                  <a:srgbClr val="6A8759"/>
+                </a:solidFill>
+              </a:rPr>
+              <a:t>'</a:t>
+            </a:r>
+            <a:r>
+              <a:rPr lang="da-DK" sz="1400" dirty="0" err="1">
+                <a:solidFill>
+                  <a:srgbClr val="6A8759"/>
+                </a:solidFill>
+              </a:rPr>
+              <a:t>code</a:t>
+            </a:r>
+            <a:r>
+              <a:rPr lang="da-DK" sz="1400" dirty="0">
+                <a:solidFill>
+                  <a:srgbClr val="6A8759"/>
+                </a:solidFill>
+              </a:rPr>
+              <a:t>'</a:t>
+            </a:r>
+            <a:r>
+              <a:rPr lang="da-DK" sz="1400" dirty="0"/>
+              <a:t>)[</a:t>
+            </a:r>
+            <a:r>
+              <a:rPr lang="da-DK" sz="1400" dirty="0">
+                <a:solidFill>
+                  <a:srgbClr val="6A8759"/>
+                </a:solidFill>
+              </a:rPr>
+              <a:t>'</a:t>
+            </a:r>
+            <a:r>
+              <a:rPr lang="da-DK" sz="1400" dirty="0" err="1">
+                <a:solidFill>
+                  <a:srgbClr val="6A8759"/>
+                </a:solidFill>
+              </a:rPr>
+              <a:t>sentiment</a:t>
+            </a:r>
+            <a:r>
+              <a:rPr lang="da-DK" sz="1400" dirty="0">
+                <a:solidFill>
+                  <a:srgbClr val="6A8759"/>
+                </a:solidFill>
+              </a:rPr>
+              <a:t>'</a:t>
+            </a:r>
+            <a:r>
+              <a:rPr lang="da-DK" sz="1400" dirty="0"/>
+              <a:t>].</a:t>
+            </a:r>
+            <a:r>
+              <a:rPr lang="da-DK" sz="1400" dirty="0" err="1"/>
+              <a:t>mean</a:t>
+            </a:r>
+            <a:r>
+              <a:rPr lang="da-DK" sz="1400" dirty="0"/>
+              <a:t>().</a:t>
+            </a:r>
+            <a:r>
+              <a:rPr lang="da-DK" sz="1400" dirty="0" err="1"/>
+              <a:t>reset_index</a:t>
+            </a:r>
+            <a:r>
+              <a:rPr lang="da-DK" sz="1400" dirty="0"/>
+              <a:t>()</a:t>
+            </a:r>
+            <a:br>
+              <a:rPr lang="da-DK" sz="1400" dirty="0"/>
+            </a:br>
+            <a:br>
+              <a:rPr lang="da-DK" sz="1400" dirty="0"/>
+            </a:br>
+            <a:r>
+              <a:rPr lang="da-DK" sz="1400" dirty="0">
+                <a:solidFill>
+                  <a:srgbClr val="808080"/>
+                </a:solidFill>
+              </a:rPr>
+              <a:t># </a:t>
+            </a:r>
+            <a:r>
+              <a:rPr lang="da-DK" sz="1400" dirty="0" err="1">
+                <a:solidFill>
+                  <a:srgbClr val="808080"/>
+                </a:solidFill>
+              </a:rPr>
+              <a:t>Doing</a:t>
+            </a:r>
+            <a:r>
+              <a:rPr lang="da-DK" sz="1400" dirty="0">
+                <a:solidFill>
+                  <a:srgbClr val="808080"/>
+                </a:solidFill>
+              </a:rPr>
+              <a:t> the </a:t>
+            </a:r>
+            <a:r>
+              <a:rPr lang="da-DK" sz="1400" dirty="0" err="1">
+                <a:solidFill>
+                  <a:srgbClr val="808080"/>
+                </a:solidFill>
+              </a:rPr>
+              <a:t>plotly</a:t>
+            </a:r>
+            <a:r>
+              <a:rPr lang="da-DK" sz="1400" dirty="0">
+                <a:solidFill>
+                  <a:srgbClr val="808080"/>
+                </a:solidFill>
+              </a:rPr>
+              <a:t> </a:t>
+            </a:r>
+            <a:r>
+              <a:rPr lang="da-DK" sz="1400" dirty="0" err="1">
+                <a:solidFill>
+                  <a:srgbClr val="808080"/>
+                </a:solidFill>
+              </a:rPr>
+              <a:t>magic</a:t>
+            </a:r>
+            <a:br>
+              <a:rPr lang="da-DK" sz="1400" dirty="0">
+                <a:solidFill>
+                  <a:srgbClr val="808080"/>
+                </a:solidFill>
+              </a:rPr>
+            </a:br>
+            <a:r>
+              <a:rPr lang="da-DK" sz="1400" dirty="0" err="1"/>
+              <a:t>fig</a:t>
+            </a:r>
+            <a:r>
+              <a:rPr lang="da-DK" sz="1400" dirty="0"/>
+              <a:t> = </a:t>
+            </a:r>
+            <a:r>
+              <a:rPr lang="da-DK" sz="1400" dirty="0" err="1"/>
+              <a:t>go.Figure</a:t>
+            </a:r>
+            <a:r>
+              <a:rPr lang="da-DK" sz="1400" dirty="0"/>
+              <a:t>(</a:t>
+            </a:r>
+            <a:r>
+              <a:rPr lang="da-DK" sz="1400" dirty="0">
+                <a:solidFill>
+                  <a:srgbClr val="AA4926"/>
+                </a:solidFill>
+              </a:rPr>
+              <a:t>data</a:t>
+            </a:r>
+            <a:r>
+              <a:rPr lang="da-DK" sz="1400" dirty="0"/>
+              <a:t>=</a:t>
+            </a:r>
+            <a:r>
+              <a:rPr lang="da-DK" sz="1400" dirty="0" err="1"/>
+              <a:t>go.Choropleth</a:t>
+            </a:r>
+            <a:r>
+              <a:rPr lang="da-DK" sz="1400" dirty="0"/>
+              <a:t>(</a:t>
+            </a:r>
+            <a:br>
+              <a:rPr lang="da-DK" sz="1400" dirty="0"/>
+            </a:br>
+            <a:r>
+              <a:rPr lang="da-DK" sz="1400" dirty="0"/>
+              <a:t>    </a:t>
+            </a:r>
+            <a:r>
+              <a:rPr lang="da-DK" sz="1400" dirty="0">
+                <a:solidFill>
+                  <a:srgbClr val="AA4926"/>
+                </a:solidFill>
+              </a:rPr>
+              <a:t>locations</a:t>
+            </a:r>
+            <a:r>
+              <a:rPr lang="da-DK" sz="1400" dirty="0"/>
+              <a:t>=</a:t>
+            </a:r>
+            <a:r>
+              <a:rPr lang="da-DK" sz="1400" dirty="0" err="1"/>
+              <a:t>abs_sentiment_per_state</a:t>
+            </a:r>
+            <a:r>
+              <a:rPr lang="da-DK" sz="1400" dirty="0"/>
+              <a:t>[</a:t>
+            </a:r>
+            <a:r>
+              <a:rPr lang="da-DK" sz="1400" dirty="0">
+                <a:solidFill>
+                  <a:srgbClr val="6A8759"/>
+                </a:solidFill>
+              </a:rPr>
+              <a:t>'</a:t>
+            </a:r>
+            <a:r>
+              <a:rPr lang="da-DK" sz="1400" dirty="0" err="1">
+                <a:solidFill>
+                  <a:srgbClr val="6A8759"/>
+                </a:solidFill>
+              </a:rPr>
+              <a:t>code</a:t>
+            </a:r>
+            <a:r>
+              <a:rPr lang="da-DK" sz="1400" dirty="0">
+                <a:solidFill>
+                  <a:srgbClr val="6A8759"/>
+                </a:solidFill>
+              </a:rPr>
+              <a:t>'</a:t>
+            </a:r>
+            <a:r>
+              <a:rPr lang="da-DK" sz="1400" dirty="0"/>
+              <a:t>]</a:t>
+            </a:r>
+            <a:r>
+              <a:rPr lang="da-DK" sz="1400" dirty="0">
+                <a:solidFill>
+                  <a:srgbClr val="CC7832"/>
+                </a:solidFill>
+              </a:rPr>
+              <a:t>, </a:t>
+            </a:r>
+            <a:r>
+              <a:rPr lang="da-DK" sz="1400" dirty="0">
+                <a:solidFill>
+                  <a:srgbClr val="808080"/>
+                </a:solidFill>
+              </a:rPr>
+              <a:t># </a:t>
+            </a:r>
+            <a:r>
+              <a:rPr lang="da-DK" sz="1400" dirty="0" err="1">
+                <a:solidFill>
+                  <a:srgbClr val="808080"/>
+                </a:solidFill>
+              </a:rPr>
+              <a:t>Spatial</a:t>
+            </a:r>
+            <a:r>
+              <a:rPr lang="da-DK" sz="1400" dirty="0">
+                <a:solidFill>
+                  <a:srgbClr val="808080"/>
+                </a:solidFill>
+              </a:rPr>
+              <a:t> </a:t>
+            </a:r>
+            <a:r>
+              <a:rPr lang="da-DK" sz="1400" dirty="0" err="1">
+                <a:solidFill>
+                  <a:srgbClr val="808080"/>
+                </a:solidFill>
+              </a:rPr>
+              <a:t>coordinates</a:t>
+            </a:r>
+            <a:br>
+              <a:rPr lang="da-DK" sz="1400" dirty="0">
+                <a:solidFill>
+                  <a:srgbClr val="808080"/>
+                </a:solidFill>
+              </a:rPr>
+            </a:br>
+            <a:r>
+              <a:rPr lang="da-DK" sz="1400" dirty="0">
+                <a:solidFill>
+                  <a:srgbClr val="808080"/>
+                </a:solidFill>
+              </a:rPr>
+              <a:t>    </a:t>
+            </a:r>
+            <a:r>
+              <a:rPr lang="da-DK" sz="1400" dirty="0">
+                <a:solidFill>
+                  <a:srgbClr val="AA4926"/>
+                </a:solidFill>
+              </a:rPr>
+              <a:t>z </a:t>
+            </a:r>
+            <a:r>
+              <a:rPr lang="da-DK" sz="1400" dirty="0"/>
+              <a:t>= </a:t>
+            </a:r>
+            <a:r>
+              <a:rPr lang="da-DK" sz="1400" dirty="0" err="1"/>
+              <a:t>abs_sentiment_per_state</a:t>
+            </a:r>
+            <a:r>
+              <a:rPr lang="da-DK" sz="1400" dirty="0"/>
+              <a:t>[</a:t>
+            </a:r>
+            <a:r>
+              <a:rPr lang="da-DK" sz="1400" dirty="0">
+                <a:solidFill>
+                  <a:srgbClr val="6A8759"/>
+                </a:solidFill>
+              </a:rPr>
+              <a:t>'</a:t>
+            </a:r>
+            <a:r>
+              <a:rPr lang="da-DK" sz="1400" dirty="0" err="1">
+                <a:solidFill>
+                  <a:srgbClr val="6A8759"/>
+                </a:solidFill>
+              </a:rPr>
+              <a:t>sentiment</a:t>
+            </a:r>
+            <a:r>
+              <a:rPr lang="da-DK" sz="1400" dirty="0">
+                <a:solidFill>
+                  <a:srgbClr val="6A8759"/>
+                </a:solidFill>
+              </a:rPr>
+              <a:t>'</a:t>
+            </a:r>
+            <a:r>
+              <a:rPr lang="da-DK" sz="1400" dirty="0"/>
+              <a:t>].</a:t>
+            </a:r>
+            <a:r>
+              <a:rPr lang="da-DK" sz="1400" dirty="0" err="1"/>
+              <a:t>astype</a:t>
+            </a:r>
+            <a:r>
+              <a:rPr lang="da-DK" sz="1400" dirty="0"/>
+              <a:t>(</a:t>
+            </a:r>
+            <a:r>
+              <a:rPr lang="da-DK" sz="1400" dirty="0" err="1">
+                <a:solidFill>
+                  <a:srgbClr val="8888C6"/>
+                </a:solidFill>
+              </a:rPr>
+              <a:t>float</a:t>
+            </a:r>
+            <a:r>
+              <a:rPr lang="da-DK" sz="1400" dirty="0"/>
+              <a:t>)</a:t>
+            </a:r>
+            <a:r>
+              <a:rPr lang="da-DK" sz="1400" dirty="0">
+                <a:solidFill>
+                  <a:srgbClr val="CC7832"/>
+                </a:solidFill>
+              </a:rPr>
+              <a:t>, </a:t>
+            </a:r>
+            <a:r>
+              <a:rPr lang="da-DK" sz="1400" dirty="0">
+                <a:solidFill>
+                  <a:srgbClr val="808080"/>
+                </a:solidFill>
+              </a:rPr>
+              <a:t># Data to </a:t>
+            </a:r>
+            <a:r>
+              <a:rPr lang="da-DK" sz="1400" dirty="0" err="1">
+                <a:solidFill>
+                  <a:srgbClr val="808080"/>
+                </a:solidFill>
+              </a:rPr>
+              <a:t>be</a:t>
+            </a:r>
+            <a:r>
+              <a:rPr lang="da-DK" sz="1400" dirty="0">
+                <a:solidFill>
+                  <a:srgbClr val="808080"/>
+                </a:solidFill>
+              </a:rPr>
+              <a:t> </a:t>
+            </a:r>
+            <a:r>
+              <a:rPr lang="da-DK" sz="1400" dirty="0" err="1">
+                <a:solidFill>
+                  <a:srgbClr val="808080"/>
+                </a:solidFill>
+              </a:rPr>
+              <a:t>color-coded</a:t>
+            </a:r>
+            <a:br>
+              <a:rPr lang="da-DK" sz="1400" dirty="0">
+                <a:solidFill>
+                  <a:srgbClr val="808080"/>
+                </a:solidFill>
+              </a:rPr>
+            </a:br>
+            <a:r>
+              <a:rPr lang="da-DK" sz="1400" dirty="0">
+                <a:solidFill>
+                  <a:srgbClr val="808080"/>
+                </a:solidFill>
+              </a:rPr>
+              <a:t>    </a:t>
+            </a:r>
+            <a:r>
+              <a:rPr lang="da-DK" sz="1400" dirty="0" err="1">
+                <a:solidFill>
+                  <a:srgbClr val="AA4926"/>
+                </a:solidFill>
+              </a:rPr>
+              <a:t>locationmode</a:t>
+            </a:r>
+            <a:r>
+              <a:rPr lang="da-DK" sz="1400" dirty="0">
+                <a:solidFill>
+                  <a:srgbClr val="AA4926"/>
+                </a:solidFill>
+              </a:rPr>
+              <a:t> </a:t>
+            </a:r>
+            <a:r>
+              <a:rPr lang="da-DK" sz="1400" dirty="0"/>
+              <a:t>= </a:t>
+            </a:r>
+            <a:r>
+              <a:rPr lang="da-DK" sz="1400" dirty="0">
+                <a:solidFill>
+                  <a:srgbClr val="6A8759"/>
+                </a:solidFill>
+              </a:rPr>
+              <a:t>'USA-</a:t>
+            </a:r>
+            <a:r>
+              <a:rPr lang="da-DK" sz="1400" dirty="0" err="1">
+                <a:solidFill>
+                  <a:srgbClr val="6A8759"/>
+                </a:solidFill>
+              </a:rPr>
+              <a:t>states</a:t>
+            </a:r>
+            <a:r>
+              <a:rPr lang="da-DK" sz="1400" dirty="0">
+                <a:solidFill>
+                  <a:srgbClr val="6A8759"/>
+                </a:solidFill>
+              </a:rPr>
+              <a:t>'</a:t>
+            </a:r>
+            <a:r>
+              <a:rPr lang="da-DK" sz="1400" dirty="0">
+                <a:solidFill>
+                  <a:srgbClr val="CC7832"/>
+                </a:solidFill>
+              </a:rPr>
+              <a:t>, </a:t>
+            </a:r>
+            <a:r>
+              <a:rPr lang="da-DK" sz="1400" dirty="0">
+                <a:solidFill>
+                  <a:srgbClr val="808080"/>
+                </a:solidFill>
+              </a:rPr>
+              <a:t># set of locations match </a:t>
+            </a:r>
+            <a:r>
+              <a:rPr lang="da-DK" sz="1400" dirty="0" err="1">
+                <a:solidFill>
+                  <a:srgbClr val="808080"/>
+                </a:solidFill>
+              </a:rPr>
+              <a:t>entries</a:t>
+            </a:r>
+            <a:r>
+              <a:rPr lang="da-DK" sz="1400" dirty="0">
+                <a:solidFill>
+                  <a:srgbClr val="808080"/>
+                </a:solidFill>
+              </a:rPr>
+              <a:t> in `locations`</a:t>
+            </a:r>
+            <a:br>
+              <a:rPr lang="da-DK" sz="1400" dirty="0">
+                <a:solidFill>
+                  <a:srgbClr val="808080"/>
+                </a:solidFill>
+              </a:rPr>
+            </a:br>
+            <a:r>
+              <a:rPr lang="da-DK" sz="1400" dirty="0">
+                <a:solidFill>
+                  <a:srgbClr val="808080"/>
+                </a:solidFill>
+              </a:rPr>
+              <a:t>    </a:t>
+            </a:r>
+            <a:r>
+              <a:rPr lang="da-DK" sz="1400" dirty="0" err="1">
+                <a:solidFill>
+                  <a:srgbClr val="AA4926"/>
+                </a:solidFill>
+              </a:rPr>
+              <a:t>colorscale</a:t>
+            </a:r>
+            <a:r>
+              <a:rPr lang="da-DK" sz="1400" dirty="0">
+                <a:solidFill>
+                  <a:srgbClr val="AA4926"/>
+                </a:solidFill>
+              </a:rPr>
+              <a:t> </a:t>
+            </a:r>
+            <a:r>
+              <a:rPr lang="da-DK" sz="1400" dirty="0"/>
+              <a:t>= </a:t>
+            </a:r>
+            <a:r>
+              <a:rPr lang="da-DK" sz="1400" dirty="0">
+                <a:solidFill>
+                  <a:srgbClr val="6A8759"/>
+                </a:solidFill>
+              </a:rPr>
+              <a:t>'Reds'</a:t>
+            </a:r>
+            <a:r>
+              <a:rPr lang="da-DK" sz="1400" dirty="0">
+                <a:solidFill>
+                  <a:srgbClr val="CC7832"/>
+                </a:solidFill>
+              </a:rPr>
+              <a:t>,</a:t>
+            </a:r>
+            <a:br>
+              <a:rPr lang="da-DK" sz="1400" dirty="0">
+                <a:solidFill>
+                  <a:srgbClr val="CC7832"/>
+                </a:solidFill>
+              </a:rPr>
+            </a:br>
+            <a:r>
+              <a:rPr lang="da-DK" sz="1400" dirty="0">
+                <a:solidFill>
+                  <a:srgbClr val="CC7832"/>
+                </a:solidFill>
+              </a:rPr>
+              <a:t>    </a:t>
+            </a:r>
+            <a:r>
+              <a:rPr lang="da-DK" sz="1400" dirty="0" err="1">
+                <a:solidFill>
+                  <a:srgbClr val="AA4926"/>
+                </a:solidFill>
+              </a:rPr>
+              <a:t>colorbar_title</a:t>
+            </a:r>
+            <a:r>
+              <a:rPr lang="da-DK" sz="1400" dirty="0">
+                <a:solidFill>
+                  <a:srgbClr val="AA4926"/>
+                </a:solidFill>
+              </a:rPr>
+              <a:t> </a:t>
+            </a:r>
+            <a:r>
+              <a:rPr lang="da-DK" sz="1400" dirty="0"/>
+              <a:t>= </a:t>
+            </a:r>
+            <a:r>
+              <a:rPr lang="da-DK" sz="1400" dirty="0">
+                <a:solidFill>
+                  <a:srgbClr val="6A8759"/>
+                </a:solidFill>
+              </a:rPr>
+              <a:t>"</a:t>
+            </a:r>
+            <a:r>
+              <a:rPr lang="da-DK" sz="1400" dirty="0" err="1">
+                <a:solidFill>
+                  <a:srgbClr val="6A8759"/>
+                </a:solidFill>
+              </a:rPr>
+              <a:t>Tweets</a:t>
+            </a:r>
+            <a:r>
+              <a:rPr lang="da-DK" sz="1400" dirty="0">
+                <a:solidFill>
+                  <a:srgbClr val="6A8759"/>
+                </a:solidFill>
+              </a:rPr>
+              <a:t>"</a:t>
+            </a:r>
+            <a:r>
+              <a:rPr lang="da-DK" sz="1400" dirty="0">
+                <a:solidFill>
+                  <a:srgbClr val="CC7832"/>
+                </a:solidFill>
+              </a:rPr>
+              <a:t>,</a:t>
+            </a:r>
+            <a:br>
+              <a:rPr lang="da-DK" sz="1400" dirty="0">
+                <a:solidFill>
+                  <a:srgbClr val="CC7832"/>
+                </a:solidFill>
+              </a:rPr>
+            </a:br>
+            <a:r>
+              <a:rPr lang="da-DK" sz="1400" dirty="0"/>
+              <a:t>))</a:t>
+            </a:r>
+            <a:br>
+              <a:rPr lang="da-DK" sz="1400" dirty="0"/>
+            </a:br>
+            <a:br>
+              <a:rPr lang="da-DK" sz="1400" dirty="0"/>
+            </a:br>
+            <a:r>
+              <a:rPr lang="da-DK" sz="1400" dirty="0">
+                <a:solidFill>
+                  <a:srgbClr val="808080"/>
+                </a:solidFill>
+              </a:rPr>
+              <a:t># </a:t>
+            </a:r>
+            <a:r>
+              <a:rPr lang="da-DK" sz="1400" dirty="0" err="1">
+                <a:solidFill>
+                  <a:srgbClr val="808080"/>
+                </a:solidFill>
+              </a:rPr>
+              <a:t>Making</a:t>
+            </a:r>
+            <a:r>
+              <a:rPr lang="da-DK" sz="1400" dirty="0">
+                <a:solidFill>
+                  <a:srgbClr val="808080"/>
+                </a:solidFill>
+              </a:rPr>
+              <a:t> labels</a:t>
+            </a:r>
+            <a:br>
+              <a:rPr lang="da-DK" sz="1400" dirty="0">
+                <a:solidFill>
+                  <a:srgbClr val="808080"/>
+                </a:solidFill>
+              </a:rPr>
+            </a:br>
+            <a:r>
+              <a:rPr lang="da-DK" sz="1400" dirty="0" err="1"/>
+              <a:t>fig.update_layout</a:t>
+            </a:r>
+            <a:r>
+              <a:rPr lang="da-DK" sz="1400" dirty="0"/>
+              <a:t>(</a:t>
+            </a:r>
+            <a:br>
+              <a:rPr lang="da-DK" sz="1400" dirty="0"/>
+            </a:br>
+            <a:r>
+              <a:rPr lang="da-DK" sz="1400" dirty="0"/>
+              <a:t>    </a:t>
+            </a:r>
+            <a:r>
+              <a:rPr lang="da-DK" sz="1400" dirty="0" err="1">
+                <a:solidFill>
+                  <a:srgbClr val="AA4926"/>
+                </a:solidFill>
+              </a:rPr>
+              <a:t>title_text</a:t>
+            </a:r>
+            <a:r>
+              <a:rPr lang="da-DK" sz="1400" dirty="0">
+                <a:solidFill>
+                  <a:srgbClr val="AA4926"/>
+                </a:solidFill>
+              </a:rPr>
+              <a:t> </a:t>
+            </a:r>
+            <a:r>
+              <a:rPr lang="da-DK" sz="1400" dirty="0"/>
+              <a:t>= </a:t>
+            </a:r>
+            <a:r>
+              <a:rPr lang="da-DK" sz="1400" dirty="0">
+                <a:solidFill>
+                  <a:srgbClr val="6A8759"/>
+                </a:solidFill>
+              </a:rPr>
+              <a:t>'2020 US </a:t>
+            </a:r>
+            <a:r>
+              <a:rPr lang="da-DK" sz="1400" dirty="0" err="1">
+                <a:solidFill>
+                  <a:srgbClr val="6A8759"/>
+                </a:solidFill>
+              </a:rPr>
+              <a:t>Election</a:t>
+            </a:r>
+            <a:r>
+              <a:rPr lang="da-DK" sz="1400" dirty="0">
+                <a:solidFill>
+                  <a:srgbClr val="6A8759"/>
+                </a:solidFill>
+              </a:rPr>
+              <a:t> Negative </a:t>
+            </a:r>
+            <a:r>
+              <a:rPr lang="da-DK" sz="1400" dirty="0" err="1">
+                <a:solidFill>
+                  <a:srgbClr val="6A8759"/>
+                </a:solidFill>
+              </a:rPr>
+              <a:t>Sentiment</a:t>
+            </a:r>
+            <a:r>
+              <a:rPr lang="da-DK" sz="1400" dirty="0">
+                <a:solidFill>
+                  <a:srgbClr val="6A8759"/>
+                </a:solidFill>
+              </a:rPr>
+              <a:t> per State'</a:t>
+            </a:r>
+            <a:r>
+              <a:rPr lang="da-DK" sz="1400" dirty="0">
+                <a:solidFill>
+                  <a:srgbClr val="CC7832"/>
+                </a:solidFill>
+              </a:rPr>
+              <a:t>,</a:t>
+            </a:r>
+            <a:br>
+              <a:rPr lang="da-DK" sz="1400" dirty="0">
+                <a:solidFill>
+                  <a:srgbClr val="CC7832"/>
+                </a:solidFill>
+              </a:rPr>
+            </a:br>
+            <a:r>
+              <a:rPr lang="da-DK" sz="1400" dirty="0">
+                <a:solidFill>
+                  <a:srgbClr val="CC7832"/>
+                </a:solidFill>
+              </a:rPr>
+              <a:t>    </a:t>
+            </a:r>
+            <a:r>
+              <a:rPr lang="da-DK" sz="1400" dirty="0" err="1">
+                <a:solidFill>
+                  <a:srgbClr val="AA4926"/>
+                </a:solidFill>
+              </a:rPr>
+              <a:t>geo_scope</a:t>
+            </a:r>
+            <a:r>
+              <a:rPr lang="da-DK" sz="1400" dirty="0"/>
+              <a:t>=</a:t>
+            </a:r>
+            <a:r>
+              <a:rPr lang="da-DK" sz="1400" dirty="0">
+                <a:solidFill>
+                  <a:srgbClr val="6A8759"/>
+                </a:solidFill>
+              </a:rPr>
+              <a:t>'</a:t>
+            </a:r>
+            <a:r>
+              <a:rPr lang="da-DK" sz="1400" dirty="0" err="1">
+                <a:solidFill>
+                  <a:srgbClr val="6A8759"/>
+                </a:solidFill>
+              </a:rPr>
+              <a:t>usa</a:t>
+            </a:r>
+            <a:r>
+              <a:rPr lang="da-DK" sz="1400" dirty="0">
+                <a:solidFill>
+                  <a:srgbClr val="6A8759"/>
+                </a:solidFill>
+              </a:rPr>
+              <a:t>'</a:t>
+            </a:r>
+            <a:r>
+              <a:rPr lang="da-DK" sz="1400" dirty="0">
+                <a:solidFill>
+                  <a:srgbClr val="CC7832"/>
+                </a:solidFill>
+              </a:rPr>
+              <a:t>, </a:t>
+            </a:r>
+            <a:r>
+              <a:rPr lang="da-DK" sz="1400" dirty="0">
+                <a:solidFill>
+                  <a:srgbClr val="808080"/>
+                </a:solidFill>
+              </a:rPr>
+              <a:t># </a:t>
+            </a:r>
+            <a:r>
+              <a:rPr lang="da-DK" sz="1400" dirty="0" err="1">
+                <a:solidFill>
+                  <a:srgbClr val="808080"/>
+                </a:solidFill>
+              </a:rPr>
+              <a:t>limite</a:t>
+            </a:r>
+            <a:r>
+              <a:rPr lang="da-DK" sz="1400" dirty="0">
+                <a:solidFill>
+                  <a:srgbClr val="808080"/>
+                </a:solidFill>
+              </a:rPr>
+              <a:t> </a:t>
+            </a:r>
+            <a:r>
+              <a:rPr lang="da-DK" sz="1400" dirty="0" err="1">
+                <a:solidFill>
+                  <a:srgbClr val="808080"/>
+                </a:solidFill>
+              </a:rPr>
+              <a:t>map</a:t>
+            </a:r>
+            <a:r>
+              <a:rPr lang="da-DK" sz="1400" dirty="0">
+                <a:solidFill>
+                  <a:srgbClr val="808080"/>
+                </a:solidFill>
+              </a:rPr>
+              <a:t> </a:t>
+            </a:r>
+            <a:r>
+              <a:rPr lang="da-DK" sz="1400" dirty="0" err="1">
+                <a:solidFill>
+                  <a:srgbClr val="808080"/>
+                </a:solidFill>
+              </a:rPr>
+              <a:t>scope</a:t>
+            </a:r>
+            <a:r>
+              <a:rPr lang="da-DK" sz="1400" dirty="0">
+                <a:solidFill>
+                  <a:srgbClr val="808080"/>
+                </a:solidFill>
+              </a:rPr>
+              <a:t> to USA</a:t>
+            </a:r>
+            <a:br>
+              <a:rPr lang="da-DK" sz="1400" dirty="0">
+                <a:solidFill>
+                  <a:srgbClr val="808080"/>
+                </a:solidFill>
+              </a:rPr>
+            </a:br>
+            <a:r>
+              <a:rPr lang="da-DK" sz="1400" dirty="0"/>
+              <a:t>)</a:t>
+            </a:r>
+            <a:br>
+              <a:rPr lang="da-DK" sz="1400" dirty="0"/>
+            </a:br>
+            <a:br>
+              <a:rPr lang="da-DK" sz="1400" dirty="0"/>
+            </a:br>
+            <a:r>
+              <a:rPr lang="da-DK" sz="1400" dirty="0" err="1"/>
+              <a:t>fig.show</a:t>
+            </a:r>
+            <a:r>
+              <a:rPr lang="da-DK" sz="1400" dirty="0"/>
+              <a:t>()</a:t>
+            </a:r>
           </a:p>
         </p:txBody>
       </p:sp>
@@ -6110,465 +12176,6 @@
   </p:cSld>
   <p:clrMapOvr>
     <a:overrideClrMapping bg1="lt1" tx1="dk1" bg2="lt2" tx2="dk2" accent1="accent1" accent2="accent2" accent3="accent3" accent4="accent4" accent5="accent5" accent6="accent6" hlink="hlink" folHlink="folHlink"/>
-  </p:clrMapOvr>
-</p:sld>
-</file>
-
-<file path=ppt/slides/slide8.xml><?xml version="1.0" encoding="utf-8"?>
-<p:sld xmlns:a="http://schemas.openxmlformats.org/drawingml/2006/main" xmlns:r="http://schemas.openxmlformats.org/officeDocument/2006/relationships" xmlns:p="http://schemas.openxmlformats.org/presentationml/2006/main">
-  <p:cSld>
-    <p:bg>
-      <p:bgPr>
-        <a:solidFill>
-          <a:schemeClr val="bg1"/>
-        </a:solidFill>
-        <a:effectLst/>
-      </p:bgPr>
-    </p:bg>
-    <p:spTree>
-      <p:nvGrpSpPr>
-        <p:cNvPr id="1" name=""/>
-        <p:cNvGrpSpPr/>
-        <p:nvPr/>
-      </p:nvGrpSpPr>
-      <p:grpSpPr>
-        <a:xfrm>
-          <a:off x="0" y="0"/>
-          <a:ext cx="0" cy="0"/>
-          <a:chOff x="0" y="0"/>
-          <a:chExt cx="0" cy="0"/>
-        </a:xfrm>
-      </p:grpSpPr>
-      <p:sp useBgFill="1">
-        <p:nvSpPr>
-          <p:cNvPr id="14" name="Rectangle 13">
-            <a:extLst>
-              <a:ext uri="{FF2B5EF4-FFF2-40B4-BE49-F238E27FC236}">
-                <a16:creationId xmlns:a16="http://schemas.microsoft.com/office/drawing/2014/main" id="{419501C6-F015-4273-AF88-E0F6C853899F}"/>
-              </a:ext>
-              <a:ext uri="{C183D7F6-B498-43B3-948B-1728B52AA6E4}">
-                <adec:decorative xmlns:adec="http://schemas.microsoft.com/office/drawing/2017/decorative" val="1"/>
-              </a:ext>
-            </a:extLst>
-          </p:cNvPr>
-          <p:cNvSpPr>
-            <a:spLocks noGrp="1" noRot="1" noChangeAspect="1" noMove="1" noResize="1" noEditPoints="1" noAdjustHandles="1" noChangeArrowheads="1" noChangeShapeType="1" noTextEdit="1"/>
-          </p:cNvSpPr>
-          <p:nvPr>
-            <p:extLst>
-              <p:ext uri="{386F3935-93C4-4BCD-93E2-E3B085C9AB24}">
-                <p16:designElem xmlns:p16="http://schemas.microsoft.com/office/powerpoint/2015/main" val="1"/>
-              </p:ext>
-            </p:extLst>
-          </p:nvPr>
-        </p:nvSpPr>
-        <p:spPr>
-          <a:xfrm>
-            <a:off x="0" y="0"/>
-            <a:ext cx="12191999" cy="6858000"/>
-          </a:xfrm>
-          <a:prstGeom prst="rect">
-            <a:avLst/>
-          </a:prstGeom>
-          <a:ln>
-            <a:noFill/>
-          </a:ln>
-        </p:spPr>
-        <p:style>
-          <a:lnRef idx="2">
-            <a:schemeClr val="accent1">
-              <a:shade val="50000"/>
-            </a:schemeClr>
-          </a:lnRef>
-          <a:fillRef idx="1">
-            <a:schemeClr val="accent1"/>
-          </a:fillRef>
-          <a:effectRef idx="0">
-            <a:schemeClr val="accent1"/>
-          </a:effectRef>
-          <a:fontRef idx="minor">
-            <a:schemeClr val="lt1"/>
-          </a:fontRef>
-        </p:style>
-        <p:txBody>
-          <a:bodyPr rtlCol="0" anchor="ctr"/>
-          <a:lstStyle/>
-          <a:p>
-            <a:pPr algn="ctr"/>
-            <a:endParaRPr lang="en-US"/>
-          </a:p>
-        </p:txBody>
-      </p:sp>
-      <p:sp>
-        <p:nvSpPr>
-          <p:cNvPr id="16" name="Rectangle 15">
-            <a:extLst>
-              <a:ext uri="{FF2B5EF4-FFF2-40B4-BE49-F238E27FC236}">
-                <a16:creationId xmlns:a16="http://schemas.microsoft.com/office/drawing/2014/main" id="{CA677DB7-5829-45BD-9754-5EC484CC4253}"/>
-              </a:ext>
-              <a:ext uri="{C183D7F6-B498-43B3-948B-1728B52AA6E4}">
-                <adec:decorative xmlns:adec="http://schemas.microsoft.com/office/drawing/2017/decorative" val="1"/>
-              </a:ext>
-            </a:extLst>
-          </p:cNvPr>
-          <p:cNvSpPr>
-            <a:spLocks noGrp="1" noRot="1" noChangeAspect="1" noMove="1" noResize="1" noEditPoints="1" noAdjustHandles="1" noChangeArrowheads="1" noChangeShapeType="1" noTextEdit="1"/>
-          </p:cNvSpPr>
-          <p:nvPr>
-            <p:extLst>
-              <p:ext uri="{386F3935-93C4-4BCD-93E2-E3B085C9AB24}">
-                <p16:designElem xmlns:p16="http://schemas.microsoft.com/office/powerpoint/2015/main" val="1"/>
-              </p:ext>
-            </p:extLst>
-          </p:nvPr>
-        </p:nvSpPr>
-        <p:spPr>
-          <a:xfrm>
-            <a:off x="1" y="1"/>
-            <a:ext cx="4654296" cy="6858000"/>
-          </a:xfrm>
-          <a:prstGeom prst="rect">
-            <a:avLst/>
-          </a:prstGeom>
-          <a:solidFill>
-            <a:schemeClr val="accent2"/>
-          </a:solidFill>
-          <a:ln>
-            <a:noFill/>
-          </a:ln>
-        </p:spPr>
-        <p:style>
-          <a:lnRef idx="2">
-            <a:schemeClr val="accent1">
-              <a:shade val="50000"/>
-            </a:schemeClr>
-          </a:lnRef>
-          <a:fillRef idx="1">
-            <a:schemeClr val="accent1"/>
-          </a:fillRef>
-          <a:effectRef idx="0">
-            <a:schemeClr val="accent1"/>
-          </a:effectRef>
-          <a:fontRef idx="minor">
-            <a:schemeClr val="lt1"/>
-          </a:fontRef>
-        </p:style>
-        <p:txBody>
-          <a:bodyPr rtlCol="0" anchor="ctr"/>
-          <a:lstStyle/>
-          <a:p>
-            <a:pPr algn="ctr"/>
-            <a:endParaRPr lang="en-US"/>
-          </a:p>
-        </p:txBody>
-      </p:sp>
-      <p:sp>
-        <p:nvSpPr>
-          <p:cNvPr id="2" name="Titel 1">
-            <a:extLst>
-              <a:ext uri="{FF2B5EF4-FFF2-40B4-BE49-F238E27FC236}">
-                <a16:creationId xmlns:a16="http://schemas.microsoft.com/office/drawing/2014/main" id="{7B1B2593-3BBD-F74E-867C-22AA88797FFC}"/>
-              </a:ext>
-            </a:extLst>
-          </p:cNvPr>
-          <p:cNvSpPr>
-            <a:spLocks noGrp="1"/>
-          </p:cNvSpPr>
-          <p:nvPr>
-            <p:ph type="title"/>
-          </p:nvPr>
-        </p:nvSpPr>
-        <p:spPr>
-          <a:xfrm>
-            <a:off x="804672" y="2404872"/>
-            <a:ext cx="3044950" cy="1627792"/>
-          </a:xfrm>
-        </p:spPr>
-        <p:txBody>
-          <a:bodyPr vert="horz" lIns="274320" tIns="182880" rIns="274320" bIns="182880" rtlCol="0" anchor="ctr" anchorCtr="1">
-            <a:normAutofit/>
-          </a:bodyPr>
-          <a:lstStyle/>
-          <a:p>
-            <a:r>
-              <a:rPr lang="en-US"/>
-              <a:t>Daily tweeting</a:t>
-            </a:r>
-          </a:p>
-        </p:txBody>
-      </p:sp>
-      <p:pic>
-        <p:nvPicPr>
-          <p:cNvPr id="9" name="Billede 8">
-            <a:extLst>
-              <a:ext uri="{FF2B5EF4-FFF2-40B4-BE49-F238E27FC236}">
-                <a16:creationId xmlns:a16="http://schemas.microsoft.com/office/drawing/2014/main" id="{69716B9C-74C8-6149-8BDC-CCDCFD2F7D6C}"/>
-              </a:ext>
-            </a:extLst>
-          </p:cNvPr>
-          <p:cNvPicPr>
-            <a:picLocks noChangeAspect="1"/>
-          </p:cNvPicPr>
-          <p:nvPr/>
-        </p:nvPicPr>
-        <p:blipFill>
-          <a:blip r:embed="rId2"/>
-          <a:stretch>
-            <a:fillRect/>
-          </a:stretch>
-        </p:blipFill>
-        <p:spPr>
-          <a:xfrm>
-            <a:off x="5294376" y="925068"/>
-            <a:ext cx="6257544" cy="4693157"/>
-          </a:xfrm>
-          <a:prstGeom prst="rect">
-            <a:avLst/>
-          </a:prstGeom>
-        </p:spPr>
-      </p:pic>
-    </p:spTree>
-    <p:extLst>
-      <p:ext uri="{BB962C8B-B14F-4D97-AF65-F5344CB8AC3E}">
-        <p14:creationId xmlns:p14="http://schemas.microsoft.com/office/powerpoint/2010/main" val="3554311493"/>
-      </p:ext>
-    </p:extLst>
-  </p:cSld>
-  <p:clrMapOvr>
-    <a:masterClrMapping/>
-  </p:clrMapOvr>
-</p:sld>
-</file>
-
-<file path=ppt/slides/slide9.xml><?xml version="1.0" encoding="utf-8"?>
-<p:sld xmlns:a="http://schemas.openxmlformats.org/drawingml/2006/main" xmlns:r="http://schemas.openxmlformats.org/officeDocument/2006/relationships" xmlns:p="http://schemas.openxmlformats.org/presentationml/2006/main">
-  <p:cSld>
-    <p:bg>
-      <p:bgPr>
-        <a:solidFill>
-          <a:schemeClr val="bg1"/>
-        </a:solidFill>
-        <a:effectLst/>
-      </p:bgPr>
-    </p:bg>
-    <p:spTree>
-      <p:nvGrpSpPr>
-        <p:cNvPr id="1" name=""/>
-        <p:cNvGrpSpPr/>
-        <p:nvPr/>
-      </p:nvGrpSpPr>
-      <p:grpSpPr>
-        <a:xfrm>
-          <a:off x="0" y="0"/>
-          <a:ext cx="0" cy="0"/>
-          <a:chOff x="0" y="0"/>
-          <a:chExt cx="0" cy="0"/>
-        </a:xfrm>
-      </p:grpSpPr>
-      <p:sp useBgFill="1">
-        <p:nvSpPr>
-          <p:cNvPr id="10" name="Rectangle 9">
-            <a:extLst>
-              <a:ext uri="{FF2B5EF4-FFF2-40B4-BE49-F238E27FC236}">
-                <a16:creationId xmlns:a16="http://schemas.microsoft.com/office/drawing/2014/main" id="{419501C6-F015-4273-AF88-E0F6C853899F}"/>
-              </a:ext>
-              <a:ext uri="{C183D7F6-B498-43B3-948B-1728B52AA6E4}">
-                <adec:decorative xmlns:adec="http://schemas.microsoft.com/office/drawing/2017/decorative" val="1"/>
-              </a:ext>
-            </a:extLst>
-          </p:cNvPr>
-          <p:cNvSpPr>
-            <a:spLocks noGrp="1" noRot="1" noChangeAspect="1" noMove="1" noResize="1" noEditPoints="1" noAdjustHandles="1" noChangeArrowheads="1" noChangeShapeType="1" noTextEdit="1"/>
-          </p:cNvSpPr>
-          <p:nvPr>
-            <p:extLst>
-              <p:ext uri="{386F3935-93C4-4BCD-93E2-E3B085C9AB24}">
-                <p16:designElem xmlns:p16="http://schemas.microsoft.com/office/powerpoint/2015/main" val="1"/>
-              </p:ext>
-            </p:extLst>
-          </p:nvPr>
-        </p:nvSpPr>
-        <p:spPr>
-          <a:xfrm>
-            <a:off x="0" y="0"/>
-            <a:ext cx="12191999" cy="6858000"/>
-          </a:xfrm>
-          <a:prstGeom prst="rect">
-            <a:avLst/>
-          </a:prstGeom>
-          <a:ln>
-            <a:noFill/>
-          </a:ln>
-        </p:spPr>
-        <p:style>
-          <a:lnRef idx="2">
-            <a:schemeClr val="accent1">
-              <a:shade val="50000"/>
-            </a:schemeClr>
-          </a:lnRef>
-          <a:fillRef idx="1">
-            <a:schemeClr val="accent1"/>
-          </a:fillRef>
-          <a:effectRef idx="0">
-            <a:schemeClr val="accent1"/>
-          </a:effectRef>
-          <a:fontRef idx="minor">
-            <a:schemeClr val="lt1"/>
-          </a:fontRef>
-        </p:style>
-        <p:txBody>
-          <a:bodyPr rtlCol="0" anchor="ctr"/>
-          <a:lstStyle/>
-          <a:p>
-            <a:pPr algn="ctr"/>
-            <a:endParaRPr lang="en-US"/>
-          </a:p>
-        </p:txBody>
-      </p:sp>
-      <p:sp>
-        <p:nvSpPr>
-          <p:cNvPr id="12" name="Rectangle 11">
-            <a:extLst>
-              <a:ext uri="{FF2B5EF4-FFF2-40B4-BE49-F238E27FC236}">
-                <a16:creationId xmlns:a16="http://schemas.microsoft.com/office/drawing/2014/main" id="{CA677DB7-5829-45BD-9754-5EC484CC4253}"/>
-              </a:ext>
-              <a:ext uri="{C183D7F6-B498-43B3-948B-1728B52AA6E4}">
-                <adec:decorative xmlns:adec="http://schemas.microsoft.com/office/drawing/2017/decorative" val="1"/>
-              </a:ext>
-            </a:extLst>
-          </p:cNvPr>
-          <p:cNvSpPr>
-            <a:spLocks noGrp="1" noRot="1" noChangeAspect="1" noMove="1" noResize="1" noEditPoints="1" noAdjustHandles="1" noChangeArrowheads="1" noChangeShapeType="1" noTextEdit="1"/>
-          </p:cNvSpPr>
-          <p:nvPr>
-            <p:extLst>
-              <p:ext uri="{386F3935-93C4-4BCD-93E2-E3B085C9AB24}">
-                <p16:designElem xmlns:p16="http://schemas.microsoft.com/office/powerpoint/2015/main" val="1"/>
-              </p:ext>
-            </p:extLst>
-          </p:nvPr>
-        </p:nvSpPr>
-        <p:spPr>
-          <a:xfrm>
-            <a:off x="1" y="1"/>
-            <a:ext cx="4654296" cy="6858000"/>
-          </a:xfrm>
-          <a:prstGeom prst="rect">
-            <a:avLst/>
-          </a:prstGeom>
-          <a:solidFill>
-            <a:schemeClr val="accent2"/>
-          </a:solidFill>
-          <a:ln>
-            <a:noFill/>
-          </a:ln>
-        </p:spPr>
-        <p:style>
-          <a:lnRef idx="2">
-            <a:schemeClr val="accent1">
-              <a:shade val="50000"/>
-            </a:schemeClr>
-          </a:lnRef>
-          <a:fillRef idx="1">
-            <a:schemeClr val="accent1"/>
-          </a:fillRef>
-          <a:effectRef idx="0">
-            <a:schemeClr val="accent1"/>
-          </a:effectRef>
-          <a:fontRef idx="minor">
-            <a:schemeClr val="lt1"/>
-          </a:fontRef>
-        </p:style>
-        <p:txBody>
-          <a:bodyPr rtlCol="0" anchor="ctr"/>
-          <a:lstStyle/>
-          <a:p>
-            <a:pPr algn="ctr"/>
-            <a:endParaRPr lang="en-US"/>
-          </a:p>
-        </p:txBody>
-      </p:sp>
-      <p:sp>
-        <p:nvSpPr>
-          <p:cNvPr id="2" name="Titel 1">
-            <a:extLst>
-              <a:ext uri="{FF2B5EF4-FFF2-40B4-BE49-F238E27FC236}">
-                <a16:creationId xmlns:a16="http://schemas.microsoft.com/office/drawing/2014/main" id="{6BA9A53A-0FF3-1645-B818-040738B1C462}"/>
-              </a:ext>
-            </a:extLst>
-          </p:cNvPr>
-          <p:cNvSpPr>
-            <a:spLocks noGrp="1"/>
-          </p:cNvSpPr>
-          <p:nvPr>
-            <p:ph type="title"/>
-          </p:nvPr>
-        </p:nvSpPr>
-        <p:spPr>
-          <a:xfrm>
-            <a:off x="804672" y="2404872"/>
-            <a:ext cx="3044950" cy="1627792"/>
-          </a:xfrm>
-        </p:spPr>
-        <p:txBody>
-          <a:bodyPr vert="horz" lIns="274320" tIns="182880" rIns="274320" bIns="182880" rtlCol="0" anchor="ctr" anchorCtr="1">
-            <a:normAutofit/>
-          </a:bodyPr>
-          <a:lstStyle/>
-          <a:p>
-            <a:r>
-              <a:rPr lang="en-US" sz="2200"/>
-              <a:t>SENTIMENT CHANGE </a:t>
-            </a:r>
-            <a:br>
-              <a:rPr lang="en-US" sz="2200"/>
-            </a:br>
-            <a:r>
-              <a:rPr lang="en-US" sz="2200"/>
-              <a:t>AS ELECTION APPROACHES</a:t>
-            </a:r>
-          </a:p>
-        </p:txBody>
-      </p:sp>
-      <p:pic>
-        <p:nvPicPr>
-          <p:cNvPr id="5" name="Billede 4">
-            <a:extLst>
-              <a:ext uri="{FF2B5EF4-FFF2-40B4-BE49-F238E27FC236}">
-                <a16:creationId xmlns:a16="http://schemas.microsoft.com/office/drawing/2014/main" id="{58A1E10E-9DBF-EB4D-9C3E-A82ECDC708D2}"/>
-              </a:ext>
-            </a:extLst>
-          </p:cNvPr>
-          <p:cNvPicPr>
-            <a:picLocks noChangeAspect="1"/>
-          </p:cNvPicPr>
-          <p:nvPr/>
-        </p:nvPicPr>
-        <p:blipFill>
-          <a:blip r:embed="rId2"/>
-          <a:stretch>
-            <a:fillRect/>
-          </a:stretch>
-        </p:blipFill>
-        <p:spPr>
-          <a:xfrm>
-            <a:off x="5294376" y="925068"/>
-            <a:ext cx="6257544" cy="4693157"/>
-          </a:xfrm>
-          <a:prstGeom prst="rect">
-            <a:avLst/>
-          </a:prstGeom>
-        </p:spPr>
-      </p:pic>
-    </p:spTree>
-    <p:extLst>
-      <p:ext uri="{BB962C8B-B14F-4D97-AF65-F5344CB8AC3E}">
-        <p14:creationId xmlns:p14="http://schemas.microsoft.com/office/powerpoint/2010/main" val="73660710"/>
-      </p:ext>
-    </p:extLst>
-  </p:cSld>
-  <p:clrMapOvr>
-    <a:masterClrMapping/>
   </p:clrMapOvr>
 </p:sld>
 </file>

--- a/P3_Presentation.pptx
+++ b/P3_Presentation.pptx
@@ -116,6 +116,11 @@
       </a:defRPr>
     </a:lvl9pPr>
   </p:defaultTextStyle>
+  <p:extLst>
+    <p:ext uri="{EFAFB233-063F-42B5-8137-9DF3F51BA10A}">
+      <p15:sldGuideLst xmlns:p15="http://schemas.microsoft.com/office/powerpoint/2012/main"/>
+    </p:ext>
+  </p:extLst>
 </p:presentation>
 </file>
 
@@ -282,7 +287,7 @@
           <a:p>
             <a:fld id="{029A64B9-1D64-E342-8E7E-6260BCB99EA3}" type="datetimeFigureOut">
               <a:rPr lang="da-DK" smtClean="0"/>
-              <a:t>06/12/2020</a:t>
+              <a:t>07/12/2020</a:t>
             </a:fld>
             <a:endParaRPr lang="da-DK"/>
           </a:p>
@@ -452,7 +457,7 @@
           <a:p>
             <a:fld id="{029A64B9-1D64-E342-8E7E-6260BCB99EA3}" type="datetimeFigureOut">
               <a:rPr lang="da-DK" smtClean="0"/>
-              <a:t>06/12/2020</a:t>
+              <a:t>07/12/2020</a:t>
             </a:fld>
             <a:endParaRPr lang="da-DK"/>
           </a:p>
@@ -632,7 +637,7 @@
           <a:p>
             <a:fld id="{029A64B9-1D64-E342-8E7E-6260BCB99EA3}" type="datetimeFigureOut">
               <a:rPr lang="da-DK" smtClean="0"/>
-              <a:t>06/12/2020</a:t>
+              <a:t>07/12/2020</a:t>
             </a:fld>
             <a:endParaRPr lang="da-DK"/>
           </a:p>
@@ -802,7 +807,7 @@
           <a:p>
             <a:fld id="{029A64B9-1D64-E342-8E7E-6260BCB99EA3}" type="datetimeFigureOut">
               <a:rPr lang="da-DK" smtClean="0"/>
-              <a:t>06/12/2020</a:t>
+              <a:t>07/12/2020</a:t>
             </a:fld>
             <a:endParaRPr lang="da-DK"/>
           </a:p>
@@ -1070,7 +1075,7 @@
           <a:p>
             <a:fld id="{029A64B9-1D64-E342-8E7E-6260BCB99EA3}" type="datetimeFigureOut">
               <a:rPr lang="da-DK" smtClean="0"/>
-              <a:t>06/12/2020</a:t>
+              <a:t>07/12/2020</a:t>
             </a:fld>
             <a:endParaRPr lang="da-DK"/>
           </a:p>
@@ -1302,7 +1307,7 @@
           <a:p>
             <a:fld id="{029A64B9-1D64-E342-8E7E-6260BCB99EA3}" type="datetimeFigureOut">
               <a:rPr lang="da-DK" smtClean="0"/>
-              <a:t>06/12/2020</a:t>
+              <a:t>07/12/2020</a:t>
             </a:fld>
             <a:endParaRPr lang="da-DK"/>
           </a:p>
@@ -1661,7 +1666,7 @@
           <a:p>
             <a:fld id="{029A64B9-1D64-E342-8E7E-6260BCB99EA3}" type="datetimeFigureOut">
               <a:rPr lang="da-DK" smtClean="0"/>
-              <a:t>06/12/2020</a:t>
+              <a:t>07/12/2020</a:t>
             </a:fld>
             <a:endParaRPr lang="da-DK"/>
           </a:p>
@@ -1802,7 +1807,7 @@
           <a:p>
             <a:fld id="{029A64B9-1D64-E342-8E7E-6260BCB99EA3}" type="datetimeFigureOut">
               <a:rPr lang="da-DK" smtClean="0"/>
-              <a:t>06/12/2020</a:t>
+              <a:t>07/12/2020</a:t>
             </a:fld>
             <a:endParaRPr lang="da-DK"/>
           </a:p>
@@ -1897,7 +1902,7 @@
           <a:p>
             <a:fld id="{029A64B9-1D64-E342-8E7E-6260BCB99EA3}" type="datetimeFigureOut">
               <a:rPr lang="da-DK" smtClean="0"/>
-              <a:t>06/12/2020</a:t>
+              <a:t>07/12/2020</a:t>
             </a:fld>
             <a:endParaRPr lang="da-DK"/>
           </a:p>
@@ -2254,7 +2259,7 @@
           <a:p>
             <a:fld id="{029A64B9-1D64-E342-8E7E-6260BCB99EA3}" type="datetimeFigureOut">
               <a:rPr lang="da-DK" smtClean="0"/>
-              <a:t>06/12/2020</a:t>
+              <a:t>07/12/2020</a:t>
             </a:fld>
             <a:endParaRPr lang="da-DK"/>
           </a:p>
@@ -2611,7 +2616,7 @@
           <a:p>
             <a:fld id="{029A64B9-1D64-E342-8E7E-6260BCB99EA3}" type="datetimeFigureOut">
               <a:rPr lang="da-DK" smtClean="0"/>
-              <a:t>06/12/2020</a:t>
+              <a:t>07/12/2020</a:t>
             </a:fld>
             <a:endParaRPr lang="da-DK"/>
           </a:p>
@@ -2853,7 +2858,7 @@
           <a:p>
             <a:fld id="{029A64B9-1D64-E342-8E7E-6260BCB99EA3}" type="datetimeFigureOut">
               <a:rPr lang="da-DK" smtClean="0"/>
-              <a:t>06/12/2020</a:t>
+              <a:t>07/12/2020</a:t>
             </a:fld>
             <a:endParaRPr lang="da-DK"/>
           </a:p>
@@ -4428,8 +4433,8 @@
         </p:nvSpPr>
         <p:spPr>
           <a:xfrm>
-            <a:off x="82871" y="2778330"/>
-            <a:ext cx="4485166" cy="3693319"/>
+            <a:off x="82871" y="2598819"/>
+            <a:ext cx="4485166" cy="3785652"/>
           </a:xfrm>
           <a:prstGeom prst="rect">
             <a:avLst/>
@@ -4447,458 +4452,309 @@
           <a:lstStyle/>
           <a:p>
             <a:r>
-              <a:rPr lang="da-DK" dirty="0">
-                <a:solidFill>
-                  <a:schemeClr val="bg1">
-                    <a:lumMod val="65000"/>
-                  </a:schemeClr>
-                </a:solidFill>
-              </a:rPr>
+              <a:rPr lang="da-DK" sz="1600" dirty="0"/>
               <a:t># </a:t>
             </a:r>
             <a:r>
-              <a:rPr lang="da-DK" dirty="0" err="1">
-                <a:solidFill>
-                  <a:schemeClr val="bg1">
-                    <a:lumMod val="65000"/>
-                  </a:schemeClr>
-                </a:solidFill>
-              </a:rPr>
-              <a:t>Grouping</a:t>
-            </a:r>
-            <a:r>
-              <a:rPr lang="da-DK" dirty="0">
-                <a:solidFill>
-                  <a:schemeClr val="bg1">
-                    <a:lumMod val="65000"/>
-                  </a:schemeClr>
-                </a:solidFill>
-              </a:rPr>
-              <a:t> by </a:t>
-            </a:r>
-            <a:r>
-              <a:rPr lang="da-DK" dirty="0" err="1">
-                <a:solidFill>
-                  <a:schemeClr val="bg1">
-                    <a:lumMod val="65000"/>
-                  </a:schemeClr>
-                </a:solidFill>
-              </a:rPr>
-              <a:t>day</a:t>
-            </a:r>
-            <a:r>
-              <a:rPr lang="da-DK" dirty="0">
-                <a:solidFill>
-                  <a:schemeClr val="bg1">
-                    <a:lumMod val="65000"/>
-                  </a:schemeClr>
-                </a:solidFill>
-              </a:rPr>
+              <a:rPr lang="da-DK" sz="1600" dirty="0" err="1"/>
+              <a:t>filtering</a:t>
+            </a:r>
+            <a:r>
+              <a:rPr lang="da-DK" sz="1600" dirty="0"/>
               <a:t> </a:t>
             </a:r>
             <a:r>
-              <a:rPr lang="da-DK" dirty="0" err="1">
-                <a:solidFill>
-                  <a:schemeClr val="bg1">
-                    <a:lumMod val="65000"/>
-                  </a:schemeClr>
-                </a:solidFill>
-              </a:rPr>
-              <a:t>tweeted</a:t>
-            </a:r>
-            <a:endParaRPr lang="da-DK" dirty="0">
-              <a:solidFill>
-                <a:schemeClr val="bg1">
-                  <a:lumMod val="65000"/>
-                </a:schemeClr>
-              </a:solidFill>
-            </a:endParaRPr>
-          </a:p>
-          <a:p>
-            <a:r>
-              <a:rPr lang="da-DK" dirty="0" err="1"/>
-              <a:t>daily_tweeting</a:t>
-            </a:r>
-            <a:r>
-              <a:rPr lang="da-DK" dirty="0"/>
+              <a:rPr lang="da-DK" sz="1600" dirty="0" err="1"/>
+              <a:t>tweets</a:t>
+            </a:r>
+            <a:r>
+              <a:rPr lang="da-DK" sz="1600" dirty="0"/>
+              <a:t> </a:t>
+            </a:r>
+            <a:r>
+              <a:rPr lang="da-DK" sz="1600" dirty="0" err="1"/>
+              <a:t>created</a:t>
+            </a:r>
+            <a:r>
+              <a:rPr lang="da-DK" sz="1600" dirty="0"/>
+              <a:t> by new </a:t>
+            </a:r>
+            <a:r>
+              <a:rPr lang="da-DK" sz="1600" dirty="0" err="1"/>
+              <a:t>accounts</a:t>
+            </a:r>
+            <a:br>
+              <a:rPr lang="da-DK" sz="1600" dirty="0"/>
+            </a:br>
+            <a:r>
+              <a:rPr lang="da-DK" sz="1600" dirty="0" err="1"/>
+              <a:t>new_users</a:t>
+            </a:r>
+            <a:r>
+              <a:rPr lang="da-DK" sz="1600" dirty="0"/>
               <a:t> = </a:t>
             </a:r>
-            <a:r>
-              <a:rPr lang="da-DK" dirty="0" err="1"/>
-              <a:t>df.groupby</a:t>
-            </a:r>
-            <a:r>
-              <a:rPr lang="da-DK" dirty="0"/>
-              <a:t>([</a:t>
-            </a:r>
-            <a:r>
-              <a:rPr lang="da-DK" dirty="0">
-                <a:solidFill>
-                  <a:srgbClr val="6A8759"/>
-                </a:solidFill>
-              </a:rPr>
-              <a:t>'</a:t>
-            </a:r>
-            <a:r>
-              <a:rPr lang="da-DK" dirty="0" err="1">
-                <a:solidFill>
-                  <a:srgbClr val="6A8759"/>
-                </a:solidFill>
-              </a:rPr>
-              <a:t>day_tweeted</a:t>
-            </a:r>
-            <a:r>
-              <a:rPr lang="da-DK" dirty="0">
-                <a:solidFill>
-                  <a:srgbClr val="6A8759"/>
-                </a:solidFill>
-              </a:rPr>
-              <a:t>’</a:t>
-            </a:r>
-            <a:r>
-              <a:rPr lang="da-DK" dirty="0"/>
-              <a:t>]).</a:t>
+          </a:p>
+          <a:p>
+            <a:r>
+              <a:rPr lang="da-DK" sz="1600" dirty="0" err="1"/>
+              <a:t>df.loc</a:t>
+            </a:r>
+            <a:r>
+              <a:rPr lang="da-DK" sz="1600" dirty="0"/>
+              <a:t>[</a:t>
+            </a:r>
+            <a:r>
+              <a:rPr lang="da-DK" sz="1600" dirty="0" err="1"/>
+              <a:t>df</a:t>
+            </a:r>
+            <a:r>
+              <a:rPr lang="da-DK" sz="1600" dirty="0"/>
+              <a:t>['</a:t>
+            </a:r>
+            <a:r>
+              <a:rPr lang="da-DK" sz="1600" dirty="0" err="1"/>
+              <a:t>days_since_user_creation</a:t>
+            </a:r>
+            <a:r>
+              <a:rPr lang="da-DK" sz="1600" dirty="0"/>
+              <a:t>'] &lt; 1]</a:t>
             </a:r>
             <a:br>
-              <a:rPr lang="da-DK" dirty="0"/>
-            </a:br>
-            <a:r>
-              <a:rPr lang="da-DK" dirty="0" err="1"/>
-              <a:t>size</a:t>
-            </a:r>
-            <a:r>
-              <a:rPr lang="da-DK" dirty="0"/>
-              <a:t>().</a:t>
-            </a:r>
-            <a:r>
-              <a:rPr lang="da-DK" dirty="0" err="1"/>
-              <a:t>reset_index</a:t>
-            </a:r>
-            <a:r>
-              <a:rPr lang="da-DK" dirty="0"/>
-              <a:t>(</a:t>
-            </a:r>
-            <a:r>
-              <a:rPr lang="da-DK" dirty="0" err="1">
-                <a:solidFill>
-                  <a:srgbClr val="AA4926"/>
-                </a:solidFill>
-              </a:rPr>
-              <a:t>name</a:t>
-            </a:r>
-            <a:r>
-              <a:rPr lang="da-DK" dirty="0"/>
-              <a:t>=</a:t>
-            </a:r>
-            <a:r>
-              <a:rPr lang="da-DK" dirty="0">
-                <a:solidFill>
-                  <a:srgbClr val="6A8759"/>
-                </a:solidFill>
-              </a:rPr>
-              <a:t>'</a:t>
-            </a:r>
-            <a:r>
-              <a:rPr lang="da-DK" dirty="0" err="1">
-                <a:solidFill>
-                  <a:srgbClr val="6A8759"/>
-                </a:solidFill>
-              </a:rPr>
-              <a:t>counts</a:t>
-            </a:r>
-            <a:r>
-              <a:rPr lang="da-DK" dirty="0">
-                <a:solidFill>
-                  <a:srgbClr val="6A8759"/>
-                </a:solidFill>
-              </a:rPr>
-              <a:t>'</a:t>
-            </a:r>
-            <a:r>
-              <a:rPr lang="da-DK" dirty="0"/>
-              <a:t>)</a:t>
-            </a:r>
-            <a:br>
-              <a:rPr lang="da-DK" dirty="0"/>
+              <a:rPr lang="da-DK" sz="1600" dirty="0"/>
             </a:br>
             <a:br>
-              <a:rPr lang="da-DK" dirty="0"/>
+              <a:rPr lang="da-DK" sz="1600" dirty="0"/>
             </a:br>
             <a:r>
-              <a:rPr lang="da-DK" dirty="0">
-                <a:solidFill>
-                  <a:srgbClr val="808080"/>
-                </a:solidFill>
-              </a:rPr>
-              <a:t># </a:t>
-            </a:r>
-            <a:r>
-              <a:rPr lang="da-DK" dirty="0" err="1">
-                <a:solidFill>
-                  <a:srgbClr val="808080"/>
-                </a:solidFill>
-              </a:rPr>
-              <a:t>Making</a:t>
-            </a:r>
-            <a:r>
-              <a:rPr lang="da-DK" dirty="0">
-                <a:solidFill>
-                  <a:srgbClr val="808080"/>
-                </a:solidFill>
-              </a:rPr>
-              <a:t> the plot</a:t>
+              <a:rPr lang="da-DK" sz="1600" dirty="0"/>
+              <a:t># plotting the difference</a:t>
             </a:r>
             <a:br>
-              <a:rPr lang="da-DK" dirty="0">
-                <a:solidFill>
-                  <a:srgbClr val="808080"/>
-                </a:solidFill>
-              </a:rPr>
+              <a:rPr lang="da-DK" sz="1600" dirty="0"/>
             </a:br>
             <a:r>
-              <a:rPr lang="da-DK" dirty="0" err="1"/>
-              <a:t>fig</a:t>
-            </a:r>
-            <a:r>
-              <a:rPr lang="da-DK" dirty="0">
-                <a:solidFill>
-                  <a:srgbClr val="CC7832"/>
-                </a:solidFill>
-              </a:rPr>
-              <a:t>, </a:t>
-            </a:r>
-            <a:r>
-              <a:rPr lang="da-DK" dirty="0" err="1"/>
-              <a:t>ax</a:t>
-            </a:r>
-            <a:r>
-              <a:rPr lang="da-DK" dirty="0"/>
-              <a:t> = </a:t>
-            </a:r>
-            <a:r>
-              <a:rPr lang="da-DK" dirty="0" err="1"/>
-              <a:t>plt.subplots</a:t>
-            </a:r>
-            <a:r>
-              <a:rPr lang="da-DK" dirty="0"/>
-              <a:t>()</a:t>
+              <a:rPr lang="da-DK" sz="1600" dirty="0" err="1"/>
+              <a:t>means</a:t>
+            </a:r>
+            <a:r>
+              <a:rPr lang="da-DK" sz="1600" dirty="0"/>
+              <a:t> = [</a:t>
+            </a:r>
+            <a:r>
+              <a:rPr lang="da-DK" sz="1600" dirty="0" err="1"/>
+              <a:t>new_users</a:t>
+            </a:r>
+            <a:r>
+              <a:rPr lang="da-DK" sz="1600" dirty="0"/>
+              <a:t>['</a:t>
+            </a:r>
+            <a:r>
+              <a:rPr lang="da-DK" sz="1600" dirty="0" err="1"/>
+              <a:t>abs_sentiment</a:t>
+            </a:r>
+            <a:r>
+              <a:rPr lang="da-DK" sz="1600" dirty="0"/>
+              <a:t>'].</a:t>
+            </a:r>
+            <a:r>
+              <a:rPr lang="da-DK" sz="1600" dirty="0" err="1"/>
+              <a:t>mean</a:t>
+            </a:r>
+            <a:r>
+              <a:rPr lang="da-DK" sz="1600" dirty="0"/>
+              <a:t>(), </a:t>
+            </a:r>
+            <a:r>
+              <a:rPr lang="da-DK" sz="1600" dirty="0" err="1"/>
+              <a:t>df</a:t>
+            </a:r>
+            <a:r>
+              <a:rPr lang="da-DK" sz="1600" dirty="0"/>
+              <a:t>['</a:t>
+            </a:r>
+            <a:r>
+              <a:rPr lang="da-DK" sz="1600" dirty="0" err="1"/>
+              <a:t>abs_sentiment</a:t>
+            </a:r>
+            <a:r>
+              <a:rPr lang="da-DK" sz="1600" dirty="0"/>
+              <a:t>'].</a:t>
+            </a:r>
+            <a:r>
+              <a:rPr lang="da-DK" sz="1600" dirty="0" err="1"/>
+              <a:t>mean</a:t>
+            </a:r>
+            <a:r>
+              <a:rPr lang="da-DK" sz="1600" dirty="0"/>
+              <a:t>()]</a:t>
             </a:r>
             <a:br>
-              <a:rPr lang="da-DK" dirty="0"/>
-            </a:br>
-            <a:r>
-              <a:rPr lang="da-DK" dirty="0" err="1"/>
-              <a:t>ax.plot</a:t>
-            </a:r>
-            <a:r>
-              <a:rPr lang="da-DK" dirty="0"/>
-              <a:t>(</a:t>
-            </a:r>
-            <a:r>
-              <a:rPr lang="da-DK" dirty="0" err="1"/>
-              <a:t>daily_tweeting</a:t>
-            </a:r>
-            <a:r>
-              <a:rPr lang="da-DK" dirty="0"/>
-              <a:t>[</a:t>
-            </a:r>
-            <a:r>
-              <a:rPr lang="da-DK" dirty="0">
-                <a:solidFill>
-                  <a:srgbClr val="6A8759"/>
-                </a:solidFill>
-              </a:rPr>
-              <a:t>'</a:t>
-            </a:r>
-            <a:r>
-              <a:rPr lang="da-DK" dirty="0" err="1">
-                <a:solidFill>
-                  <a:srgbClr val="6A8759"/>
-                </a:solidFill>
-              </a:rPr>
-              <a:t>day_tweeted</a:t>
-            </a:r>
-            <a:r>
-              <a:rPr lang="da-DK" dirty="0">
-                <a:solidFill>
-                  <a:srgbClr val="6A8759"/>
-                </a:solidFill>
-              </a:rPr>
-              <a:t>'</a:t>
-            </a:r>
-            <a:r>
-              <a:rPr lang="da-DK" dirty="0"/>
-              <a:t>]</a:t>
-            </a:r>
-            <a:r>
-              <a:rPr lang="da-DK" dirty="0">
-                <a:solidFill>
-                  <a:srgbClr val="CC7832"/>
-                </a:solidFill>
-              </a:rPr>
-              <a:t>, </a:t>
-            </a:r>
-            <a:r>
-              <a:rPr lang="da-DK" dirty="0" err="1"/>
-              <a:t>daily_tweeting</a:t>
-            </a:r>
-            <a:r>
-              <a:rPr lang="da-DK" dirty="0"/>
-              <a:t>[</a:t>
-            </a:r>
-            <a:r>
-              <a:rPr lang="da-DK" dirty="0">
-                <a:solidFill>
-                  <a:srgbClr val="6A8759"/>
-                </a:solidFill>
-              </a:rPr>
-              <a:t>'</a:t>
-            </a:r>
-            <a:r>
-              <a:rPr lang="da-DK" dirty="0" err="1">
-                <a:solidFill>
-                  <a:srgbClr val="6A8759"/>
-                </a:solidFill>
-              </a:rPr>
-              <a:t>counts</a:t>
-            </a:r>
-            <a:r>
-              <a:rPr lang="da-DK" dirty="0">
-                <a:solidFill>
-                  <a:srgbClr val="6A8759"/>
-                </a:solidFill>
-              </a:rPr>
-              <a:t>'</a:t>
-            </a:r>
-            <a:r>
-              <a:rPr lang="da-DK" dirty="0"/>
-              <a:t>])</a:t>
-            </a:r>
-            <a:br>
-              <a:rPr lang="da-DK" dirty="0"/>
-            </a:br>
-            <a:r>
-              <a:rPr lang="da-DK" dirty="0" err="1"/>
-              <a:t>ax.set_ylabel</a:t>
-            </a:r>
-            <a:r>
-              <a:rPr lang="da-DK" dirty="0"/>
-              <a:t>(</a:t>
-            </a:r>
-            <a:r>
-              <a:rPr lang="da-DK" dirty="0">
-                <a:solidFill>
-                  <a:srgbClr val="6A8759"/>
-                </a:solidFill>
-              </a:rPr>
-              <a:t>'</a:t>
-            </a:r>
-            <a:r>
-              <a:rPr lang="da-DK" dirty="0" err="1">
-                <a:solidFill>
-                  <a:srgbClr val="6A8759"/>
-                </a:solidFill>
-              </a:rPr>
-              <a:t>Frequency</a:t>
-            </a:r>
-            <a:r>
-              <a:rPr lang="da-DK" dirty="0">
-                <a:solidFill>
-                  <a:srgbClr val="6A8759"/>
-                </a:solidFill>
-              </a:rPr>
-              <a:t>'</a:t>
-            </a:r>
-            <a:r>
-              <a:rPr lang="da-DK" dirty="0"/>
-              <a:t>)</a:t>
-            </a:r>
-            <a:br>
-              <a:rPr lang="da-DK" dirty="0"/>
-            </a:br>
-            <a:r>
-              <a:rPr lang="da-DK" dirty="0" err="1"/>
-              <a:t>ax.set_title</a:t>
-            </a:r>
-            <a:r>
-              <a:rPr lang="da-DK" dirty="0"/>
-              <a:t>(</a:t>
-            </a:r>
-            <a:r>
-              <a:rPr lang="da-DK" dirty="0">
-                <a:solidFill>
-                  <a:srgbClr val="6A8759"/>
-                </a:solidFill>
-              </a:rPr>
-              <a:t>'</a:t>
-            </a:r>
-            <a:r>
-              <a:rPr lang="da-DK" dirty="0" err="1">
-                <a:solidFill>
-                  <a:srgbClr val="6A8759"/>
-                </a:solidFill>
-              </a:rPr>
-              <a:t>Tweets</a:t>
-            </a:r>
-            <a:r>
-              <a:rPr lang="da-DK" dirty="0">
-                <a:solidFill>
-                  <a:srgbClr val="6A8759"/>
-                </a:solidFill>
-              </a:rPr>
-              <a:t> per Day'</a:t>
-            </a:r>
-            <a:r>
-              <a:rPr lang="da-DK" dirty="0"/>
-              <a:t>)</a:t>
-            </a:r>
-            <a:br>
-              <a:rPr lang="da-DK" dirty="0"/>
-            </a:br>
-            <a:r>
-              <a:rPr lang="da-DK" dirty="0" err="1"/>
-              <a:t>plt.xticks</a:t>
-            </a:r>
-            <a:r>
-              <a:rPr lang="da-DK" dirty="0"/>
-              <a:t>(</a:t>
-            </a:r>
-            <a:r>
-              <a:rPr lang="da-DK" dirty="0">
-                <a:solidFill>
-                  <a:srgbClr val="AA4926"/>
-                </a:solidFill>
-              </a:rPr>
-              <a:t>rotation</a:t>
-            </a:r>
-            <a:r>
-              <a:rPr lang="da-DK" dirty="0"/>
-              <a:t>=</a:t>
-            </a:r>
-            <a:r>
-              <a:rPr lang="da-DK" dirty="0">
-                <a:solidFill>
-                  <a:srgbClr val="6897BB"/>
-                </a:solidFill>
-              </a:rPr>
-              <a:t>90</a:t>
-            </a:r>
-            <a:r>
-              <a:rPr lang="da-DK" dirty="0"/>
-              <a:t>)</a:t>
-            </a:r>
-            <a:br>
-              <a:rPr lang="da-DK" dirty="0"/>
+              <a:rPr lang="da-DK" sz="1600" dirty="0"/>
             </a:br>
             <a:br>
-              <a:rPr lang="da-DK" dirty="0"/>
+              <a:rPr lang="da-DK" sz="1600" dirty="0"/>
             </a:br>
             <a:r>
-              <a:rPr lang="da-DK" dirty="0" err="1"/>
+              <a:rPr lang="da-DK" sz="1600" dirty="0"/>
+              <a:t># </a:t>
+            </a:r>
+            <a:r>
+              <a:rPr lang="da-DK" sz="1600" dirty="0" err="1"/>
+              <a:t>Creating</a:t>
+            </a:r>
+            <a:r>
+              <a:rPr lang="da-DK" sz="1600" dirty="0"/>
+              <a:t> the plot</a:t>
+            </a:r>
+            <a:br>
+              <a:rPr lang="da-DK" sz="1600" dirty="0"/>
+            </a:br>
+            <a:r>
+              <a:rPr lang="da-DK" sz="1600" dirty="0"/>
+              <a:t>ind = </a:t>
+            </a:r>
+            <a:r>
+              <a:rPr lang="da-DK" sz="1600" dirty="0" err="1"/>
+              <a:t>np.arange</a:t>
+            </a:r>
+            <a:r>
+              <a:rPr lang="da-DK" sz="1600" dirty="0"/>
+              <a:t>(2)</a:t>
+            </a:r>
+            <a:br>
+              <a:rPr lang="da-DK" sz="1600" dirty="0"/>
+            </a:br>
+            <a:r>
+              <a:rPr lang="da-DK" sz="1600" dirty="0" err="1"/>
+              <a:t>plt.bar</a:t>
+            </a:r>
+            <a:r>
+              <a:rPr lang="da-DK" sz="1600" dirty="0"/>
+              <a:t>(ind, </a:t>
+            </a:r>
+            <a:r>
+              <a:rPr lang="da-DK" sz="1600" dirty="0" err="1"/>
+              <a:t>means</a:t>
+            </a:r>
+            <a:r>
+              <a:rPr lang="da-DK" sz="1600" dirty="0"/>
+              <a:t>, </a:t>
+            </a:r>
+            <a:r>
+              <a:rPr lang="da-DK" sz="1600" dirty="0" err="1"/>
+              <a:t>color</a:t>
+            </a:r>
+            <a:r>
+              <a:rPr lang="da-DK" sz="1600" dirty="0"/>
+              <a:t> = ['red', '</a:t>
+            </a:r>
+            <a:r>
+              <a:rPr lang="da-DK" sz="1600" dirty="0" err="1"/>
+              <a:t>blue</a:t>
+            </a:r>
+            <a:r>
+              <a:rPr lang="da-DK" sz="1600" dirty="0"/>
+              <a:t>'], </a:t>
+            </a:r>
+            <a:r>
+              <a:rPr lang="da-DK" sz="1600" dirty="0" err="1"/>
+              <a:t>width</a:t>
+            </a:r>
+            <a:r>
+              <a:rPr lang="da-DK" sz="1600" dirty="0"/>
+              <a:t> = 0.5)</a:t>
+            </a:r>
+            <a:br>
+              <a:rPr lang="da-DK" sz="1600" dirty="0"/>
+            </a:br>
+            <a:r>
+              <a:rPr lang="da-DK" sz="1600" dirty="0" err="1"/>
+              <a:t>plt.xticks</a:t>
+            </a:r>
+            <a:r>
+              <a:rPr lang="da-DK" sz="1600" dirty="0"/>
+              <a:t>(ind, ['New </a:t>
+            </a:r>
+            <a:r>
+              <a:rPr lang="da-DK" sz="1600" dirty="0" err="1"/>
+              <a:t>Users','Overall</a:t>
+            </a:r>
+            <a:r>
+              <a:rPr lang="da-DK" sz="1600" dirty="0"/>
+              <a:t>'])</a:t>
+            </a:r>
+            <a:br>
+              <a:rPr lang="da-DK" sz="1600" dirty="0"/>
+            </a:br>
+            <a:r>
+              <a:rPr lang="da-DK" sz="1600" dirty="0" err="1"/>
+              <a:t>plt.ylabel</a:t>
+            </a:r>
+            <a:r>
+              <a:rPr lang="da-DK" sz="1600" dirty="0"/>
+              <a:t>('</a:t>
+            </a:r>
+            <a:r>
+              <a:rPr lang="da-DK" sz="1600" dirty="0" err="1"/>
+              <a:t>Absolute</a:t>
+            </a:r>
+            <a:r>
+              <a:rPr lang="da-DK" sz="1600" dirty="0"/>
+              <a:t> </a:t>
+            </a:r>
+            <a:r>
+              <a:rPr lang="da-DK" sz="1600" dirty="0" err="1"/>
+              <a:t>Sentiment</a:t>
+            </a:r>
+            <a:r>
+              <a:rPr lang="da-DK" sz="1600" dirty="0"/>
+              <a:t>')</a:t>
+            </a:r>
+            <a:br>
+              <a:rPr lang="da-DK" sz="1600" dirty="0"/>
+            </a:br>
+            <a:r>
+              <a:rPr lang="da-DK" sz="1600" dirty="0" err="1"/>
+              <a:t>plt.title</a:t>
+            </a:r>
+            <a:r>
+              <a:rPr lang="da-DK" sz="1600" dirty="0"/>
+              <a:t>('</a:t>
+            </a:r>
+            <a:r>
+              <a:rPr lang="da-DK" sz="1600" dirty="0" err="1"/>
+              <a:t>Absolute</a:t>
+            </a:r>
+            <a:r>
+              <a:rPr lang="da-DK" sz="1600" dirty="0"/>
+              <a:t> </a:t>
+            </a:r>
+            <a:r>
+              <a:rPr lang="da-DK" sz="1600" dirty="0" err="1"/>
+              <a:t>Sentiment</a:t>
+            </a:r>
+            <a:r>
+              <a:rPr lang="da-DK" sz="1600" dirty="0"/>
+              <a:t> by </a:t>
+            </a:r>
+            <a:r>
+              <a:rPr lang="da-DK" sz="1600" dirty="0" err="1"/>
+              <a:t>Account</a:t>
+            </a:r>
+            <a:r>
+              <a:rPr lang="da-DK" sz="1600" dirty="0"/>
+              <a:t> Creation')</a:t>
+            </a:r>
+            <a:br>
+              <a:rPr lang="da-DK" sz="1600" dirty="0"/>
+            </a:br>
+            <a:r>
+              <a:rPr lang="da-DK" sz="1600" dirty="0" err="1"/>
               <a:t>plt.show</a:t>
             </a:r>
             <a:r>
-              <a:rPr lang="da-DK" dirty="0"/>
+              <a:rPr lang="da-DK" sz="1600" dirty="0"/>
               <a:t>()</a:t>
             </a:r>
           </a:p>
